--- a/Módulo 01 - HTML e CSS/Aula 06 - Introdução ao Box Model/Introdução ao Box Model.pptx
+++ b/Módulo 01 - HTML e CSS/Aula 06 - Introdução ao Box Model/Introdução ao Box Model.pptx
@@ -5,10 +5,10 @@
     <p:sldMasterId id="2147483677" r:id="rId1"/>
   </p:sldMasterIdLst>
   <p:notesMasterIdLst>
-    <p:notesMasterId r:id="rId21"/>
+    <p:notesMasterId r:id="rId24"/>
   </p:notesMasterIdLst>
   <p:handoutMasterIdLst>
-    <p:handoutMasterId r:id="rId22"/>
+    <p:handoutMasterId r:id="rId25"/>
   </p:handoutMasterIdLst>
   <p:sldIdLst>
     <p:sldId id="256" r:id="rId2"/>
@@ -22,14 +22,17 @@
     <p:sldId id="268" r:id="rId10"/>
     <p:sldId id="267" r:id="rId11"/>
     <p:sldId id="277" r:id="rId12"/>
-    <p:sldId id="259" r:id="rId13"/>
-    <p:sldId id="269" r:id="rId14"/>
-    <p:sldId id="270" r:id="rId15"/>
-    <p:sldId id="271" r:id="rId16"/>
-    <p:sldId id="272" r:id="rId17"/>
-    <p:sldId id="274" r:id="rId18"/>
-    <p:sldId id="275" r:id="rId19"/>
-    <p:sldId id="276" r:id="rId20"/>
+    <p:sldId id="278" r:id="rId13"/>
+    <p:sldId id="272" r:id="rId14"/>
+    <p:sldId id="274" r:id="rId15"/>
+    <p:sldId id="275" r:id="rId16"/>
+    <p:sldId id="276" r:id="rId17"/>
+    <p:sldId id="279" r:id="rId18"/>
+    <p:sldId id="259" r:id="rId19"/>
+    <p:sldId id="269" r:id="rId20"/>
+    <p:sldId id="270" r:id="rId21"/>
+    <p:sldId id="271" r:id="rId22"/>
+    <p:sldId id="280" r:id="rId23"/>
   </p:sldIdLst>
   <p:sldSz cx="12192000" cy="6858000"/>
   <p:notesSz cx="6888163" cy="10020300"/>
@@ -244,7 +247,7 @@
           <a:p>
             <a:fld id="{0F28648D-752F-4D9E-8EC2-61293C3E9BC7}" type="datetimeFigureOut">
               <a:rPr lang="pt-BR" smtClean="0"/>
-              <a:t>28/01/2025</a:t>
+              <a:t>04/02/2025</a:t>
             </a:fld>
             <a:endParaRPr lang="pt-BR"/>
           </a:p>
@@ -421,7 +424,7 @@
           <a:p>
             <a:fld id="{C67E822F-2664-47C4-8404-83B1D4D0E6EE}" type="datetimeFigureOut">
               <a:rPr lang="pt-BR" smtClean="0"/>
-              <a:t>28/01/2025</a:t>
+              <a:t>04/02/2025</a:t>
             </a:fld>
             <a:endParaRPr lang="pt-BR"/>
           </a:p>
@@ -1124,7 +1127,7 @@
           <a:p>
             <a:fld id="{CDD55C27-F8C6-4481-8569-CAC50CAE9F1F}" type="datetimeFigureOut">
               <a:rPr lang="pt-BR" smtClean="0"/>
-              <a:t>28/01/2025</a:t>
+              <a:t>04/02/2025</a:t>
             </a:fld>
             <a:endParaRPr lang="pt-BR"/>
           </a:p>
@@ -1614,7 +1617,7 @@
           <a:p>
             <a:fld id="{CDD55C27-F8C6-4481-8569-CAC50CAE9F1F}" type="datetimeFigureOut">
               <a:rPr lang="pt-BR" smtClean="0"/>
-              <a:t>28/01/2025</a:t>
+              <a:t>04/02/2025</a:t>
             </a:fld>
             <a:endParaRPr lang="pt-BR"/>
           </a:p>
@@ -1917,7 +1920,7 @@
           <a:p>
             <a:fld id="{CDD55C27-F8C6-4481-8569-CAC50CAE9F1F}" type="datetimeFigureOut">
               <a:rPr lang="pt-BR" smtClean="0"/>
-              <a:t>28/01/2025</a:t>
+              <a:t>04/02/2025</a:t>
             </a:fld>
             <a:endParaRPr lang="pt-BR"/>
           </a:p>
@@ -2368,7 +2371,7 @@
           <a:p>
             <a:fld id="{CDD55C27-F8C6-4481-8569-CAC50CAE9F1F}" type="datetimeFigureOut">
               <a:rPr lang="pt-BR" smtClean="0"/>
-              <a:t>28/01/2025</a:t>
+              <a:t>04/02/2025</a:t>
             </a:fld>
             <a:endParaRPr lang="pt-BR"/>
           </a:p>
@@ -2541,7 +2544,7 @@
           <a:p>
             <a:fld id="{CDD55C27-F8C6-4481-8569-CAC50CAE9F1F}" type="datetimeFigureOut">
               <a:rPr lang="pt-BR" smtClean="0"/>
-              <a:t>28/01/2025</a:t>
+              <a:t>04/02/2025</a:t>
             </a:fld>
             <a:endParaRPr lang="pt-BR"/>
           </a:p>
@@ -2678,7 +2681,7 @@
           <a:p>
             <a:fld id="{CDD55C27-F8C6-4481-8569-CAC50CAE9F1F}" type="datetimeFigureOut">
               <a:rPr lang="pt-BR" smtClean="0"/>
-              <a:t>28/01/2025</a:t>
+              <a:t>04/02/2025</a:t>
             </a:fld>
             <a:endParaRPr lang="pt-BR"/>
           </a:p>
@@ -3022,7 +3025,7 @@
           <a:p>
             <a:fld id="{CDD55C27-F8C6-4481-8569-CAC50CAE9F1F}" type="datetimeFigureOut">
               <a:rPr lang="pt-BR" smtClean="0"/>
-              <a:t>28/01/2025</a:t>
+              <a:t>04/02/2025</a:t>
             </a:fld>
             <a:endParaRPr lang="pt-BR"/>
           </a:p>
@@ -3343,7 +3346,7 @@
           <a:p>
             <a:fld id="{CDD55C27-F8C6-4481-8569-CAC50CAE9F1F}" type="datetimeFigureOut">
               <a:rPr lang="pt-BR" smtClean="0"/>
-              <a:t>28/01/2025</a:t>
+              <a:t>04/02/2025</a:t>
             </a:fld>
             <a:endParaRPr lang="pt-BR"/>
           </a:p>
@@ -5579,7 +5582,7 @@
           <p:cNvPr id="2" name="Título 1">
             <a:extLst>
               <a:ext uri="{FF2B5EF4-FFF2-40B4-BE49-F238E27FC236}">
-                <a16:creationId xmlns:a16="http://schemas.microsoft.com/office/drawing/2014/main" id="{8087B0A1-EFD0-4EBF-BC92-35A52A3B21DF}"/>
+                <a16:creationId xmlns:a16="http://schemas.microsoft.com/office/drawing/2014/main" id="{A0D4B4DB-6E60-4935-AFDF-ABAB79C18686}"/>
               </a:ext>
             </a:extLst>
           </p:cNvPr>
@@ -5596,12 +5599,8 @@
           <a:lstStyle/>
           <a:p>
             <a:r>
-              <a:rPr lang="pt-BR" dirty="0" err="1"/>
-              <a:t>Margin</a:t>
-            </a:r>
-            <a:r>
               <a:rPr lang="pt-BR" dirty="0"/>
-              <a:t> - Propriedade de Espaçamento Externo</a:t>
+              <a:t>Desafio: Estilizando Bordas e Sombras</a:t>
             </a:r>
           </a:p>
         </p:txBody>
@@ -5611,7 +5610,7 @@
           <p:cNvPr id="3" name="Espaço Reservado para Conteúdo 2">
             <a:extLst>
               <a:ext uri="{FF2B5EF4-FFF2-40B4-BE49-F238E27FC236}">
-                <a16:creationId xmlns:a16="http://schemas.microsoft.com/office/drawing/2014/main" id="{5C52445C-BFC6-4559-8923-0E589B09D3A4}"/>
+                <a16:creationId xmlns:a16="http://schemas.microsoft.com/office/drawing/2014/main" id="{B2E175BB-B3D6-4852-9F4B-F79FDAD5F139}"/>
               </a:ext>
             </a:extLst>
           </p:cNvPr>
@@ -5622,271 +5621,88 @@
             <p:ph idx="1"/>
           </p:nvPr>
         </p:nvSpPr>
-        <p:spPr>
-          <a:xfrm>
-            <a:off x="592347" y="1844675"/>
-            <a:ext cx="11007306" cy="1647462"/>
-          </a:xfrm>
-        </p:spPr>
+        <p:spPr/>
         <p:txBody>
           <a:bodyPr/>
           <a:lstStyle/>
           <a:p>
             <a:r>
               <a:rPr lang="pt-BR" dirty="0"/>
-              <a:t>A propriedade </a:t>
+              <a:t>Crie duas &lt;</a:t>
             </a:r>
             <a:r>
               <a:rPr lang="pt-BR" dirty="0" err="1"/>
-              <a:t>Margin</a:t>
+              <a:t>div</a:t>
             </a:r>
             <a:r>
               <a:rPr lang="pt-BR" dirty="0"/>
-              <a:t> permite ajustar o tamanho da área fora da borda de um elemento, usada para criar espaçamento entre elementos na página.</a:t>
-            </a:r>
-          </a:p>
-          <a:p>
-            <a:r>
-              <a:rPr lang="pt-BR" dirty="0"/>
-              <a:t>Sintaxe:</a:t>
-            </a:r>
-          </a:p>
-        </p:txBody>
-      </p:sp>
-      <p:sp>
-        <p:nvSpPr>
-          <p:cNvPr id="5" name="Retângulo 4">
-            <a:extLst>
-              <a:ext uri="{FF2B5EF4-FFF2-40B4-BE49-F238E27FC236}">
-                <a16:creationId xmlns:a16="http://schemas.microsoft.com/office/drawing/2014/main" id="{B5A26325-B3D1-43C1-813D-9D612F2EB303}"/>
-              </a:ext>
-            </a:extLst>
-          </p:cNvPr>
-          <p:cNvSpPr/>
-          <p:nvPr/>
-        </p:nvSpPr>
-        <p:spPr>
-          <a:xfrm>
-            <a:off x="2432594" y="4033819"/>
-            <a:ext cx="2403566" cy="923330"/>
-          </a:xfrm>
-          <a:prstGeom prst="rect">
-            <a:avLst/>
-          </a:prstGeom>
-        </p:spPr>
-        <p:txBody>
-          <a:bodyPr wrap="square">
-            <a:spAutoFit/>
-          </a:bodyPr>
-          <a:lstStyle/>
-          <a:p>
-            <a:r>
-              <a:rPr lang="pt-BR" dirty="0">
-                <a:solidFill>
-                  <a:srgbClr val="000000"/>
-                </a:solidFill>
-                <a:latin typeface="Consolas" panose="020B0609020204030204" pitchFamily="49" charset="0"/>
-              </a:rPr>
-              <a:t>seletor {</a:t>
-            </a:r>
-          </a:p>
-          <a:p>
-            <a:pPr indent="457200"/>
-            <a:r>
-              <a:rPr lang="pt-BR" dirty="0" err="1">
-                <a:solidFill>
-                  <a:srgbClr val="E50000"/>
-                </a:solidFill>
-                <a:latin typeface="Consolas" panose="020B0609020204030204" pitchFamily="49" charset="0"/>
-              </a:rPr>
-              <a:t>margin</a:t>
-            </a:r>
-            <a:r>
-              <a:rPr lang="pt-BR" dirty="0">
-                <a:solidFill>
-                  <a:srgbClr val="000000"/>
-                </a:solidFill>
-                <a:latin typeface="Consolas" panose="020B0609020204030204" pitchFamily="49" charset="0"/>
-              </a:rPr>
-              <a:t>: valor;</a:t>
-            </a:r>
-          </a:p>
-          <a:p>
-            <a:r>
-              <a:rPr lang="pt-BR" dirty="0">
-                <a:solidFill>
-                  <a:srgbClr val="000000"/>
-                </a:solidFill>
-                <a:latin typeface="Consolas" panose="020B0609020204030204" pitchFamily="49" charset="0"/>
-              </a:rPr>
-              <a:t>}</a:t>
-            </a:r>
-            <a:endParaRPr lang="pt-BR" b="0" dirty="0">
-              <a:solidFill>
-                <a:srgbClr val="000000"/>
-              </a:solidFill>
-              <a:effectLst/>
-              <a:latin typeface="Consolas" panose="020B0609020204030204" pitchFamily="49" charset="0"/>
-            </a:endParaRPr>
-          </a:p>
-        </p:txBody>
-      </p:sp>
-      <p:sp>
-        <p:nvSpPr>
-          <p:cNvPr id="6" name="Retângulo 5">
-            <a:extLst>
-              <a:ext uri="{FF2B5EF4-FFF2-40B4-BE49-F238E27FC236}">
-                <a16:creationId xmlns:a16="http://schemas.microsoft.com/office/drawing/2014/main" id="{3D487698-325A-493C-9674-EF0F537C6FD6}"/>
-              </a:ext>
-            </a:extLst>
-          </p:cNvPr>
-          <p:cNvSpPr/>
-          <p:nvPr/>
-        </p:nvSpPr>
-        <p:spPr>
-          <a:xfrm>
-            <a:off x="7268754" y="4033819"/>
-            <a:ext cx="2490651" cy="1200329"/>
-          </a:xfrm>
-          <a:prstGeom prst="rect">
-            <a:avLst/>
-          </a:prstGeom>
-        </p:spPr>
-        <p:txBody>
-          <a:bodyPr wrap="square">
-            <a:spAutoFit/>
-          </a:bodyPr>
-          <a:lstStyle/>
-          <a:p>
-            <a:r>
-              <a:rPr lang="pt-BR" dirty="0">
-                <a:solidFill>
-                  <a:srgbClr val="800000"/>
-                </a:solidFill>
-                <a:latin typeface="Consolas" panose="020B0609020204030204" pitchFamily="49" charset="0"/>
-              </a:rPr>
-              <a:t>h1</a:t>
-            </a:r>
-            <a:r>
-              <a:rPr lang="pt-BR" dirty="0">
-                <a:solidFill>
-                  <a:srgbClr val="000000"/>
-                </a:solidFill>
-                <a:latin typeface="Consolas" panose="020B0609020204030204" pitchFamily="49" charset="0"/>
-              </a:rPr>
-              <a:t> {</a:t>
-            </a:r>
-          </a:p>
-          <a:p>
-            <a:r>
-              <a:rPr lang="pt-BR" dirty="0">
-                <a:solidFill>
-                  <a:srgbClr val="000000"/>
-                </a:solidFill>
-                <a:latin typeface="Consolas" panose="020B0609020204030204" pitchFamily="49" charset="0"/>
-              </a:rPr>
-              <a:t>    </a:t>
-            </a:r>
-            <a:r>
-              <a:rPr lang="pt-BR" dirty="0" err="1">
-                <a:solidFill>
-                  <a:srgbClr val="E50000"/>
-                </a:solidFill>
-                <a:latin typeface="Consolas" panose="020B0609020204030204" pitchFamily="49" charset="0"/>
-              </a:rPr>
-              <a:t>margin</a:t>
-            </a:r>
-            <a:r>
-              <a:rPr lang="pt-BR" dirty="0">
-                <a:solidFill>
-                  <a:srgbClr val="000000"/>
-                </a:solidFill>
-                <a:latin typeface="Consolas" panose="020B0609020204030204" pitchFamily="49" charset="0"/>
-              </a:rPr>
-              <a:t>: </a:t>
-            </a:r>
-            <a:r>
-              <a:rPr lang="pt-BR" dirty="0">
-                <a:solidFill>
-                  <a:srgbClr val="098658"/>
-                </a:solidFill>
-                <a:latin typeface="Consolas" panose="020B0609020204030204" pitchFamily="49" charset="0"/>
-              </a:rPr>
-              <a:t>50px</a:t>
-            </a:r>
-            <a:r>
-              <a:rPr lang="pt-BR" dirty="0">
-                <a:solidFill>
-                  <a:srgbClr val="000000"/>
-                </a:solidFill>
-                <a:latin typeface="Consolas" panose="020B0609020204030204" pitchFamily="49" charset="0"/>
-              </a:rPr>
-              <a:t>;</a:t>
-            </a:r>
-          </a:p>
-          <a:p>
-            <a:pPr indent="457200"/>
-            <a:r>
-              <a:rPr lang="pt-BR" dirty="0" err="1">
-                <a:solidFill>
-                  <a:srgbClr val="E50000"/>
-                </a:solidFill>
-                <a:latin typeface="Consolas" panose="020B0609020204030204" pitchFamily="49" charset="0"/>
-              </a:rPr>
-              <a:t>margin</a:t>
-            </a:r>
-            <a:r>
-              <a:rPr lang="pt-BR" dirty="0">
-                <a:solidFill>
-                  <a:srgbClr val="000000"/>
-                </a:solidFill>
-                <a:latin typeface="Consolas" panose="020B0609020204030204" pitchFamily="49" charset="0"/>
-              </a:rPr>
-              <a:t>: </a:t>
-            </a:r>
-            <a:r>
-              <a:rPr lang="pt-BR" dirty="0">
-                <a:solidFill>
-                  <a:srgbClr val="098658"/>
-                </a:solidFill>
-                <a:latin typeface="Consolas" panose="020B0609020204030204" pitchFamily="49" charset="0"/>
-              </a:rPr>
-              <a:t>auto</a:t>
-            </a:r>
-            <a:r>
-              <a:rPr lang="pt-BR" dirty="0">
-                <a:solidFill>
-                  <a:srgbClr val="000000"/>
-                </a:solidFill>
-                <a:latin typeface="Consolas" panose="020B0609020204030204" pitchFamily="49" charset="0"/>
-              </a:rPr>
-              <a:t>;</a:t>
-            </a:r>
-          </a:p>
-          <a:p>
-            <a:r>
-              <a:rPr lang="pt-BR" dirty="0">
-                <a:solidFill>
-                  <a:srgbClr val="000000"/>
-                </a:solidFill>
-                <a:latin typeface="Consolas" panose="020B0609020204030204" pitchFamily="49" charset="0"/>
-              </a:rPr>
-              <a:t>}</a:t>
-            </a:r>
-            <a:endParaRPr lang="pt-BR" b="0" dirty="0">
-              <a:solidFill>
-                <a:srgbClr val="000000"/>
-              </a:solidFill>
-              <a:effectLst/>
-              <a:latin typeface="Consolas" panose="020B0609020204030204" pitchFamily="49" charset="0"/>
-            </a:endParaRPr>
+              <a:t>&gt; com textos diferentes e aplique estilos personalizados para destacar sua aparência.</a:t>
+            </a:r>
+          </a:p>
+          <a:p>
+            <a:pPr marL="1028700" lvl="1" indent="-342900"/>
+            <a:r>
+              <a:rPr lang="pt-BR" sz="1800" dirty="0"/>
+              <a:t>Cada caixa deve ter uma borda sólida com 2px de espessura.</a:t>
+            </a:r>
+          </a:p>
+          <a:p>
+            <a:pPr marL="1028700" lvl="1" indent="-342900"/>
+            <a:r>
+              <a:rPr lang="pt-BR" sz="1800" dirty="0"/>
+              <a:t>A primeira caixa terá a borda azul #3498db, e a segunda, vermelha #e74c3c.</a:t>
+            </a:r>
+          </a:p>
+          <a:p>
+            <a:pPr marL="1028700" lvl="1" indent="-342900"/>
+            <a:r>
+              <a:rPr lang="pt-BR" sz="1800" dirty="0"/>
+              <a:t>Arredonde os cantos com </a:t>
+            </a:r>
+            <a:r>
+              <a:rPr lang="pt-BR" sz="1800" dirty="0" err="1"/>
+              <a:t>border-radius</a:t>
+            </a:r>
+            <a:r>
+              <a:rPr lang="pt-BR" sz="1800" dirty="0"/>
+              <a:t>: 10px para a primeira e 15px para a segunda.</a:t>
+            </a:r>
+          </a:p>
+          <a:p>
+            <a:pPr marL="1028700" lvl="1" indent="-342900"/>
+            <a:r>
+              <a:rPr lang="pt-BR" sz="1800" dirty="0"/>
+              <a:t>Adicione uma sombra com box-</a:t>
+            </a:r>
+            <a:r>
+              <a:rPr lang="pt-BR" sz="1800" dirty="0" err="1"/>
+              <a:t>shadow</a:t>
+            </a:r>
+            <a:r>
+              <a:rPr lang="pt-BR" sz="1800" dirty="0"/>
+              <a:t> para criar um efeito de profundidade:</a:t>
+            </a:r>
+          </a:p>
+          <a:p>
+            <a:pPr marL="1485900" lvl="2" indent="-342900"/>
+            <a:r>
+              <a:rPr lang="pt-BR" sz="1600" dirty="0"/>
+              <a:t>A primeira caixa terá uma sombra suave.</a:t>
+            </a:r>
+          </a:p>
+          <a:p>
+            <a:pPr marL="1485900" lvl="2" indent="-342900"/>
+            <a:r>
+              <a:rPr lang="pt-BR" sz="1600" dirty="0"/>
+              <a:t>A segunda caixa terá uma sombra mais intensa.</a:t>
+            </a:r>
           </a:p>
         </p:txBody>
       </p:sp>
     </p:spTree>
     <p:extLst>
       <p:ext uri="{BB962C8B-B14F-4D97-AF65-F5344CB8AC3E}">
-        <p14:creationId xmlns:p14="http://schemas.microsoft.com/office/powerpoint/2010/main" val="2446342427"/>
+        <p14:creationId xmlns:p14="http://schemas.microsoft.com/office/powerpoint/2010/main" val="512067932"/>
       </p:ext>
     </p:extLst>
   </p:cSld>
@@ -5918,7 +5734,7 @@
           <p:cNvPr id="2" name="Título 1">
             <a:extLst>
               <a:ext uri="{FF2B5EF4-FFF2-40B4-BE49-F238E27FC236}">
-                <a16:creationId xmlns:a16="http://schemas.microsoft.com/office/drawing/2014/main" id="{AF625C71-4D03-4FC3-B7F9-B7320DA2E833}"/>
+                <a16:creationId xmlns:a16="http://schemas.microsoft.com/office/drawing/2014/main" id="{24B288AB-8EC9-4B73-B405-9AB9BB402EA2}"/>
               </a:ext>
             </a:extLst>
           </p:cNvPr>
@@ -5935,14 +5751,13 @@
           <a:lstStyle/>
           <a:p>
             <a:r>
+              <a:rPr lang="pt-BR" dirty="0" err="1"/>
+              <a:t>Padding</a:t>
+            </a:r>
+            <a:r>
               <a:rPr lang="pt-BR" dirty="0"/>
-              <a:t>Propriedades Específicas do </a:t>
-            </a:r>
-            <a:r>
-              <a:rPr lang="pt-BR" dirty="0" err="1"/>
-              <a:t>Margin</a:t>
-            </a:r>
-            <a:endParaRPr lang="pt-BR" dirty="0"/>
+              <a:t> - Espaçamento Interno</a:t>
+            </a:r>
           </a:p>
         </p:txBody>
       </p:sp>
@@ -5951,7 +5766,7 @@
           <p:cNvPr id="3" name="Espaço Reservado para Conteúdo 2">
             <a:extLst>
               <a:ext uri="{FF2B5EF4-FFF2-40B4-BE49-F238E27FC236}">
-                <a16:creationId xmlns:a16="http://schemas.microsoft.com/office/drawing/2014/main" id="{45FCEC58-6B96-4C21-8AAD-381061F85126}"/>
+                <a16:creationId xmlns:a16="http://schemas.microsoft.com/office/drawing/2014/main" id="{02AD7F8C-F634-447A-A663-28FC54A81064}"/>
               </a:ext>
             </a:extLst>
           </p:cNvPr>
@@ -5965,44 +5780,40 @@
         <p:spPr>
           <a:xfrm>
             <a:off x="592347" y="1844675"/>
-            <a:ext cx="11007306" cy="602434"/>
+            <a:ext cx="11007306" cy="1717131"/>
           </a:xfrm>
         </p:spPr>
         <p:txBody>
           <a:bodyPr/>
           <a:lstStyle/>
           <a:p>
-            <a:pPr>
-              <a:spcBef>
-                <a:spcPts val="0"/>
-              </a:spcBef>
-            </a:pPr>
-            <a:r>
-              <a:rPr lang="en-US" b="1" dirty="0"/>
-              <a:t>margin-top: </a:t>
-            </a:r>
-            <a:r>
-              <a:rPr lang="en-US" dirty="0"/>
-              <a:t>Define a </a:t>
-            </a:r>
-            <a:r>
-              <a:rPr lang="en-US" dirty="0" err="1"/>
-              <a:t>margem</a:t>
-            </a:r>
-            <a:r>
-              <a:rPr lang="en-US" dirty="0"/>
-              <a:t> superior.</a:t>
-            </a:r>
-            <a:endParaRPr lang="pt-BR" dirty="0"/>
+            <a:r>
+              <a:rPr lang="pt-BR" dirty="0"/>
+              <a:t>A propriedade </a:t>
+            </a:r>
+            <a:r>
+              <a:rPr lang="pt-BR" dirty="0" err="1"/>
+              <a:t>Padding</a:t>
+            </a:r>
+            <a:r>
+              <a:rPr lang="pt-BR" dirty="0"/>
+              <a:t> permite criar um espaçamento entre o conteúdo (textos, imagens) e a borda do elemento, criando um afastamento interno.</a:t>
+            </a:r>
+          </a:p>
+          <a:p>
+            <a:r>
+              <a:rPr lang="pt-BR" dirty="0"/>
+              <a:t>Sintaxe:</a:t>
+            </a:r>
           </a:p>
         </p:txBody>
       </p:sp>
       <p:sp>
         <p:nvSpPr>
-          <p:cNvPr id="7" name="Retângulo 6">
-            <a:extLst>
-              <a:ext uri="{FF2B5EF4-FFF2-40B4-BE49-F238E27FC236}">
-                <a16:creationId xmlns:a16="http://schemas.microsoft.com/office/drawing/2014/main" id="{96339426-DA50-43FB-8E26-3366153A0C80}"/>
+          <p:cNvPr id="4" name="Retângulo 3">
+            <a:extLst>
+              <a:ext uri="{FF2B5EF4-FFF2-40B4-BE49-F238E27FC236}">
+                <a16:creationId xmlns:a16="http://schemas.microsoft.com/office/drawing/2014/main" id="{4B6C26AF-B2DA-49B1-9F3F-7AABA9A2A548}"/>
               </a:ext>
             </a:extLst>
           </p:cNvPr>
@@ -6011,8 +5822,8 @@
         </p:nvSpPr>
         <p:spPr>
           <a:xfrm>
-            <a:off x="4748893" y="2722532"/>
-            <a:ext cx="2694214" cy="923330"/>
+            <a:off x="2348411" y="4212661"/>
+            <a:ext cx="2664823" cy="923330"/>
           </a:xfrm>
           <a:prstGeom prst="rect">
             <a:avLst/>
@@ -6025,74 +5836,47 @@
           <a:lstStyle/>
           <a:p>
             <a:r>
-              <a:rPr lang="en-US" dirty="0">
-                <a:solidFill>
-                  <a:srgbClr val="800000"/>
-                </a:solidFill>
-                <a:latin typeface="Consolas" panose="020B0609020204030204" pitchFamily="49" charset="0"/>
-              </a:rPr>
-              <a:t>p</a:t>
-            </a:r>
-            <a:r>
-              <a:rPr lang="en-US" dirty="0">
+              <a:rPr lang="pt-BR" dirty="0">
                 <a:solidFill>
                   <a:srgbClr val="000000"/>
                 </a:solidFill>
                 <a:latin typeface="Consolas" panose="020B0609020204030204" pitchFamily="49" charset="0"/>
               </a:rPr>
-              <a:t> {</a:t>
+              <a:t>seletor {</a:t>
             </a:r>
           </a:p>
           <a:p>
             <a:pPr indent="457200"/>
             <a:r>
-              <a:rPr lang="en-US" dirty="0">
+              <a:rPr lang="pt-BR" dirty="0" err="1">
                 <a:solidFill>
                   <a:srgbClr val="E50000"/>
                 </a:solidFill>
                 <a:latin typeface="Consolas" panose="020B0609020204030204" pitchFamily="49" charset="0"/>
               </a:rPr>
-              <a:t>margin-top</a:t>
-            </a:r>
-            <a:r>
-              <a:rPr lang="en-US" dirty="0">
+              <a:t>padding</a:t>
+            </a:r>
+            <a:r>
+              <a:rPr lang="pt-BR" dirty="0">
                 <a:solidFill>
                   <a:srgbClr val="000000"/>
                 </a:solidFill>
                 <a:latin typeface="Consolas" panose="020B0609020204030204" pitchFamily="49" charset="0"/>
               </a:rPr>
-              <a:t>: </a:t>
-            </a:r>
-            <a:r>
-              <a:rPr lang="en-US" dirty="0">
-                <a:solidFill>
-                  <a:srgbClr val="098658"/>
-                </a:solidFill>
-                <a:latin typeface="Consolas" panose="020B0609020204030204" pitchFamily="49" charset="0"/>
-              </a:rPr>
-              <a:t>5px</a:t>
-            </a:r>
-            <a:r>
-              <a:rPr lang="en-US" dirty="0">
+              <a:t>: valor;</a:t>
+            </a:r>
+          </a:p>
+          <a:p>
+            <a:r>
+              <a:rPr lang="pt-BR" dirty="0">
                 <a:solidFill>
                   <a:srgbClr val="000000"/>
                 </a:solidFill>
                 <a:latin typeface="Consolas" panose="020B0609020204030204" pitchFamily="49" charset="0"/>
               </a:rPr>
-              <a:t>;</a:t>
-            </a:r>
-          </a:p>
-          <a:p>
-            <a:r>
-              <a:rPr lang="en-US" dirty="0">
-                <a:solidFill>
-                  <a:srgbClr val="000000"/>
-                </a:solidFill>
-                <a:latin typeface="Consolas" panose="020B0609020204030204" pitchFamily="49" charset="0"/>
-              </a:rPr>
               <a:t>}</a:t>
             </a:r>
-            <a:endParaRPr lang="en-US" b="0" dirty="0">
+            <a:endParaRPr lang="pt-BR" b="0" dirty="0">
               <a:solidFill>
                 <a:srgbClr val="000000"/>
               </a:solidFill>
@@ -6104,220 +5888,10 @@
       </p:sp>
       <p:sp>
         <p:nvSpPr>
-          <p:cNvPr id="9" name="Espaço Reservado para Conteúdo 2">
-            <a:extLst>
-              <a:ext uri="{FF2B5EF4-FFF2-40B4-BE49-F238E27FC236}">
-                <a16:creationId xmlns:a16="http://schemas.microsoft.com/office/drawing/2014/main" id="{14C30E64-F25B-46A4-A4F8-07C6E903030F}"/>
-              </a:ext>
-            </a:extLst>
-          </p:cNvPr>
-          <p:cNvSpPr txBox="1">
-            <a:spLocks/>
-          </p:cNvSpPr>
-          <p:nvPr/>
-        </p:nvSpPr>
-        <p:spPr>
-          <a:xfrm>
-            <a:off x="592347" y="3921285"/>
-            <a:ext cx="11007306" cy="535080"/>
-          </a:xfrm>
-          <a:prstGeom prst="rect">
-            <a:avLst/>
-          </a:prstGeom>
-        </p:spPr>
-        <p:txBody>
-          <a:bodyPr/>
-          <a:lstStyle>
-            <a:lvl1pPr marL="0" indent="0" algn="just" defTabSz="914400" rtl="0" eaLnBrk="1" latinLnBrk="0" hangingPunct="1">
-              <a:lnSpc>
-                <a:spcPct val="150000"/>
-              </a:lnSpc>
-              <a:spcBef>
-                <a:spcPts val="1000"/>
-              </a:spcBef>
-              <a:buFont typeface="Arial" panose="020B0604020202020204" pitchFamily="34" charset="0"/>
-              <a:buNone/>
-              <a:defRPr sz="2000" kern="1200">
-                <a:solidFill>
-                  <a:schemeClr val="tx1"/>
-                </a:solidFill>
-                <a:latin typeface="Times New Roman" panose="02020603050405020304" pitchFamily="18" charset="0"/>
-                <a:ea typeface="+mn-ea"/>
-                <a:cs typeface="Times New Roman" panose="02020603050405020304" pitchFamily="18" charset="0"/>
-              </a:defRPr>
-            </a:lvl1pPr>
-            <a:lvl2pPr marL="685800" indent="-228600" algn="l" defTabSz="914400" rtl="0" eaLnBrk="1" latinLnBrk="0" hangingPunct="1">
-              <a:lnSpc>
-                <a:spcPct val="150000"/>
-              </a:lnSpc>
-              <a:spcBef>
-                <a:spcPts val="500"/>
-              </a:spcBef>
-              <a:buFont typeface="Arial" panose="020B0604020202020204" pitchFamily="34" charset="0"/>
-              <a:buChar char="•"/>
-              <a:defRPr sz="1600" kern="1200">
-                <a:solidFill>
-                  <a:schemeClr val="tx1"/>
-                </a:solidFill>
-                <a:latin typeface="Times New Roman" panose="02020603050405020304" pitchFamily="18" charset="0"/>
-                <a:ea typeface="+mn-ea"/>
-                <a:cs typeface="Times New Roman" panose="02020603050405020304" pitchFamily="18" charset="0"/>
-              </a:defRPr>
-            </a:lvl2pPr>
-            <a:lvl3pPr marL="1143000" indent="-228600" algn="l" defTabSz="914400" rtl="0" eaLnBrk="1" latinLnBrk="0" hangingPunct="1">
-              <a:lnSpc>
-                <a:spcPct val="150000"/>
-              </a:lnSpc>
-              <a:spcBef>
-                <a:spcPts val="500"/>
-              </a:spcBef>
-              <a:buFont typeface="Arial" panose="020B0604020202020204" pitchFamily="34" charset="0"/>
-              <a:buChar char="•"/>
-              <a:defRPr sz="1400" kern="1200">
-                <a:solidFill>
-                  <a:schemeClr val="tx1"/>
-                </a:solidFill>
-                <a:latin typeface="Times New Roman" panose="02020603050405020304" pitchFamily="18" charset="0"/>
-                <a:ea typeface="+mn-ea"/>
-                <a:cs typeface="Times New Roman" panose="02020603050405020304" pitchFamily="18" charset="0"/>
-              </a:defRPr>
-            </a:lvl3pPr>
-            <a:lvl4pPr marL="1600200" indent="-228600" algn="l" defTabSz="914400" rtl="0" eaLnBrk="1" latinLnBrk="0" hangingPunct="1">
-              <a:lnSpc>
-                <a:spcPct val="150000"/>
-              </a:lnSpc>
-              <a:spcBef>
-                <a:spcPts val="500"/>
-              </a:spcBef>
-              <a:buFont typeface="Arial" panose="020B0604020202020204" pitchFamily="34" charset="0"/>
-              <a:buChar char="•"/>
-              <a:defRPr sz="1200" kern="1200">
-                <a:solidFill>
-                  <a:schemeClr val="tx1"/>
-                </a:solidFill>
-                <a:latin typeface="Times New Roman" panose="02020603050405020304" pitchFamily="18" charset="0"/>
-                <a:ea typeface="+mn-ea"/>
-                <a:cs typeface="Times New Roman" panose="02020603050405020304" pitchFamily="18" charset="0"/>
-              </a:defRPr>
-            </a:lvl4pPr>
-            <a:lvl5pPr marL="2057400" indent="-228600" algn="l" defTabSz="914400" rtl="0" eaLnBrk="1" latinLnBrk="0" hangingPunct="1">
-              <a:lnSpc>
-                <a:spcPct val="150000"/>
-              </a:lnSpc>
-              <a:spcBef>
-                <a:spcPts val="500"/>
-              </a:spcBef>
-              <a:buFont typeface="Arial" panose="020B0604020202020204" pitchFamily="34" charset="0"/>
-              <a:buChar char="•"/>
-              <a:defRPr sz="1000" kern="1200">
-                <a:solidFill>
-                  <a:schemeClr val="tx1"/>
-                </a:solidFill>
-                <a:latin typeface="Times New Roman" panose="02020603050405020304" pitchFamily="18" charset="0"/>
-                <a:ea typeface="+mn-ea"/>
-                <a:cs typeface="Times New Roman" panose="02020603050405020304" pitchFamily="18" charset="0"/>
-              </a:defRPr>
-            </a:lvl5pPr>
-            <a:lvl6pPr marL="2514600" indent="-228600" algn="l" defTabSz="914400" rtl="0" eaLnBrk="1" latinLnBrk="0" hangingPunct="1">
-              <a:lnSpc>
-                <a:spcPct val="90000"/>
-              </a:lnSpc>
-              <a:spcBef>
-                <a:spcPts val="500"/>
-              </a:spcBef>
-              <a:buFont typeface="Arial" panose="020B0604020202020204" pitchFamily="34" charset="0"/>
-              <a:buChar char="•"/>
-              <a:defRPr sz="1800" kern="1200">
-                <a:solidFill>
-                  <a:schemeClr val="tx1"/>
-                </a:solidFill>
-                <a:latin typeface="+mn-lt"/>
-                <a:ea typeface="+mn-ea"/>
-                <a:cs typeface="+mn-cs"/>
-              </a:defRPr>
-            </a:lvl6pPr>
-            <a:lvl7pPr marL="2971800" indent="-228600" algn="l" defTabSz="914400" rtl="0" eaLnBrk="1" latinLnBrk="0" hangingPunct="1">
-              <a:lnSpc>
-                <a:spcPct val="90000"/>
-              </a:lnSpc>
-              <a:spcBef>
-                <a:spcPts val="500"/>
-              </a:spcBef>
-              <a:buFont typeface="Arial" panose="020B0604020202020204" pitchFamily="34" charset="0"/>
-              <a:buChar char="•"/>
-              <a:defRPr sz="1800" kern="1200">
-                <a:solidFill>
-                  <a:schemeClr val="tx1"/>
-                </a:solidFill>
-                <a:latin typeface="+mn-lt"/>
-                <a:ea typeface="+mn-ea"/>
-                <a:cs typeface="+mn-cs"/>
-              </a:defRPr>
-            </a:lvl7pPr>
-            <a:lvl8pPr marL="3429000" indent="-228600" algn="l" defTabSz="914400" rtl="0" eaLnBrk="1" latinLnBrk="0" hangingPunct="1">
-              <a:lnSpc>
-                <a:spcPct val="90000"/>
-              </a:lnSpc>
-              <a:spcBef>
-                <a:spcPts val="500"/>
-              </a:spcBef>
-              <a:buFont typeface="Arial" panose="020B0604020202020204" pitchFamily="34" charset="0"/>
-              <a:buChar char="•"/>
-              <a:defRPr sz="1800" kern="1200">
-                <a:solidFill>
-                  <a:schemeClr val="tx1"/>
-                </a:solidFill>
-                <a:latin typeface="+mn-lt"/>
-                <a:ea typeface="+mn-ea"/>
-                <a:cs typeface="+mn-cs"/>
-              </a:defRPr>
-            </a:lvl8pPr>
-            <a:lvl9pPr marL="3886200" indent="-228600" algn="l" defTabSz="914400" rtl="0" eaLnBrk="1" latinLnBrk="0" hangingPunct="1">
-              <a:lnSpc>
-                <a:spcPct val="90000"/>
-              </a:lnSpc>
-              <a:spcBef>
-                <a:spcPts val="500"/>
-              </a:spcBef>
-              <a:buFont typeface="Arial" panose="020B0604020202020204" pitchFamily="34" charset="0"/>
-              <a:buChar char="•"/>
-              <a:defRPr sz="1800" kern="1200">
-                <a:solidFill>
-                  <a:schemeClr val="tx1"/>
-                </a:solidFill>
-                <a:latin typeface="+mn-lt"/>
-                <a:ea typeface="+mn-ea"/>
-                <a:cs typeface="+mn-cs"/>
-              </a:defRPr>
-            </a:lvl9pPr>
-          </a:lstStyle>
-          <a:p>
-            <a:pPr>
-              <a:spcBef>
-                <a:spcPts val="0"/>
-              </a:spcBef>
-            </a:pPr>
-            <a:r>
-              <a:rPr lang="pt-BR" b="1" dirty="0" err="1"/>
-              <a:t>margin-right</a:t>
-            </a:r>
-            <a:r>
-              <a:rPr lang="pt-BR" b="1" dirty="0"/>
-              <a:t>: </a:t>
-            </a:r>
-            <a:r>
-              <a:rPr lang="pt-BR" dirty="0"/>
-              <a:t>Define a margem direita.</a:t>
-            </a:r>
-          </a:p>
-        </p:txBody>
-      </p:sp>
-      <p:sp>
-        <p:nvSpPr>
-          <p:cNvPr id="10" name="Retângulo 9">
-            <a:extLst>
-              <a:ext uri="{FF2B5EF4-FFF2-40B4-BE49-F238E27FC236}">
-                <a16:creationId xmlns:a16="http://schemas.microsoft.com/office/drawing/2014/main" id="{C38C76C4-2C52-461D-BB0D-CD7A2A72D0A0}"/>
+          <p:cNvPr id="5" name="Retângulo 4">
+            <a:extLst>
+              <a:ext uri="{FF2B5EF4-FFF2-40B4-BE49-F238E27FC236}">
+                <a16:creationId xmlns:a16="http://schemas.microsoft.com/office/drawing/2014/main" id="{84008160-0165-469A-ADDF-FFBB063950DD}"/>
               </a:ext>
             </a:extLst>
           </p:cNvPr>
@@ -6326,8 +5900,8 @@
         </p:nvSpPr>
         <p:spPr>
           <a:xfrm>
-            <a:off x="4499338" y="4731788"/>
-            <a:ext cx="3193325" cy="923330"/>
+            <a:off x="7361645" y="4212661"/>
+            <a:ext cx="2481943" cy="923330"/>
           </a:xfrm>
           <a:prstGeom prst="rect">
             <a:avLst/>
@@ -6339,7 +5913,6 @@
           </a:bodyPr>
           <a:lstStyle/>
           <a:p>
-            <a:pPr algn="just"/>
             <a:r>
               <a:rPr lang="pt-BR" dirty="0">
                 <a:solidFill>
@@ -6360,15 +5933,15 @@
             </a:r>
           </a:p>
           <a:p>
-            <a:pPr indent="457200" algn="just"/>
-            <a:r>
-              <a:rPr lang="en-US" dirty="0">
+            <a:pPr indent="457200"/>
+            <a:r>
+              <a:rPr lang="pt-BR" dirty="0" err="1">
                 <a:solidFill>
                   <a:srgbClr val="E50000"/>
                 </a:solidFill>
                 <a:latin typeface="Consolas" panose="020B0609020204030204" pitchFamily="49" charset="0"/>
               </a:rPr>
-              <a:t>margin-right</a:t>
+              <a:t>padding</a:t>
             </a:r>
             <a:r>
               <a:rPr lang="pt-BR" dirty="0">
@@ -6386,7 +5959,7 @@
                 </a:solidFill>
                 <a:latin typeface="Consolas" panose="020B0609020204030204" pitchFamily="49" charset="0"/>
               </a:rPr>
-              <a:t>10px</a:t>
+              <a:t>20px</a:t>
             </a:r>
             <a:r>
               <a:rPr lang="pt-BR" dirty="0">
@@ -6399,7 +5972,6 @@
             </a:r>
           </a:p>
           <a:p>
-            <a:pPr algn="just"/>
             <a:r>
               <a:rPr lang="pt-BR" dirty="0">
                 <a:solidFill>
@@ -6422,7 +5994,7 @@
     </p:spTree>
     <p:extLst>
       <p:ext uri="{BB962C8B-B14F-4D97-AF65-F5344CB8AC3E}">
-        <p14:creationId xmlns:p14="http://schemas.microsoft.com/office/powerpoint/2010/main" val="2579054615"/>
+        <p14:creationId xmlns:p14="http://schemas.microsoft.com/office/powerpoint/2010/main" val="1526710412"/>
       </p:ext>
     </p:extLst>
   </p:cSld>
@@ -6476,7 +6048,7 @@
             </a:r>
             <a:r>
               <a:rPr lang="pt-BR" dirty="0" err="1"/>
-              <a:t>Margin</a:t>
+              <a:t>Padding</a:t>
             </a:r>
             <a:endParaRPr lang="pt-BR" dirty="0"/>
           </a:p>
@@ -6515,19 +6087,19 @@
             </a:pPr>
             <a:r>
               <a:rPr lang="en-US" b="1" dirty="0"/>
-              <a:t>margin-bottom: </a:t>
+              <a:t>padding-top: </a:t>
             </a:r>
             <a:r>
               <a:rPr lang="en-US" dirty="0"/>
-              <a:t>Define a </a:t>
+              <a:t>Define o </a:t>
             </a:r>
             <a:r>
               <a:rPr lang="en-US" dirty="0" err="1"/>
-              <a:t>margem</a:t>
+              <a:t>preenchimento</a:t>
             </a:r>
             <a:r>
               <a:rPr lang="en-US" dirty="0"/>
-              <a:t> inferior.</a:t>
+              <a:t> superior.</a:t>
             </a:r>
             <a:endParaRPr lang="pt-BR" dirty="0"/>
           </a:p>
@@ -6547,8 +6119,8 @@
         </p:nvSpPr>
         <p:spPr>
           <a:xfrm>
-            <a:off x="4002677" y="2722532"/>
-            <a:ext cx="4186646" cy="923330"/>
+            <a:off x="4624115" y="2722532"/>
+            <a:ext cx="2943770" cy="923330"/>
           </a:xfrm>
           <a:prstGeom prst="rect">
             <a:avLst/>
@@ -6588,7 +6160,7 @@
                 </a:solidFill>
                 <a:latin typeface="Consolas" panose="020B0609020204030204" pitchFamily="49" charset="0"/>
               </a:rPr>
-              <a:t>margin-bottom</a:t>
+              <a:t>padding -top</a:t>
             </a:r>
             <a:r>
               <a:rPr lang="en-US" dirty="0">
@@ -6835,11 +6407,551 @@
             </a:pPr>
             <a:r>
               <a:rPr lang="pt-BR" b="1" dirty="0" err="1"/>
-              <a:t>margin-left</a:t>
+              <a:t>padding-right</a:t>
+            </a:r>
+            <a:r>
+              <a:rPr lang="pt-BR" b="1" dirty="0"/>
+              <a:t>: </a:t>
             </a:r>
             <a:r>
               <a:rPr lang="pt-BR" dirty="0"/>
-              <a:t>: Define a margem esquerda.</a:t>
+              <a:t>Define o preenchimento do lado direito.</a:t>
+            </a:r>
+          </a:p>
+        </p:txBody>
+      </p:sp>
+      <p:sp>
+        <p:nvSpPr>
+          <p:cNvPr id="10" name="Retângulo 9">
+            <a:extLst>
+              <a:ext uri="{FF2B5EF4-FFF2-40B4-BE49-F238E27FC236}">
+                <a16:creationId xmlns:a16="http://schemas.microsoft.com/office/drawing/2014/main" id="{C38C76C4-2C52-461D-BB0D-CD7A2A72D0A0}"/>
+              </a:ext>
+            </a:extLst>
+          </p:cNvPr>
+          <p:cNvSpPr/>
+          <p:nvPr/>
+        </p:nvSpPr>
+        <p:spPr>
+          <a:xfrm>
+            <a:off x="4370206" y="4731788"/>
+            <a:ext cx="3451588" cy="923330"/>
+          </a:xfrm>
+          <a:prstGeom prst="rect">
+            <a:avLst/>
+          </a:prstGeom>
+        </p:spPr>
+        <p:txBody>
+          <a:bodyPr wrap="square">
+            <a:spAutoFit/>
+          </a:bodyPr>
+          <a:lstStyle/>
+          <a:p>
+            <a:pPr algn="just"/>
+            <a:r>
+              <a:rPr lang="pt-BR" dirty="0">
+                <a:solidFill>
+                  <a:srgbClr val="800000"/>
+                </a:solidFill>
+                <a:latin typeface="Consolas" panose="020B0609020204030204" pitchFamily="49" charset="0"/>
+              </a:rPr>
+              <a:t>h1</a:t>
+            </a:r>
+            <a:r>
+              <a:rPr lang="pt-BR" dirty="0">
+                <a:solidFill>
+                  <a:srgbClr val="000000"/>
+                </a:solidFill>
+                <a:latin typeface="Consolas" panose="020B0609020204030204" pitchFamily="49" charset="0"/>
+              </a:rPr>
+              <a:t> {</a:t>
+            </a:r>
+          </a:p>
+          <a:p>
+            <a:pPr indent="457200" algn="just"/>
+            <a:r>
+              <a:rPr lang="en-US" dirty="0">
+                <a:solidFill>
+                  <a:srgbClr val="E50000"/>
+                </a:solidFill>
+                <a:latin typeface="Consolas" panose="020B0609020204030204" pitchFamily="49" charset="0"/>
+              </a:rPr>
+              <a:t>padding -right</a:t>
+            </a:r>
+            <a:r>
+              <a:rPr lang="pt-BR" dirty="0">
+                <a:solidFill>
+                  <a:srgbClr val="000000"/>
+                </a:solidFill>
+                <a:latin typeface="Consolas" panose="020B0609020204030204" pitchFamily="49" charset="0"/>
+              </a:rPr>
+              <a:t>: </a:t>
+            </a:r>
+            <a:r>
+              <a:rPr lang="pt-BR" dirty="0">
+                <a:solidFill>
+                  <a:srgbClr val="098658"/>
+                </a:solidFill>
+                <a:latin typeface="Consolas" panose="020B0609020204030204" pitchFamily="49" charset="0"/>
+              </a:rPr>
+              <a:t>10px</a:t>
+            </a:r>
+            <a:r>
+              <a:rPr lang="pt-BR" dirty="0">
+                <a:solidFill>
+                  <a:srgbClr val="000000"/>
+                </a:solidFill>
+                <a:latin typeface="Consolas" panose="020B0609020204030204" pitchFamily="49" charset="0"/>
+              </a:rPr>
+              <a:t>;</a:t>
+            </a:r>
+          </a:p>
+          <a:p>
+            <a:pPr algn="just"/>
+            <a:r>
+              <a:rPr lang="pt-BR" dirty="0">
+                <a:solidFill>
+                  <a:srgbClr val="000000"/>
+                </a:solidFill>
+                <a:latin typeface="Consolas" panose="020B0609020204030204" pitchFamily="49" charset="0"/>
+              </a:rPr>
+              <a:t>}</a:t>
+            </a:r>
+            <a:endParaRPr lang="pt-BR" b="0" dirty="0">
+              <a:solidFill>
+                <a:srgbClr val="000000"/>
+              </a:solidFill>
+              <a:effectLst/>
+              <a:latin typeface="Consolas" panose="020B0609020204030204" pitchFamily="49" charset="0"/>
+            </a:endParaRPr>
+          </a:p>
+        </p:txBody>
+      </p:sp>
+    </p:spTree>
+    <p:extLst>
+      <p:ext uri="{BB962C8B-B14F-4D97-AF65-F5344CB8AC3E}">
+        <p14:creationId xmlns:p14="http://schemas.microsoft.com/office/powerpoint/2010/main" val="3786305090"/>
+      </p:ext>
+    </p:extLst>
+  </p:cSld>
+  <p:clrMapOvr>
+    <a:masterClrMapping/>
+  </p:clrMapOvr>
+</p:sld>
+</file>
+
+<file path=ppt/slides/slide15.xml><?xml version="1.0" encoding="utf-8"?>
+<p:sld xmlns:a="http://schemas.openxmlformats.org/drawingml/2006/main" xmlns:r="http://schemas.openxmlformats.org/officeDocument/2006/relationships" xmlns:p="http://schemas.openxmlformats.org/presentationml/2006/main">
+  <p:cSld>
+    <p:spTree>
+      <p:nvGrpSpPr>
+        <p:cNvPr id="1" name=""/>
+        <p:cNvGrpSpPr/>
+        <p:nvPr/>
+      </p:nvGrpSpPr>
+      <p:grpSpPr>
+        <a:xfrm>
+          <a:off x="0" y="0"/>
+          <a:ext cx="0" cy="0"/>
+          <a:chOff x="0" y="0"/>
+          <a:chExt cx="0" cy="0"/>
+        </a:xfrm>
+      </p:grpSpPr>
+      <p:sp>
+        <p:nvSpPr>
+          <p:cNvPr id="2" name="Título 1">
+            <a:extLst>
+              <a:ext uri="{FF2B5EF4-FFF2-40B4-BE49-F238E27FC236}">
+                <a16:creationId xmlns:a16="http://schemas.microsoft.com/office/drawing/2014/main" id="{AF625C71-4D03-4FC3-B7F9-B7320DA2E833}"/>
+              </a:ext>
+            </a:extLst>
+          </p:cNvPr>
+          <p:cNvSpPr>
+            <a:spLocks noGrp="1"/>
+          </p:cNvSpPr>
+          <p:nvPr>
+            <p:ph type="title"/>
+          </p:nvPr>
+        </p:nvSpPr>
+        <p:spPr/>
+        <p:txBody>
+          <a:bodyPr/>
+          <a:lstStyle/>
+          <a:p>
+            <a:r>
+              <a:rPr lang="pt-BR" dirty="0"/>
+              <a:t>Propriedades Específicas do </a:t>
+            </a:r>
+            <a:r>
+              <a:rPr lang="pt-BR" dirty="0" err="1"/>
+              <a:t>Padding</a:t>
+            </a:r>
+            <a:endParaRPr lang="pt-BR" dirty="0"/>
+          </a:p>
+        </p:txBody>
+      </p:sp>
+      <p:sp>
+        <p:nvSpPr>
+          <p:cNvPr id="3" name="Espaço Reservado para Conteúdo 2">
+            <a:extLst>
+              <a:ext uri="{FF2B5EF4-FFF2-40B4-BE49-F238E27FC236}">
+                <a16:creationId xmlns:a16="http://schemas.microsoft.com/office/drawing/2014/main" id="{45FCEC58-6B96-4C21-8AAD-381061F85126}"/>
+              </a:ext>
+            </a:extLst>
+          </p:cNvPr>
+          <p:cNvSpPr>
+            <a:spLocks noGrp="1"/>
+          </p:cNvSpPr>
+          <p:nvPr>
+            <p:ph idx="1"/>
+          </p:nvPr>
+        </p:nvSpPr>
+        <p:spPr>
+          <a:xfrm>
+            <a:off x="592347" y="1844675"/>
+            <a:ext cx="11007306" cy="602434"/>
+          </a:xfrm>
+        </p:spPr>
+        <p:txBody>
+          <a:bodyPr/>
+          <a:lstStyle/>
+          <a:p>
+            <a:pPr>
+              <a:spcBef>
+                <a:spcPts val="0"/>
+              </a:spcBef>
+            </a:pPr>
+            <a:r>
+              <a:rPr lang="en-US" b="1" dirty="0"/>
+              <a:t>padding-bottom: </a:t>
+            </a:r>
+            <a:r>
+              <a:rPr lang="en-US" dirty="0"/>
+              <a:t>Define o </a:t>
+            </a:r>
+            <a:r>
+              <a:rPr lang="en-US" dirty="0" err="1"/>
+              <a:t>preenchimento</a:t>
+            </a:r>
+            <a:r>
+              <a:rPr lang="en-US" dirty="0"/>
+              <a:t> inferior.</a:t>
+            </a:r>
+            <a:endParaRPr lang="pt-BR" dirty="0"/>
+          </a:p>
+        </p:txBody>
+      </p:sp>
+      <p:sp>
+        <p:nvSpPr>
+          <p:cNvPr id="7" name="Retângulo 6">
+            <a:extLst>
+              <a:ext uri="{FF2B5EF4-FFF2-40B4-BE49-F238E27FC236}">
+                <a16:creationId xmlns:a16="http://schemas.microsoft.com/office/drawing/2014/main" id="{96339426-DA50-43FB-8E26-3366153A0C80}"/>
+              </a:ext>
+            </a:extLst>
+          </p:cNvPr>
+          <p:cNvSpPr/>
+          <p:nvPr/>
+        </p:nvSpPr>
+        <p:spPr>
+          <a:xfrm>
+            <a:off x="4509407" y="2722532"/>
+            <a:ext cx="3173186" cy="923330"/>
+          </a:xfrm>
+          <a:prstGeom prst="rect">
+            <a:avLst/>
+          </a:prstGeom>
+        </p:spPr>
+        <p:txBody>
+          <a:bodyPr wrap="square">
+            <a:spAutoFit/>
+          </a:bodyPr>
+          <a:lstStyle/>
+          <a:p>
+            <a:r>
+              <a:rPr lang="en-US" dirty="0">
+                <a:solidFill>
+                  <a:srgbClr val="800000"/>
+                </a:solidFill>
+                <a:latin typeface="Consolas" panose="020B0609020204030204" pitchFamily="49" charset="0"/>
+              </a:rPr>
+              <a:t>p</a:t>
+            </a:r>
+            <a:r>
+              <a:rPr lang="en-US" dirty="0">
+                <a:solidFill>
+                  <a:srgbClr val="000000"/>
+                </a:solidFill>
+                <a:latin typeface="Consolas" panose="020B0609020204030204" pitchFamily="49" charset="0"/>
+              </a:rPr>
+              <a:t> {</a:t>
+            </a:r>
+          </a:p>
+          <a:p>
+            <a:pPr indent="457200"/>
+            <a:r>
+              <a:rPr lang="en-US" dirty="0">
+                <a:solidFill>
+                  <a:srgbClr val="E50000"/>
+                </a:solidFill>
+                <a:latin typeface="Consolas" panose="020B0609020204030204" pitchFamily="49" charset="0"/>
+              </a:rPr>
+              <a:t>padding-bottom</a:t>
+            </a:r>
+            <a:r>
+              <a:rPr lang="en-US" dirty="0">
+                <a:solidFill>
+                  <a:srgbClr val="000000"/>
+                </a:solidFill>
+                <a:latin typeface="Consolas" panose="020B0609020204030204" pitchFamily="49" charset="0"/>
+              </a:rPr>
+              <a:t>: </a:t>
+            </a:r>
+            <a:r>
+              <a:rPr lang="en-US" dirty="0">
+                <a:solidFill>
+                  <a:srgbClr val="098658"/>
+                </a:solidFill>
+                <a:latin typeface="Consolas" panose="020B0609020204030204" pitchFamily="49" charset="0"/>
+              </a:rPr>
+              <a:t>5px</a:t>
+            </a:r>
+            <a:r>
+              <a:rPr lang="en-US" dirty="0">
+                <a:solidFill>
+                  <a:srgbClr val="000000"/>
+                </a:solidFill>
+                <a:latin typeface="Consolas" panose="020B0609020204030204" pitchFamily="49" charset="0"/>
+              </a:rPr>
+              <a:t>;</a:t>
+            </a:r>
+          </a:p>
+          <a:p>
+            <a:r>
+              <a:rPr lang="en-US" dirty="0">
+                <a:solidFill>
+                  <a:srgbClr val="000000"/>
+                </a:solidFill>
+                <a:latin typeface="Consolas" panose="020B0609020204030204" pitchFamily="49" charset="0"/>
+              </a:rPr>
+              <a:t>}</a:t>
+            </a:r>
+            <a:endParaRPr lang="en-US" b="0" dirty="0">
+              <a:solidFill>
+                <a:srgbClr val="000000"/>
+              </a:solidFill>
+              <a:effectLst/>
+              <a:latin typeface="Consolas" panose="020B0609020204030204" pitchFamily="49" charset="0"/>
+            </a:endParaRPr>
+          </a:p>
+        </p:txBody>
+      </p:sp>
+      <p:sp>
+        <p:nvSpPr>
+          <p:cNvPr id="9" name="Espaço Reservado para Conteúdo 2">
+            <a:extLst>
+              <a:ext uri="{FF2B5EF4-FFF2-40B4-BE49-F238E27FC236}">
+                <a16:creationId xmlns:a16="http://schemas.microsoft.com/office/drawing/2014/main" id="{14C30E64-F25B-46A4-A4F8-07C6E903030F}"/>
+              </a:ext>
+            </a:extLst>
+          </p:cNvPr>
+          <p:cNvSpPr txBox="1">
+            <a:spLocks/>
+          </p:cNvSpPr>
+          <p:nvPr/>
+        </p:nvSpPr>
+        <p:spPr>
+          <a:xfrm>
+            <a:off x="592347" y="3921285"/>
+            <a:ext cx="11007306" cy="535080"/>
+          </a:xfrm>
+          <a:prstGeom prst="rect">
+            <a:avLst/>
+          </a:prstGeom>
+        </p:spPr>
+        <p:txBody>
+          <a:bodyPr/>
+          <a:lstStyle>
+            <a:lvl1pPr marL="0" indent="0" algn="just" defTabSz="914400" rtl="0" eaLnBrk="1" latinLnBrk="0" hangingPunct="1">
+              <a:lnSpc>
+                <a:spcPct val="150000"/>
+              </a:lnSpc>
+              <a:spcBef>
+                <a:spcPts val="1000"/>
+              </a:spcBef>
+              <a:buFont typeface="Arial" panose="020B0604020202020204" pitchFamily="34" charset="0"/>
+              <a:buNone/>
+              <a:defRPr sz="2000" kern="1200">
+                <a:solidFill>
+                  <a:schemeClr val="tx1"/>
+                </a:solidFill>
+                <a:latin typeface="Times New Roman" panose="02020603050405020304" pitchFamily="18" charset="0"/>
+                <a:ea typeface="+mn-ea"/>
+                <a:cs typeface="Times New Roman" panose="02020603050405020304" pitchFamily="18" charset="0"/>
+              </a:defRPr>
+            </a:lvl1pPr>
+            <a:lvl2pPr marL="685800" indent="-228600" algn="l" defTabSz="914400" rtl="0" eaLnBrk="1" latinLnBrk="0" hangingPunct="1">
+              <a:lnSpc>
+                <a:spcPct val="150000"/>
+              </a:lnSpc>
+              <a:spcBef>
+                <a:spcPts val="500"/>
+              </a:spcBef>
+              <a:buFont typeface="Arial" panose="020B0604020202020204" pitchFamily="34" charset="0"/>
+              <a:buChar char="•"/>
+              <a:defRPr sz="1600" kern="1200">
+                <a:solidFill>
+                  <a:schemeClr val="tx1"/>
+                </a:solidFill>
+                <a:latin typeface="Times New Roman" panose="02020603050405020304" pitchFamily="18" charset="0"/>
+                <a:ea typeface="+mn-ea"/>
+                <a:cs typeface="Times New Roman" panose="02020603050405020304" pitchFamily="18" charset="0"/>
+              </a:defRPr>
+            </a:lvl2pPr>
+            <a:lvl3pPr marL="1143000" indent="-228600" algn="l" defTabSz="914400" rtl="0" eaLnBrk="1" latinLnBrk="0" hangingPunct="1">
+              <a:lnSpc>
+                <a:spcPct val="150000"/>
+              </a:lnSpc>
+              <a:spcBef>
+                <a:spcPts val="500"/>
+              </a:spcBef>
+              <a:buFont typeface="Arial" panose="020B0604020202020204" pitchFamily="34" charset="0"/>
+              <a:buChar char="•"/>
+              <a:defRPr sz="1400" kern="1200">
+                <a:solidFill>
+                  <a:schemeClr val="tx1"/>
+                </a:solidFill>
+                <a:latin typeface="Times New Roman" panose="02020603050405020304" pitchFamily="18" charset="0"/>
+                <a:ea typeface="+mn-ea"/>
+                <a:cs typeface="Times New Roman" panose="02020603050405020304" pitchFamily="18" charset="0"/>
+              </a:defRPr>
+            </a:lvl3pPr>
+            <a:lvl4pPr marL="1600200" indent="-228600" algn="l" defTabSz="914400" rtl="0" eaLnBrk="1" latinLnBrk="0" hangingPunct="1">
+              <a:lnSpc>
+                <a:spcPct val="150000"/>
+              </a:lnSpc>
+              <a:spcBef>
+                <a:spcPts val="500"/>
+              </a:spcBef>
+              <a:buFont typeface="Arial" panose="020B0604020202020204" pitchFamily="34" charset="0"/>
+              <a:buChar char="•"/>
+              <a:defRPr sz="1200" kern="1200">
+                <a:solidFill>
+                  <a:schemeClr val="tx1"/>
+                </a:solidFill>
+                <a:latin typeface="Times New Roman" panose="02020603050405020304" pitchFamily="18" charset="0"/>
+                <a:ea typeface="+mn-ea"/>
+                <a:cs typeface="Times New Roman" panose="02020603050405020304" pitchFamily="18" charset="0"/>
+              </a:defRPr>
+            </a:lvl4pPr>
+            <a:lvl5pPr marL="2057400" indent="-228600" algn="l" defTabSz="914400" rtl="0" eaLnBrk="1" latinLnBrk="0" hangingPunct="1">
+              <a:lnSpc>
+                <a:spcPct val="150000"/>
+              </a:lnSpc>
+              <a:spcBef>
+                <a:spcPts val="500"/>
+              </a:spcBef>
+              <a:buFont typeface="Arial" panose="020B0604020202020204" pitchFamily="34" charset="0"/>
+              <a:buChar char="•"/>
+              <a:defRPr sz="1000" kern="1200">
+                <a:solidFill>
+                  <a:schemeClr val="tx1"/>
+                </a:solidFill>
+                <a:latin typeface="Times New Roman" panose="02020603050405020304" pitchFamily="18" charset="0"/>
+                <a:ea typeface="+mn-ea"/>
+                <a:cs typeface="Times New Roman" panose="02020603050405020304" pitchFamily="18" charset="0"/>
+              </a:defRPr>
+            </a:lvl5pPr>
+            <a:lvl6pPr marL="2514600" indent="-228600" algn="l" defTabSz="914400" rtl="0" eaLnBrk="1" latinLnBrk="0" hangingPunct="1">
+              <a:lnSpc>
+                <a:spcPct val="90000"/>
+              </a:lnSpc>
+              <a:spcBef>
+                <a:spcPts val="500"/>
+              </a:spcBef>
+              <a:buFont typeface="Arial" panose="020B0604020202020204" pitchFamily="34" charset="0"/>
+              <a:buChar char="•"/>
+              <a:defRPr sz="1800" kern="1200">
+                <a:solidFill>
+                  <a:schemeClr val="tx1"/>
+                </a:solidFill>
+                <a:latin typeface="+mn-lt"/>
+                <a:ea typeface="+mn-ea"/>
+                <a:cs typeface="+mn-cs"/>
+              </a:defRPr>
+            </a:lvl6pPr>
+            <a:lvl7pPr marL="2971800" indent="-228600" algn="l" defTabSz="914400" rtl="0" eaLnBrk="1" latinLnBrk="0" hangingPunct="1">
+              <a:lnSpc>
+                <a:spcPct val="90000"/>
+              </a:lnSpc>
+              <a:spcBef>
+                <a:spcPts val="500"/>
+              </a:spcBef>
+              <a:buFont typeface="Arial" panose="020B0604020202020204" pitchFamily="34" charset="0"/>
+              <a:buChar char="•"/>
+              <a:defRPr sz="1800" kern="1200">
+                <a:solidFill>
+                  <a:schemeClr val="tx1"/>
+                </a:solidFill>
+                <a:latin typeface="+mn-lt"/>
+                <a:ea typeface="+mn-ea"/>
+                <a:cs typeface="+mn-cs"/>
+              </a:defRPr>
+            </a:lvl7pPr>
+            <a:lvl8pPr marL="3429000" indent="-228600" algn="l" defTabSz="914400" rtl="0" eaLnBrk="1" latinLnBrk="0" hangingPunct="1">
+              <a:lnSpc>
+                <a:spcPct val="90000"/>
+              </a:lnSpc>
+              <a:spcBef>
+                <a:spcPts val="500"/>
+              </a:spcBef>
+              <a:buFont typeface="Arial" panose="020B0604020202020204" pitchFamily="34" charset="0"/>
+              <a:buChar char="•"/>
+              <a:defRPr sz="1800" kern="1200">
+                <a:solidFill>
+                  <a:schemeClr val="tx1"/>
+                </a:solidFill>
+                <a:latin typeface="+mn-lt"/>
+                <a:ea typeface="+mn-ea"/>
+                <a:cs typeface="+mn-cs"/>
+              </a:defRPr>
+            </a:lvl8pPr>
+            <a:lvl9pPr marL="3886200" indent="-228600" algn="l" defTabSz="914400" rtl="0" eaLnBrk="1" latinLnBrk="0" hangingPunct="1">
+              <a:lnSpc>
+                <a:spcPct val="90000"/>
+              </a:lnSpc>
+              <a:spcBef>
+                <a:spcPts val="500"/>
+              </a:spcBef>
+              <a:buFont typeface="Arial" panose="020B0604020202020204" pitchFamily="34" charset="0"/>
+              <a:buChar char="•"/>
+              <a:defRPr sz="1800" kern="1200">
+                <a:solidFill>
+                  <a:schemeClr val="tx1"/>
+                </a:solidFill>
+                <a:latin typeface="+mn-lt"/>
+                <a:ea typeface="+mn-ea"/>
+                <a:cs typeface="+mn-cs"/>
+              </a:defRPr>
+            </a:lvl9pPr>
+          </a:lstStyle>
+          <a:p>
+            <a:pPr>
+              <a:spcBef>
+                <a:spcPts val="0"/>
+              </a:spcBef>
+            </a:pPr>
+            <a:r>
+              <a:rPr lang="pt-BR" b="1" dirty="0" err="1"/>
+              <a:t>padding-left</a:t>
+            </a:r>
+            <a:r>
+              <a:rPr lang="pt-BR" b="1" dirty="0"/>
+              <a:t>: </a:t>
+            </a:r>
+            <a:r>
+              <a:rPr lang="pt-BR" dirty="0"/>
+              <a:t>Define o preenchimento do lado esquerdo.</a:t>
             </a:r>
           </a:p>
         </p:txBody>
@@ -6900,6 +7012,2290 @@
                 </a:solidFill>
                 <a:latin typeface="Consolas" panose="020B0609020204030204" pitchFamily="49" charset="0"/>
               </a:rPr>
+              <a:t>padding-left</a:t>
+            </a:r>
+            <a:r>
+              <a:rPr lang="pt-BR" dirty="0">
+                <a:solidFill>
+                  <a:srgbClr val="000000"/>
+                </a:solidFill>
+                <a:latin typeface="Consolas" panose="020B0609020204030204" pitchFamily="49" charset="0"/>
+              </a:rPr>
+              <a:t>: </a:t>
+            </a:r>
+            <a:r>
+              <a:rPr lang="pt-BR" dirty="0">
+                <a:solidFill>
+                  <a:srgbClr val="098658"/>
+                </a:solidFill>
+                <a:latin typeface="Consolas" panose="020B0609020204030204" pitchFamily="49" charset="0"/>
+              </a:rPr>
+              <a:t>10px</a:t>
+            </a:r>
+            <a:r>
+              <a:rPr lang="pt-BR" dirty="0">
+                <a:solidFill>
+                  <a:srgbClr val="000000"/>
+                </a:solidFill>
+                <a:latin typeface="Consolas" panose="020B0609020204030204" pitchFamily="49" charset="0"/>
+              </a:rPr>
+              <a:t>;</a:t>
+            </a:r>
+          </a:p>
+          <a:p>
+            <a:pPr algn="just"/>
+            <a:r>
+              <a:rPr lang="pt-BR" dirty="0">
+                <a:solidFill>
+                  <a:srgbClr val="000000"/>
+                </a:solidFill>
+                <a:latin typeface="Consolas" panose="020B0609020204030204" pitchFamily="49" charset="0"/>
+              </a:rPr>
+              <a:t>}</a:t>
+            </a:r>
+            <a:endParaRPr lang="pt-BR" b="0" dirty="0">
+              <a:solidFill>
+                <a:srgbClr val="000000"/>
+              </a:solidFill>
+              <a:effectLst/>
+              <a:latin typeface="Consolas" panose="020B0609020204030204" pitchFamily="49" charset="0"/>
+            </a:endParaRPr>
+          </a:p>
+        </p:txBody>
+      </p:sp>
+    </p:spTree>
+    <p:extLst>
+      <p:ext uri="{BB962C8B-B14F-4D97-AF65-F5344CB8AC3E}">
+        <p14:creationId xmlns:p14="http://schemas.microsoft.com/office/powerpoint/2010/main" val="2718443867"/>
+      </p:ext>
+    </p:extLst>
+  </p:cSld>
+  <p:clrMapOvr>
+    <a:masterClrMapping/>
+  </p:clrMapOvr>
+</p:sld>
+</file>
+
+<file path=ppt/slides/slide16.xml><?xml version="1.0" encoding="utf-8"?>
+<p:sld xmlns:a="http://schemas.openxmlformats.org/drawingml/2006/main" xmlns:r="http://schemas.openxmlformats.org/officeDocument/2006/relationships" xmlns:p="http://schemas.openxmlformats.org/presentationml/2006/main">
+  <p:cSld>
+    <p:spTree>
+      <p:nvGrpSpPr>
+        <p:cNvPr id="1" name=""/>
+        <p:cNvGrpSpPr/>
+        <p:nvPr/>
+      </p:nvGrpSpPr>
+      <p:grpSpPr>
+        <a:xfrm>
+          <a:off x="0" y="0"/>
+          <a:ext cx="0" cy="0"/>
+          <a:chOff x="0" y="0"/>
+          <a:chExt cx="0" cy="0"/>
+        </a:xfrm>
+      </p:grpSpPr>
+      <p:sp>
+        <p:nvSpPr>
+          <p:cNvPr id="2" name="Título 1">
+            <a:extLst>
+              <a:ext uri="{FF2B5EF4-FFF2-40B4-BE49-F238E27FC236}">
+                <a16:creationId xmlns:a16="http://schemas.microsoft.com/office/drawing/2014/main" id="{AF625C71-4D03-4FC3-B7F9-B7320DA2E833}"/>
+              </a:ext>
+            </a:extLst>
+          </p:cNvPr>
+          <p:cNvSpPr>
+            <a:spLocks noGrp="1"/>
+          </p:cNvSpPr>
+          <p:nvPr>
+            <p:ph type="title"/>
+          </p:nvPr>
+        </p:nvSpPr>
+        <p:spPr/>
+        <p:txBody>
+          <a:bodyPr/>
+          <a:lstStyle/>
+          <a:p>
+            <a:r>
+              <a:rPr lang="pt-BR" dirty="0"/>
+              <a:t>Propriedades Específicas do </a:t>
+            </a:r>
+            <a:r>
+              <a:rPr lang="pt-BR" dirty="0" err="1"/>
+              <a:t>Padding</a:t>
+            </a:r>
+            <a:endParaRPr lang="pt-BR" dirty="0"/>
+          </a:p>
+        </p:txBody>
+      </p:sp>
+      <p:sp>
+        <p:nvSpPr>
+          <p:cNvPr id="3" name="Espaço Reservado para Conteúdo 2">
+            <a:extLst>
+              <a:ext uri="{FF2B5EF4-FFF2-40B4-BE49-F238E27FC236}">
+                <a16:creationId xmlns:a16="http://schemas.microsoft.com/office/drawing/2014/main" id="{45FCEC58-6B96-4C21-8AAD-381061F85126}"/>
+              </a:ext>
+            </a:extLst>
+          </p:cNvPr>
+          <p:cNvSpPr>
+            <a:spLocks noGrp="1"/>
+          </p:cNvSpPr>
+          <p:nvPr>
+            <p:ph idx="1"/>
+          </p:nvPr>
+        </p:nvSpPr>
+        <p:spPr>
+          <a:xfrm>
+            <a:off x="592347" y="1844675"/>
+            <a:ext cx="11007306" cy="1003028"/>
+          </a:xfrm>
+        </p:spPr>
+        <p:txBody>
+          <a:bodyPr/>
+          <a:lstStyle/>
+          <a:p>
+            <a:pPr>
+              <a:spcBef>
+                <a:spcPts val="0"/>
+              </a:spcBef>
+            </a:pPr>
+            <a:r>
+              <a:rPr lang="pt-BR" b="1" dirty="0" err="1"/>
+              <a:t>padding</a:t>
+            </a:r>
+            <a:r>
+              <a:rPr lang="pt-BR" b="1" dirty="0"/>
+              <a:t>: </a:t>
+            </a:r>
+            <a:r>
+              <a:rPr lang="pt-BR" dirty="0"/>
+              <a:t>Permite definir os preenchimentos de todos os lados em uma única linha, na ordem: top, </a:t>
+            </a:r>
+            <a:r>
+              <a:rPr lang="pt-BR" dirty="0" err="1"/>
+              <a:t>right</a:t>
+            </a:r>
+            <a:r>
+              <a:rPr lang="pt-BR" dirty="0"/>
+              <a:t>, </a:t>
+            </a:r>
+            <a:r>
+              <a:rPr lang="pt-BR" dirty="0" err="1"/>
+              <a:t>bottom</a:t>
+            </a:r>
+            <a:r>
+              <a:rPr lang="pt-BR" dirty="0"/>
+              <a:t>, </a:t>
+            </a:r>
+            <a:r>
+              <a:rPr lang="pt-BR" dirty="0" err="1"/>
+              <a:t>left</a:t>
+            </a:r>
+            <a:r>
+              <a:rPr lang="pt-BR" dirty="0"/>
+              <a:t>.</a:t>
+            </a:r>
+          </a:p>
+        </p:txBody>
+      </p:sp>
+      <p:sp>
+        <p:nvSpPr>
+          <p:cNvPr id="7" name="Retângulo 6">
+            <a:extLst>
+              <a:ext uri="{FF2B5EF4-FFF2-40B4-BE49-F238E27FC236}">
+                <a16:creationId xmlns:a16="http://schemas.microsoft.com/office/drawing/2014/main" id="{96339426-DA50-43FB-8E26-3366153A0C80}"/>
+              </a:ext>
+            </a:extLst>
+          </p:cNvPr>
+          <p:cNvSpPr/>
+          <p:nvPr/>
+        </p:nvSpPr>
+        <p:spPr>
+          <a:xfrm>
+            <a:off x="862874" y="4173833"/>
+            <a:ext cx="4186646" cy="923330"/>
+          </a:xfrm>
+          <a:prstGeom prst="rect">
+            <a:avLst/>
+          </a:prstGeom>
+        </p:spPr>
+        <p:txBody>
+          <a:bodyPr wrap="square">
+            <a:spAutoFit/>
+          </a:bodyPr>
+          <a:lstStyle/>
+          <a:p>
+            <a:r>
+              <a:rPr lang="en-US" dirty="0">
+                <a:solidFill>
+                  <a:srgbClr val="800000"/>
+                </a:solidFill>
+                <a:latin typeface="Consolas" panose="020B0609020204030204" pitchFamily="49" charset="0"/>
+              </a:rPr>
+              <a:t>p</a:t>
+            </a:r>
+            <a:r>
+              <a:rPr lang="en-US" dirty="0">
+                <a:solidFill>
+                  <a:srgbClr val="000000"/>
+                </a:solidFill>
+                <a:latin typeface="Consolas" panose="020B0609020204030204" pitchFamily="49" charset="0"/>
+              </a:rPr>
+              <a:t> {</a:t>
+            </a:r>
+          </a:p>
+          <a:p>
+            <a:pPr indent="457200"/>
+            <a:r>
+              <a:rPr lang="en-US" dirty="0">
+                <a:solidFill>
+                  <a:srgbClr val="E50000"/>
+                </a:solidFill>
+                <a:latin typeface="Consolas" panose="020B0609020204030204" pitchFamily="49" charset="0"/>
+              </a:rPr>
+              <a:t>padding</a:t>
+            </a:r>
+            <a:r>
+              <a:rPr lang="en-US" dirty="0">
+                <a:solidFill>
+                  <a:srgbClr val="000000"/>
+                </a:solidFill>
+                <a:latin typeface="Consolas" panose="020B0609020204030204" pitchFamily="49" charset="0"/>
+              </a:rPr>
+              <a:t>: </a:t>
+            </a:r>
+            <a:r>
+              <a:rPr lang="en-US" dirty="0">
+                <a:solidFill>
+                  <a:srgbClr val="098658"/>
+                </a:solidFill>
+                <a:latin typeface="Consolas" panose="020B0609020204030204" pitchFamily="49" charset="0"/>
+              </a:rPr>
+              <a:t>5px 10px 15px 20px</a:t>
+            </a:r>
+            <a:r>
+              <a:rPr lang="en-US" dirty="0">
+                <a:solidFill>
+                  <a:srgbClr val="000000"/>
+                </a:solidFill>
+                <a:latin typeface="Consolas" panose="020B0609020204030204" pitchFamily="49" charset="0"/>
+              </a:rPr>
+              <a:t>;</a:t>
+            </a:r>
+          </a:p>
+          <a:p>
+            <a:r>
+              <a:rPr lang="en-US" dirty="0">
+                <a:solidFill>
+                  <a:srgbClr val="000000"/>
+                </a:solidFill>
+                <a:latin typeface="Consolas" panose="020B0609020204030204" pitchFamily="49" charset="0"/>
+              </a:rPr>
+              <a:t>}</a:t>
+            </a:r>
+            <a:endParaRPr lang="en-US" b="0" dirty="0">
+              <a:solidFill>
+                <a:srgbClr val="000000"/>
+              </a:solidFill>
+              <a:effectLst/>
+              <a:latin typeface="Consolas" panose="020B0609020204030204" pitchFamily="49" charset="0"/>
+            </a:endParaRPr>
+          </a:p>
+        </p:txBody>
+      </p:sp>
+      <p:grpSp>
+        <p:nvGrpSpPr>
+          <p:cNvPr id="4" name="Agrupar 3">
+            <a:extLst>
+              <a:ext uri="{FF2B5EF4-FFF2-40B4-BE49-F238E27FC236}">
+                <a16:creationId xmlns:a16="http://schemas.microsoft.com/office/drawing/2014/main" id="{F5DE41B8-94DE-42BC-9C05-7D510EFD9BFF}"/>
+              </a:ext>
+            </a:extLst>
+          </p:cNvPr>
+          <p:cNvGrpSpPr/>
+          <p:nvPr/>
+        </p:nvGrpSpPr>
+        <p:grpSpPr>
+          <a:xfrm>
+            <a:off x="5912394" y="3517940"/>
+            <a:ext cx="5416732" cy="2583249"/>
+            <a:chOff x="6344194" y="3526648"/>
+            <a:chExt cx="5416732" cy="2583249"/>
+          </a:xfrm>
+        </p:grpSpPr>
+        <p:sp>
+          <p:nvSpPr>
+            <p:cNvPr id="8" name="Retângulo: Cantos Arredondados 7">
+              <a:extLst>
+                <a:ext uri="{FF2B5EF4-FFF2-40B4-BE49-F238E27FC236}">
+                  <a16:creationId xmlns:a16="http://schemas.microsoft.com/office/drawing/2014/main" id="{8B2F41EF-CAF3-4BF9-89F5-B91A1FE04232}"/>
+                </a:ext>
+              </a:extLst>
+            </p:cNvPr>
+            <p:cNvSpPr/>
+            <p:nvPr/>
+          </p:nvSpPr>
+          <p:spPr>
+            <a:xfrm>
+              <a:off x="6905897" y="4005944"/>
+              <a:ext cx="4293326" cy="1584325"/>
+            </a:xfrm>
+            <a:prstGeom prst="roundRect">
+              <a:avLst>
+                <a:gd name="adj" fmla="val 0"/>
+              </a:avLst>
+            </a:prstGeom>
+            <a:noFill/>
+            <a:ln w="38100">
+              <a:solidFill>
+                <a:schemeClr val="tx1">
+                  <a:lumMod val="95000"/>
+                  <a:lumOff val="5000"/>
+                </a:schemeClr>
+              </a:solidFill>
+            </a:ln>
+          </p:spPr>
+          <p:style>
+            <a:lnRef idx="2">
+              <a:schemeClr val="accent1">
+                <a:shade val="50000"/>
+              </a:schemeClr>
+            </a:lnRef>
+            <a:fillRef idx="1">
+              <a:schemeClr val="accent1"/>
+            </a:fillRef>
+            <a:effectRef idx="0">
+              <a:schemeClr val="accent1"/>
+            </a:effectRef>
+            <a:fontRef idx="minor">
+              <a:schemeClr val="lt1"/>
+            </a:fontRef>
+          </p:style>
+          <p:txBody>
+            <a:bodyPr rtlCol="0" anchor="ctr"/>
+            <a:lstStyle/>
+            <a:p>
+              <a:pPr algn="ctr"/>
+              <a:endParaRPr lang="pt-BR"/>
+            </a:p>
+          </p:txBody>
+        </p:sp>
+        <p:sp>
+          <p:nvSpPr>
+            <p:cNvPr id="11" name="CaixaDeTexto 10">
+              <a:extLst>
+                <a:ext uri="{FF2B5EF4-FFF2-40B4-BE49-F238E27FC236}">
+                  <a16:creationId xmlns:a16="http://schemas.microsoft.com/office/drawing/2014/main" id="{62A7D8C1-2AF4-49AF-8CBA-F534CBCAEF32}"/>
+                </a:ext>
+              </a:extLst>
+            </p:cNvPr>
+            <p:cNvSpPr txBox="1"/>
+            <p:nvPr/>
+          </p:nvSpPr>
+          <p:spPr>
+            <a:xfrm>
+              <a:off x="8839200" y="3526648"/>
+              <a:ext cx="426720" cy="369332"/>
+            </a:xfrm>
+            <a:prstGeom prst="rect">
+              <a:avLst/>
+            </a:prstGeom>
+            <a:noFill/>
+          </p:spPr>
+          <p:txBody>
+            <a:bodyPr wrap="square" rtlCol="0">
+              <a:spAutoFit/>
+            </a:bodyPr>
+            <a:lstStyle/>
+            <a:p>
+              <a:pPr algn="ctr"/>
+              <a:r>
+                <a:rPr lang="pt-BR" dirty="0">
+                  <a:latin typeface="Times New Roman" panose="02020603050405020304" pitchFamily="18" charset="0"/>
+                  <a:cs typeface="Times New Roman" panose="02020603050405020304" pitchFamily="18" charset="0"/>
+                </a:rPr>
+                <a:t>1°</a:t>
+              </a:r>
+            </a:p>
+          </p:txBody>
+        </p:sp>
+        <p:sp>
+          <p:nvSpPr>
+            <p:cNvPr id="12" name="CaixaDeTexto 11">
+              <a:extLst>
+                <a:ext uri="{FF2B5EF4-FFF2-40B4-BE49-F238E27FC236}">
+                  <a16:creationId xmlns:a16="http://schemas.microsoft.com/office/drawing/2014/main" id="{0F9D5C26-6A58-4D1F-9207-0E4CCD427A77}"/>
+                </a:ext>
+              </a:extLst>
+            </p:cNvPr>
+            <p:cNvSpPr txBox="1"/>
+            <p:nvPr/>
+          </p:nvSpPr>
+          <p:spPr>
+            <a:xfrm>
+              <a:off x="11334206" y="4613440"/>
+              <a:ext cx="426720" cy="369332"/>
+            </a:xfrm>
+            <a:prstGeom prst="rect">
+              <a:avLst/>
+            </a:prstGeom>
+            <a:noFill/>
+          </p:spPr>
+          <p:txBody>
+            <a:bodyPr wrap="square" rtlCol="0">
+              <a:spAutoFit/>
+            </a:bodyPr>
+            <a:lstStyle/>
+            <a:p>
+              <a:pPr algn="ctr"/>
+              <a:r>
+                <a:rPr lang="pt-BR" dirty="0">
+                  <a:latin typeface="Times New Roman" panose="02020603050405020304" pitchFamily="18" charset="0"/>
+                  <a:cs typeface="Times New Roman" panose="02020603050405020304" pitchFamily="18" charset="0"/>
+                </a:rPr>
+                <a:t>2°</a:t>
+              </a:r>
+            </a:p>
+          </p:txBody>
+        </p:sp>
+        <p:sp>
+          <p:nvSpPr>
+            <p:cNvPr id="13" name="CaixaDeTexto 12">
+              <a:extLst>
+                <a:ext uri="{FF2B5EF4-FFF2-40B4-BE49-F238E27FC236}">
+                  <a16:creationId xmlns:a16="http://schemas.microsoft.com/office/drawing/2014/main" id="{C2BA83F0-4181-4EB6-B09B-45C928406EAC}"/>
+                </a:ext>
+              </a:extLst>
+            </p:cNvPr>
+            <p:cNvSpPr txBox="1"/>
+            <p:nvPr/>
+          </p:nvSpPr>
+          <p:spPr>
+            <a:xfrm>
+              <a:off x="8839200" y="5740565"/>
+              <a:ext cx="426720" cy="369332"/>
+            </a:xfrm>
+            <a:prstGeom prst="rect">
+              <a:avLst/>
+            </a:prstGeom>
+            <a:noFill/>
+          </p:spPr>
+          <p:txBody>
+            <a:bodyPr wrap="square" rtlCol="0">
+              <a:spAutoFit/>
+            </a:bodyPr>
+            <a:lstStyle/>
+            <a:p>
+              <a:pPr algn="ctr"/>
+              <a:r>
+                <a:rPr lang="pt-BR" dirty="0">
+                  <a:latin typeface="Times New Roman" panose="02020603050405020304" pitchFamily="18" charset="0"/>
+                  <a:cs typeface="Times New Roman" panose="02020603050405020304" pitchFamily="18" charset="0"/>
+                </a:rPr>
+                <a:t>3°</a:t>
+              </a:r>
+            </a:p>
+          </p:txBody>
+        </p:sp>
+        <p:sp>
+          <p:nvSpPr>
+            <p:cNvPr id="14" name="CaixaDeTexto 13">
+              <a:extLst>
+                <a:ext uri="{FF2B5EF4-FFF2-40B4-BE49-F238E27FC236}">
+                  <a16:creationId xmlns:a16="http://schemas.microsoft.com/office/drawing/2014/main" id="{D9DC09F2-361E-49C8-8999-1E049AE7C411}"/>
+                </a:ext>
+              </a:extLst>
+            </p:cNvPr>
+            <p:cNvSpPr txBox="1"/>
+            <p:nvPr/>
+          </p:nvSpPr>
+          <p:spPr>
+            <a:xfrm>
+              <a:off x="6344194" y="4613440"/>
+              <a:ext cx="426720" cy="369332"/>
+            </a:xfrm>
+            <a:prstGeom prst="rect">
+              <a:avLst/>
+            </a:prstGeom>
+            <a:noFill/>
+          </p:spPr>
+          <p:txBody>
+            <a:bodyPr wrap="square" rtlCol="0">
+              <a:spAutoFit/>
+            </a:bodyPr>
+            <a:lstStyle/>
+            <a:p>
+              <a:pPr algn="ctr"/>
+              <a:r>
+                <a:rPr lang="pt-BR" dirty="0">
+                  <a:latin typeface="Times New Roman" panose="02020603050405020304" pitchFamily="18" charset="0"/>
+                  <a:cs typeface="Times New Roman" panose="02020603050405020304" pitchFamily="18" charset="0"/>
+                </a:rPr>
+                <a:t>4°</a:t>
+              </a:r>
+            </a:p>
+          </p:txBody>
+        </p:sp>
+        <p:pic>
+          <p:nvPicPr>
+            <p:cNvPr id="15" name="Gráfico 14" descr="Atualizar">
+              <a:extLst>
+                <a:ext uri="{FF2B5EF4-FFF2-40B4-BE49-F238E27FC236}">
+                  <a16:creationId xmlns:a16="http://schemas.microsoft.com/office/drawing/2014/main" id="{C8024643-ED90-4654-9787-9FF9F8FFCA41}"/>
+                </a:ext>
+              </a:extLst>
+            </p:cNvPr>
+            <p:cNvPicPr>
+              <a:picLocks noChangeAspect="1"/>
+            </p:cNvPicPr>
+            <p:nvPr/>
+          </p:nvPicPr>
+          <p:blipFill>
+            <a:blip r:embed="rId2">
+              <a:extLst>
+                <a:ext uri="{28A0092B-C50C-407E-A947-70E740481C1C}">
+                  <a14:useLocalDpi xmlns:a14="http://schemas.microsoft.com/office/drawing/2010/main" val="0"/>
+                </a:ext>
+                <a:ext uri="{96DAC541-7B7A-43D3-8B79-37D633B846F1}">
+                  <asvg:svgBlip xmlns:asvg="http://schemas.microsoft.com/office/drawing/2016/SVG/main" r:embed="rId3"/>
+                </a:ext>
+              </a:extLst>
+            </a:blip>
+            <a:stretch>
+              <a:fillRect/>
+            </a:stretch>
+          </p:blipFill>
+          <p:spPr>
+            <a:xfrm>
+              <a:off x="8595360" y="4340906"/>
+              <a:ext cx="914400" cy="914400"/>
+            </a:xfrm>
+            <a:prstGeom prst="rect">
+              <a:avLst/>
+            </a:prstGeom>
+          </p:spPr>
+        </p:pic>
+      </p:grpSp>
+    </p:spTree>
+    <p:extLst>
+      <p:ext uri="{BB962C8B-B14F-4D97-AF65-F5344CB8AC3E}">
+        <p14:creationId xmlns:p14="http://schemas.microsoft.com/office/powerpoint/2010/main" val="958432546"/>
+      </p:ext>
+    </p:extLst>
+  </p:cSld>
+  <p:clrMapOvr>
+    <a:masterClrMapping/>
+  </p:clrMapOvr>
+</p:sld>
+</file>
+
+<file path=ppt/slides/slide17.xml><?xml version="1.0" encoding="utf-8"?>
+<p:sld xmlns:a="http://schemas.openxmlformats.org/drawingml/2006/main" xmlns:r="http://schemas.openxmlformats.org/officeDocument/2006/relationships" xmlns:p="http://schemas.openxmlformats.org/presentationml/2006/main">
+  <p:cSld>
+    <p:spTree>
+      <p:nvGrpSpPr>
+        <p:cNvPr id="1" name=""/>
+        <p:cNvGrpSpPr/>
+        <p:nvPr/>
+      </p:nvGrpSpPr>
+      <p:grpSpPr>
+        <a:xfrm>
+          <a:off x="0" y="0"/>
+          <a:ext cx="0" cy="0"/>
+          <a:chOff x="0" y="0"/>
+          <a:chExt cx="0" cy="0"/>
+        </a:xfrm>
+      </p:grpSpPr>
+      <p:sp>
+        <p:nvSpPr>
+          <p:cNvPr id="2" name="Título 1">
+            <a:extLst>
+              <a:ext uri="{FF2B5EF4-FFF2-40B4-BE49-F238E27FC236}">
+                <a16:creationId xmlns:a16="http://schemas.microsoft.com/office/drawing/2014/main" id="{7647964D-C3EE-43A5-BD45-BC57F5229E13}"/>
+              </a:ext>
+            </a:extLst>
+          </p:cNvPr>
+          <p:cNvSpPr>
+            <a:spLocks noGrp="1"/>
+          </p:cNvSpPr>
+          <p:nvPr>
+            <p:ph type="title"/>
+          </p:nvPr>
+        </p:nvSpPr>
+        <p:spPr/>
+        <p:txBody>
+          <a:bodyPr/>
+          <a:lstStyle/>
+          <a:p>
+            <a:r>
+              <a:rPr lang="pt-BR" dirty="0"/>
+              <a:t>Desafio: Estilizando Caixas com e Espaçamento Interno</a:t>
+            </a:r>
+          </a:p>
+        </p:txBody>
+      </p:sp>
+      <p:sp>
+        <p:nvSpPr>
+          <p:cNvPr id="3" name="Espaço Reservado para Conteúdo 2">
+            <a:extLst>
+              <a:ext uri="{FF2B5EF4-FFF2-40B4-BE49-F238E27FC236}">
+                <a16:creationId xmlns:a16="http://schemas.microsoft.com/office/drawing/2014/main" id="{E8D7FD6D-3222-463F-8BDE-2B09B921E386}"/>
+              </a:ext>
+            </a:extLst>
+          </p:cNvPr>
+          <p:cNvSpPr>
+            <a:spLocks noGrp="1"/>
+          </p:cNvSpPr>
+          <p:nvPr>
+            <p:ph idx="1"/>
+          </p:nvPr>
+        </p:nvSpPr>
+        <p:spPr/>
+        <p:txBody>
+          <a:bodyPr/>
+          <a:lstStyle/>
+          <a:p>
+            <a:r>
+              <a:rPr lang="pt-BR" dirty="0"/>
+              <a:t>Crie duas &lt;</a:t>
+            </a:r>
+            <a:r>
+              <a:rPr lang="pt-BR" dirty="0" err="1"/>
+              <a:t>div</a:t>
+            </a:r>
+            <a:r>
+              <a:rPr lang="pt-BR" dirty="0"/>
+              <a:t>&gt; com textos diferentes e aplique estilos personalizados para destacar sua aparência.</a:t>
+            </a:r>
+          </a:p>
+          <a:p>
+            <a:pPr marL="1028700" lvl="1" indent="-342900"/>
+            <a:r>
+              <a:rPr lang="pt-BR" sz="1800" dirty="0"/>
+              <a:t>Cada caixa deve ter uma borda sólida de 2px.</a:t>
+            </a:r>
+          </a:p>
+          <a:p>
+            <a:pPr marL="1028700" lvl="1" indent="-342900"/>
+            <a:r>
+              <a:rPr lang="pt-BR" sz="1800" dirty="0"/>
+              <a:t>A primeira caixa terá a borda azul #3498db, e a segunda, vermelha #e74c3c.</a:t>
+            </a:r>
+          </a:p>
+          <a:p>
+            <a:pPr marL="1028700" lvl="1" indent="-342900"/>
+            <a:r>
+              <a:rPr lang="pt-BR" sz="1800" dirty="0"/>
+              <a:t>Arredonde os cantos com </a:t>
+            </a:r>
+            <a:r>
+              <a:rPr lang="pt-BR" sz="1800" dirty="0" err="1"/>
+              <a:t>border-radius</a:t>
+            </a:r>
+            <a:r>
+              <a:rPr lang="pt-BR" sz="1800" dirty="0"/>
+              <a:t>: 10px para a primeira e 15px para a segunda.</a:t>
+            </a:r>
+          </a:p>
+          <a:p>
+            <a:pPr marL="1028700" lvl="1" indent="-342900"/>
+            <a:r>
+              <a:rPr lang="pt-BR" sz="1800" dirty="0"/>
+              <a:t>Adicione uma sombra com box-</a:t>
+            </a:r>
+            <a:r>
+              <a:rPr lang="pt-BR" sz="1800" dirty="0" err="1"/>
+              <a:t>shadow</a:t>
+            </a:r>
+            <a:r>
+              <a:rPr lang="pt-BR" sz="1800" dirty="0"/>
+              <a:t> para criar um efeito de sombra suave.</a:t>
+            </a:r>
+          </a:p>
+          <a:p>
+            <a:pPr marL="1028700" lvl="1" indent="-342900"/>
+            <a:r>
+              <a:rPr lang="pt-BR" sz="1800" dirty="0"/>
+              <a:t>Utilize </a:t>
+            </a:r>
+            <a:r>
+              <a:rPr lang="pt-BR" sz="1800" dirty="0" err="1"/>
+              <a:t>padding</a:t>
+            </a:r>
+            <a:r>
+              <a:rPr lang="pt-BR" sz="1800" dirty="0"/>
+              <a:t> para melhorar o espaçamento interno das caixas:</a:t>
+            </a:r>
+          </a:p>
+          <a:p>
+            <a:pPr marL="1485900" lvl="2" indent="-342900"/>
+            <a:r>
+              <a:rPr lang="pt-BR" sz="1600" dirty="0"/>
+              <a:t>A primeira caixa terá um </a:t>
+            </a:r>
+            <a:r>
+              <a:rPr lang="pt-BR" sz="1600" dirty="0" err="1"/>
+              <a:t>padding</a:t>
+            </a:r>
+            <a:r>
+              <a:rPr lang="pt-BR" sz="1600" dirty="0"/>
+              <a:t> de 20px.</a:t>
+            </a:r>
+          </a:p>
+          <a:p>
+            <a:pPr marL="1485900" lvl="2" indent="-342900"/>
+            <a:r>
+              <a:rPr lang="pt-BR" sz="1600" dirty="0"/>
+              <a:t>A segunda caixa terá um </a:t>
+            </a:r>
+            <a:r>
+              <a:rPr lang="pt-BR" sz="1600" dirty="0" err="1"/>
+              <a:t>padding</a:t>
+            </a:r>
+            <a:r>
+              <a:rPr lang="pt-BR" sz="1600" dirty="0"/>
+              <a:t> de 30px.</a:t>
+            </a:r>
+          </a:p>
+        </p:txBody>
+      </p:sp>
+    </p:spTree>
+    <p:extLst>
+      <p:ext uri="{BB962C8B-B14F-4D97-AF65-F5344CB8AC3E}">
+        <p14:creationId xmlns:p14="http://schemas.microsoft.com/office/powerpoint/2010/main" val="205417595"/>
+      </p:ext>
+    </p:extLst>
+  </p:cSld>
+  <p:clrMapOvr>
+    <a:masterClrMapping/>
+  </p:clrMapOvr>
+</p:sld>
+</file>
+
+<file path=ppt/slides/slide18.xml><?xml version="1.0" encoding="utf-8"?>
+<p:sld xmlns:a="http://schemas.openxmlformats.org/drawingml/2006/main" xmlns:r="http://schemas.openxmlformats.org/officeDocument/2006/relationships" xmlns:p="http://schemas.openxmlformats.org/presentationml/2006/main">
+  <p:cSld>
+    <p:spTree>
+      <p:nvGrpSpPr>
+        <p:cNvPr id="1" name=""/>
+        <p:cNvGrpSpPr/>
+        <p:nvPr/>
+      </p:nvGrpSpPr>
+      <p:grpSpPr>
+        <a:xfrm>
+          <a:off x="0" y="0"/>
+          <a:ext cx="0" cy="0"/>
+          <a:chOff x="0" y="0"/>
+          <a:chExt cx="0" cy="0"/>
+        </a:xfrm>
+      </p:grpSpPr>
+      <p:sp>
+        <p:nvSpPr>
+          <p:cNvPr id="2" name="Título 1">
+            <a:extLst>
+              <a:ext uri="{FF2B5EF4-FFF2-40B4-BE49-F238E27FC236}">
+                <a16:creationId xmlns:a16="http://schemas.microsoft.com/office/drawing/2014/main" id="{8087B0A1-EFD0-4EBF-BC92-35A52A3B21DF}"/>
+              </a:ext>
+            </a:extLst>
+          </p:cNvPr>
+          <p:cNvSpPr>
+            <a:spLocks noGrp="1"/>
+          </p:cNvSpPr>
+          <p:nvPr>
+            <p:ph type="title"/>
+          </p:nvPr>
+        </p:nvSpPr>
+        <p:spPr/>
+        <p:txBody>
+          <a:bodyPr/>
+          <a:lstStyle/>
+          <a:p>
+            <a:r>
+              <a:rPr lang="pt-BR" dirty="0" err="1"/>
+              <a:t>Margin</a:t>
+            </a:r>
+            <a:r>
+              <a:rPr lang="pt-BR" dirty="0"/>
+              <a:t> - Propriedade de Espaçamento Externo</a:t>
+            </a:r>
+          </a:p>
+        </p:txBody>
+      </p:sp>
+      <p:sp>
+        <p:nvSpPr>
+          <p:cNvPr id="3" name="Espaço Reservado para Conteúdo 2">
+            <a:extLst>
+              <a:ext uri="{FF2B5EF4-FFF2-40B4-BE49-F238E27FC236}">
+                <a16:creationId xmlns:a16="http://schemas.microsoft.com/office/drawing/2014/main" id="{5C52445C-BFC6-4559-8923-0E589B09D3A4}"/>
+              </a:ext>
+            </a:extLst>
+          </p:cNvPr>
+          <p:cNvSpPr>
+            <a:spLocks noGrp="1"/>
+          </p:cNvSpPr>
+          <p:nvPr>
+            <p:ph idx="1"/>
+          </p:nvPr>
+        </p:nvSpPr>
+        <p:spPr>
+          <a:xfrm>
+            <a:off x="592347" y="1844675"/>
+            <a:ext cx="11007306" cy="1647462"/>
+          </a:xfrm>
+        </p:spPr>
+        <p:txBody>
+          <a:bodyPr/>
+          <a:lstStyle/>
+          <a:p>
+            <a:r>
+              <a:rPr lang="pt-BR" dirty="0"/>
+              <a:t>A propriedade </a:t>
+            </a:r>
+            <a:r>
+              <a:rPr lang="pt-BR" dirty="0" err="1"/>
+              <a:t>Margin</a:t>
+            </a:r>
+            <a:r>
+              <a:rPr lang="pt-BR" dirty="0"/>
+              <a:t> permite ajustar o tamanho da área fora da borda de um elemento, usada para criar espaçamento entre elementos na página.</a:t>
+            </a:r>
+          </a:p>
+          <a:p>
+            <a:r>
+              <a:rPr lang="pt-BR" dirty="0"/>
+              <a:t>Sintaxe:</a:t>
+            </a:r>
+          </a:p>
+        </p:txBody>
+      </p:sp>
+      <p:sp>
+        <p:nvSpPr>
+          <p:cNvPr id="5" name="Retângulo 4">
+            <a:extLst>
+              <a:ext uri="{FF2B5EF4-FFF2-40B4-BE49-F238E27FC236}">
+                <a16:creationId xmlns:a16="http://schemas.microsoft.com/office/drawing/2014/main" id="{B5A26325-B3D1-43C1-813D-9D612F2EB303}"/>
+              </a:ext>
+            </a:extLst>
+          </p:cNvPr>
+          <p:cNvSpPr/>
+          <p:nvPr/>
+        </p:nvSpPr>
+        <p:spPr>
+          <a:xfrm>
+            <a:off x="2432594" y="4033819"/>
+            <a:ext cx="2403566" cy="923330"/>
+          </a:xfrm>
+          <a:prstGeom prst="rect">
+            <a:avLst/>
+          </a:prstGeom>
+        </p:spPr>
+        <p:txBody>
+          <a:bodyPr wrap="square">
+            <a:spAutoFit/>
+          </a:bodyPr>
+          <a:lstStyle/>
+          <a:p>
+            <a:r>
+              <a:rPr lang="pt-BR" dirty="0">
+                <a:solidFill>
+                  <a:srgbClr val="000000"/>
+                </a:solidFill>
+                <a:latin typeface="Consolas" panose="020B0609020204030204" pitchFamily="49" charset="0"/>
+              </a:rPr>
+              <a:t>seletor {</a:t>
+            </a:r>
+          </a:p>
+          <a:p>
+            <a:pPr indent="457200"/>
+            <a:r>
+              <a:rPr lang="pt-BR" dirty="0" err="1">
+                <a:solidFill>
+                  <a:srgbClr val="E50000"/>
+                </a:solidFill>
+                <a:latin typeface="Consolas" panose="020B0609020204030204" pitchFamily="49" charset="0"/>
+              </a:rPr>
+              <a:t>margin</a:t>
+            </a:r>
+            <a:r>
+              <a:rPr lang="pt-BR" dirty="0">
+                <a:solidFill>
+                  <a:srgbClr val="000000"/>
+                </a:solidFill>
+                <a:latin typeface="Consolas" panose="020B0609020204030204" pitchFamily="49" charset="0"/>
+              </a:rPr>
+              <a:t>: valor;</a:t>
+            </a:r>
+          </a:p>
+          <a:p>
+            <a:r>
+              <a:rPr lang="pt-BR" dirty="0">
+                <a:solidFill>
+                  <a:srgbClr val="000000"/>
+                </a:solidFill>
+                <a:latin typeface="Consolas" panose="020B0609020204030204" pitchFamily="49" charset="0"/>
+              </a:rPr>
+              <a:t>}</a:t>
+            </a:r>
+            <a:endParaRPr lang="pt-BR" b="0" dirty="0">
+              <a:solidFill>
+                <a:srgbClr val="000000"/>
+              </a:solidFill>
+              <a:effectLst/>
+              <a:latin typeface="Consolas" panose="020B0609020204030204" pitchFamily="49" charset="0"/>
+            </a:endParaRPr>
+          </a:p>
+        </p:txBody>
+      </p:sp>
+      <p:sp>
+        <p:nvSpPr>
+          <p:cNvPr id="6" name="Retângulo 5">
+            <a:extLst>
+              <a:ext uri="{FF2B5EF4-FFF2-40B4-BE49-F238E27FC236}">
+                <a16:creationId xmlns:a16="http://schemas.microsoft.com/office/drawing/2014/main" id="{3D487698-325A-493C-9674-EF0F537C6FD6}"/>
+              </a:ext>
+            </a:extLst>
+          </p:cNvPr>
+          <p:cNvSpPr/>
+          <p:nvPr/>
+        </p:nvSpPr>
+        <p:spPr>
+          <a:xfrm>
+            <a:off x="7268754" y="4033819"/>
+            <a:ext cx="2490651" cy="1200329"/>
+          </a:xfrm>
+          <a:prstGeom prst="rect">
+            <a:avLst/>
+          </a:prstGeom>
+        </p:spPr>
+        <p:txBody>
+          <a:bodyPr wrap="square">
+            <a:spAutoFit/>
+          </a:bodyPr>
+          <a:lstStyle/>
+          <a:p>
+            <a:r>
+              <a:rPr lang="pt-BR" dirty="0">
+                <a:solidFill>
+                  <a:srgbClr val="800000"/>
+                </a:solidFill>
+                <a:latin typeface="Consolas" panose="020B0609020204030204" pitchFamily="49" charset="0"/>
+              </a:rPr>
+              <a:t>h1</a:t>
+            </a:r>
+            <a:r>
+              <a:rPr lang="pt-BR" dirty="0">
+                <a:solidFill>
+                  <a:srgbClr val="000000"/>
+                </a:solidFill>
+                <a:latin typeface="Consolas" panose="020B0609020204030204" pitchFamily="49" charset="0"/>
+              </a:rPr>
+              <a:t> {</a:t>
+            </a:r>
+          </a:p>
+          <a:p>
+            <a:r>
+              <a:rPr lang="pt-BR" dirty="0">
+                <a:solidFill>
+                  <a:srgbClr val="000000"/>
+                </a:solidFill>
+                <a:latin typeface="Consolas" panose="020B0609020204030204" pitchFamily="49" charset="0"/>
+              </a:rPr>
+              <a:t>    </a:t>
+            </a:r>
+            <a:r>
+              <a:rPr lang="pt-BR" dirty="0" err="1">
+                <a:solidFill>
+                  <a:srgbClr val="E50000"/>
+                </a:solidFill>
+                <a:latin typeface="Consolas" panose="020B0609020204030204" pitchFamily="49" charset="0"/>
+              </a:rPr>
+              <a:t>margin</a:t>
+            </a:r>
+            <a:r>
+              <a:rPr lang="pt-BR" dirty="0">
+                <a:solidFill>
+                  <a:srgbClr val="000000"/>
+                </a:solidFill>
+                <a:latin typeface="Consolas" panose="020B0609020204030204" pitchFamily="49" charset="0"/>
+              </a:rPr>
+              <a:t>: </a:t>
+            </a:r>
+            <a:r>
+              <a:rPr lang="pt-BR" dirty="0">
+                <a:solidFill>
+                  <a:srgbClr val="098658"/>
+                </a:solidFill>
+                <a:latin typeface="Consolas" panose="020B0609020204030204" pitchFamily="49" charset="0"/>
+              </a:rPr>
+              <a:t>50px</a:t>
+            </a:r>
+            <a:r>
+              <a:rPr lang="pt-BR" dirty="0">
+                <a:solidFill>
+                  <a:srgbClr val="000000"/>
+                </a:solidFill>
+                <a:latin typeface="Consolas" panose="020B0609020204030204" pitchFamily="49" charset="0"/>
+              </a:rPr>
+              <a:t>;</a:t>
+            </a:r>
+          </a:p>
+          <a:p>
+            <a:pPr indent="457200"/>
+            <a:r>
+              <a:rPr lang="pt-BR" dirty="0" err="1">
+                <a:solidFill>
+                  <a:srgbClr val="E50000"/>
+                </a:solidFill>
+                <a:latin typeface="Consolas" panose="020B0609020204030204" pitchFamily="49" charset="0"/>
+              </a:rPr>
+              <a:t>margin</a:t>
+            </a:r>
+            <a:r>
+              <a:rPr lang="pt-BR" dirty="0">
+                <a:solidFill>
+                  <a:srgbClr val="000000"/>
+                </a:solidFill>
+                <a:latin typeface="Consolas" panose="020B0609020204030204" pitchFamily="49" charset="0"/>
+              </a:rPr>
+              <a:t>: </a:t>
+            </a:r>
+            <a:r>
+              <a:rPr lang="pt-BR" dirty="0">
+                <a:solidFill>
+                  <a:srgbClr val="098658"/>
+                </a:solidFill>
+                <a:latin typeface="Consolas" panose="020B0609020204030204" pitchFamily="49" charset="0"/>
+              </a:rPr>
+              <a:t>auto</a:t>
+            </a:r>
+            <a:r>
+              <a:rPr lang="pt-BR" dirty="0">
+                <a:solidFill>
+                  <a:srgbClr val="000000"/>
+                </a:solidFill>
+                <a:latin typeface="Consolas" panose="020B0609020204030204" pitchFamily="49" charset="0"/>
+              </a:rPr>
+              <a:t>;</a:t>
+            </a:r>
+          </a:p>
+          <a:p>
+            <a:r>
+              <a:rPr lang="pt-BR" dirty="0">
+                <a:solidFill>
+                  <a:srgbClr val="000000"/>
+                </a:solidFill>
+                <a:latin typeface="Consolas" panose="020B0609020204030204" pitchFamily="49" charset="0"/>
+              </a:rPr>
+              <a:t>}</a:t>
+            </a:r>
+            <a:endParaRPr lang="pt-BR" b="0" dirty="0">
+              <a:solidFill>
+                <a:srgbClr val="000000"/>
+              </a:solidFill>
+              <a:effectLst/>
+              <a:latin typeface="Consolas" panose="020B0609020204030204" pitchFamily="49" charset="0"/>
+            </a:endParaRPr>
+          </a:p>
+        </p:txBody>
+      </p:sp>
+    </p:spTree>
+    <p:extLst>
+      <p:ext uri="{BB962C8B-B14F-4D97-AF65-F5344CB8AC3E}">
+        <p14:creationId xmlns:p14="http://schemas.microsoft.com/office/powerpoint/2010/main" val="2446342427"/>
+      </p:ext>
+    </p:extLst>
+  </p:cSld>
+  <p:clrMapOvr>
+    <a:masterClrMapping/>
+  </p:clrMapOvr>
+</p:sld>
+</file>
+
+<file path=ppt/slides/slide19.xml><?xml version="1.0" encoding="utf-8"?>
+<p:sld xmlns:a="http://schemas.openxmlformats.org/drawingml/2006/main" xmlns:r="http://schemas.openxmlformats.org/officeDocument/2006/relationships" xmlns:p="http://schemas.openxmlformats.org/presentationml/2006/main">
+  <p:cSld>
+    <p:spTree>
+      <p:nvGrpSpPr>
+        <p:cNvPr id="1" name=""/>
+        <p:cNvGrpSpPr/>
+        <p:nvPr/>
+      </p:nvGrpSpPr>
+      <p:grpSpPr>
+        <a:xfrm>
+          <a:off x="0" y="0"/>
+          <a:ext cx="0" cy="0"/>
+          <a:chOff x="0" y="0"/>
+          <a:chExt cx="0" cy="0"/>
+        </a:xfrm>
+      </p:grpSpPr>
+      <p:sp>
+        <p:nvSpPr>
+          <p:cNvPr id="2" name="Título 1">
+            <a:extLst>
+              <a:ext uri="{FF2B5EF4-FFF2-40B4-BE49-F238E27FC236}">
+                <a16:creationId xmlns:a16="http://schemas.microsoft.com/office/drawing/2014/main" id="{AF625C71-4D03-4FC3-B7F9-B7320DA2E833}"/>
+              </a:ext>
+            </a:extLst>
+          </p:cNvPr>
+          <p:cNvSpPr>
+            <a:spLocks noGrp="1"/>
+          </p:cNvSpPr>
+          <p:nvPr>
+            <p:ph type="title"/>
+          </p:nvPr>
+        </p:nvSpPr>
+        <p:spPr/>
+        <p:txBody>
+          <a:bodyPr/>
+          <a:lstStyle/>
+          <a:p>
+            <a:r>
+              <a:rPr lang="pt-BR" dirty="0"/>
+              <a:t>Propriedades Específicas do </a:t>
+            </a:r>
+            <a:r>
+              <a:rPr lang="pt-BR" dirty="0" err="1"/>
+              <a:t>Margin</a:t>
+            </a:r>
+            <a:endParaRPr lang="pt-BR" dirty="0"/>
+          </a:p>
+        </p:txBody>
+      </p:sp>
+      <p:sp>
+        <p:nvSpPr>
+          <p:cNvPr id="3" name="Espaço Reservado para Conteúdo 2">
+            <a:extLst>
+              <a:ext uri="{FF2B5EF4-FFF2-40B4-BE49-F238E27FC236}">
+                <a16:creationId xmlns:a16="http://schemas.microsoft.com/office/drawing/2014/main" id="{45FCEC58-6B96-4C21-8AAD-381061F85126}"/>
+              </a:ext>
+            </a:extLst>
+          </p:cNvPr>
+          <p:cNvSpPr>
+            <a:spLocks noGrp="1"/>
+          </p:cNvSpPr>
+          <p:nvPr>
+            <p:ph idx="1"/>
+          </p:nvPr>
+        </p:nvSpPr>
+        <p:spPr>
+          <a:xfrm>
+            <a:off x="592347" y="1844675"/>
+            <a:ext cx="11007306" cy="602434"/>
+          </a:xfrm>
+        </p:spPr>
+        <p:txBody>
+          <a:bodyPr/>
+          <a:lstStyle/>
+          <a:p>
+            <a:pPr>
+              <a:spcBef>
+                <a:spcPts val="0"/>
+              </a:spcBef>
+            </a:pPr>
+            <a:r>
+              <a:rPr lang="en-US" b="1" dirty="0"/>
+              <a:t>margin-top: </a:t>
+            </a:r>
+            <a:r>
+              <a:rPr lang="en-US" dirty="0"/>
+              <a:t>Define a </a:t>
+            </a:r>
+            <a:r>
+              <a:rPr lang="en-US" dirty="0" err="1"/>
+              <a:t>margem</a:t>
+            </a:r>
+            <a:r>
+              <a:rPr lang="en-US" dirty="0"/>
+              <a:t> superior.</a:t>
+            </a:r>
+            <a:endParaRPr lang="pt-BR" dirty="0"/>
+          </a:p>
+        </p:txBody>
+      </p:sp>
+      <p:sp>
+        <p:nvSpPr>
+          <p:cNvPr id="7" name="Retângulo 6">
+            <a:extLst>
+              <a:ext uri="{FF2B5EF4-FFF2-40B4-BE49-F238E27FC236}">
+                <a16:creationId xmlns:a16="http://schemas.microsoft.com/office/drawing/2014/main" id="{96339426-DA50-43FB-8E26-3366153A0C80}"/>
+              </a:ext>
+            </a:extLst>
+          </p:cNvPr>
+          <p:cNvSpPr/>
+          <p:nvPr/>
+        </p:nvSpPr>
+        <p:spPr>
+          <a:xfrm>
+            <a:off x="4748893" y="2722532"/>
+            <a:ext cx="2694214" cy="923330"/>
+          </a:xfrm>
+          <a:prstGeom prst="rect">
+            <a:avLst/>
+          </a:prstGeom>
+        </p:spPr>
+        <p:txBody>
+          <a:bodyPr wrap="square">
+            <a:spAutoFit/>
+          </a:bodyPr>
+          <a:lstStyle/>
+          <a:p>
+            <a:r>
+              <a:rPr lang="en-US" dirty="0">
+                <a:solidFill>
+                  <a:srgbClr val="800000"/>
+                </a:solidFill>
+                <a:latin typeface="Consolas" panose="020B0609020204030204" pitchFamily="49" charset="0"/>
+              </a:rPr>
+              <a:t>p</a:t>
+            </a:r>
+            <a:r>
+              <a:rPr lang="en-US" dirty="0">
+                <a:solidFill>
+                  <a:srgbClr val="000000"/>
+                </a:solidFill>
+                <a:latin typeface="Consolas" panose="020B0609020204030204" pitchFamily="49" charset="0"/>
+              </a:rPr>
+              <a:t> {</a:t>
+            </a:r>
+          </a:p>
+          <a:p>
+            <a:pPr indent="457200"/>
+            <a:r>
+              <a:rPr lang="en-US" dirty="0">
+                <a:solidFill>
+                  <a:srgbClr val="E50000"/>
+                </a:solidFill>
+                <a:latin typeface="Consolas" panose="020B0609020204030204" pitchFamily="49" charset="0"/>
+              </a:rPr>
+              <a:t>margin-top</a:t>
+            </a:r>
+            <a:r>
+              <a:rPr lang="en-US" dirty="0">
+                <a:solidFill>
+                  <a:srgbClr val="000000"/>
+                </a:solidFill>
+                <a:latin typeface="Consolas" panose="020B0609020204030204" pitchFamily="49" charset="0"/>
+              </a:rPr>
+              <a:t>: </a:t>
+            </a:r>
+            <a:r>
+              <a:rPr lang="en-US" dirty="0">
+                <a:solidFill>
+                  <a:srgbClr val="098658"/>
+                </a:solidFill>
+                <a:latin typeface="Consolas" panose="020B0609020204030204" pitchFamily="49" charset="0"/>
+              </a:rPr>
+              <a:t>5px</a:t>
+            </a:r>
+            <a:r>
+              <a:rPr lang="en-US" dirty="0">
+                <a:solidFill>
+                  <a:srgbClr val="000000"/>
+                </a:solidFill>
+                <a:latin typeface="Consolas" panose="020B0609020204030204" pitchFamily="49" charset="0"/>
+              </a:rPr>
+              <a:t>;</a:t>
+            </a:r>
+          </a:p>
+          <a:p>
+            <a:r>
+              <a:rPr lang="en-US" dirty="0">
+                <a:solidFill>
+                  <a:srgbClr val="000000"/>
+                </a:solidFill>
+                <a:latin typeface="Consolas" panose="020B0609020204030204" pitchFamily="49" charset="0"/>
+              </a:rPr>
+              <a:t>}</a:t>
+            </a:r>
+            <a:endParaRPr lang="en-US" b="0" dirty="0">
+              <a:solidFill>
+                <a:srgbClr val="000000"/>
+              </a:solidFill>
+              <a:effectLst/>
+              <a:latin typeface="Consolas" panose="020B0609020204030204" pitchFamily="49" charset="0"/>
+            </a:endParaRPr>
+          </a:p>
+        </p:txBody>
+      </p:sp>
+      <p:sp>
+        <p:nvSpPr>
+          <p:cNvPr id="9" name="Espaço Reservado para Conteúdo 2">
+            <a:extLst>
+              <a:ext uri="{FF2B5EF4-FFF2-40B4-BE49-F238E27FC236}">
+                <a16:creationId xmlns:a16="http://schemas.microsoft.com/office/drawing/2014/main" id="{14C30E64-F25B-46A4-A4F8-07C6E903030F}"/>
+              </a:ext>
+            </a:extLst>
+          </p:cNvPr>
+          <p:cNvSpPr txBox="1">
+            <a:spLocks/>
+          </p:cNvSpPr>
+          <p:nvPr/>
+        </p:nvSpPr>
+        <p:spPr>
+          <a:xfrm>
+            <a:off x="592347" y="3921285"/>
+            <a:ext cx="11007306" cy="535080"/>
+          </a:xfrm>
+          <a:prstGeom prst="rect">
+            <a:avLst/>
+          </a:prstGeom>
+        </p:spPr>
+        <p:txBody>
+          <a:bodyPr/>
+          <a:lstStyle>
+            <a:lvl1pPr marL="0" indent="0" algn="just" defTabSz="914400" rtl="0" eaLnBrk="1" latinLnBrk="0" hangingPunct="1">
+              <a:lnSpc>
+                <a:spcPct val="150000"/>
+              </a:lnSpc>
+              <a:spcBef>
+                <a:spcPts val="1000"/>
+              </a:spcBef>
+              <a:buFont typeface="Arial" panose="020B0604020202020204" pitchFamily="34" charset="0"/>
+              <a:buNone/>
+              <a:defRPr sz="2000" kern="1200">
+                <a:solidFill>
+                  <a:schemeClr val="tx1"/>
+                </a:solidFill>
+                <a:latin typeface="Times New Roman" panose="02020603050405020304" pitchFamily="18" charset="0"/>
+                <a:ea typeface="+mn-ea"/>
+                <a:cs typeface="Times New Roman" panose="02020603050405020304" pitchFamily="18" charset="0"/>
+              </a:defRPr>
+            </a:lvl1pPr>
+            <a:lvl2pPr marL="685800" indent="-228600" algn="l" defTabSz="914400" rtl="0" eaLnBrk="1" latinLnBrk="0" hangingPunct="1">
+              <a:lnSpc>
+                <a:spcPct val="150000"/>
+              </a:lnSpc>
+              <a:spcBef>
+                <a:spcPts val="500"/>
+              </a:spcBef>
+              <a:buFont typeface="Arial" panose="020B0604020202020204" pitchFamily="34" charset="0"/>
+              <a:buChar char="•"/>
+              <a:defRPr sz="1600" kern="1200">
+                <a:solidFill>
+                  <a:schemeClr val="tx1"/>
+                </a:solidFill>
+                <a:latin typeface="Times New Roman" panose="02020603050405020304" pitchFamily="18" charset="0"/>
+                <a:ea typeface="+mn-ea"/>
+                <a:cs typeface="Times New Roman" panose="02020603050405020304" pitchFamily="18" charset="0"/>
+              </a:defRPr>
+            </a:lvl2pPr>
+            <a:lvl3pPr marL="1143000" indent="-228600" algn="l" defTabSz="914400" rtl="0" eaLnBrk="1" latinLnBrk="0" hangingPunct="1">
+              <a:lnSpc>
+                <a:spcPct val="150000"/>
+              </a:lnSpc>
+              <a:spcBef>
+                <a:spcPts val="500"/>
+              </a:spcBef>
+              <a:buFont typeface="Arial" panose="020B0604020202020204" pitchFamily="34" charset="0"/>
+              <a:buChar char="•"/>
+              <a:defRPr sz="1400" kern="1200">
+                <a:solidFill>
+                  <a:schemeClr val="tx1"/>
+                </a:solidFill>
+                <a:latin typeface="Times New Roman" panose="02020603050405020304" pitchFamily="18" charset="0"/>
+                <a:ea typeface="+mn-ea"/>
+                <a:cs typeface="Times New Roman" panose="02020603050405020304" pitchFamily="18" charset="0"/>
+              </a:defRPr>
+            </a:lvl3pPr>
+            <a:lvl4pPr marL="1600200" indent="-228600" algn="l" defTabSz="914400" rtl="0" eaLnBrk="1" latinLnBrk="0" hangingPunct="1">
+              <a:lnSpc>
+                <a:spcPct val="150000"/>
+              </a:lnSpc>
+              <a:spcBef>
+                <a:spcPts val="500"/>
+              </a:spcBef>
+              <a:buFont typeface="Arial" panose="020B0604020202020204" pitchFamily="34" charset="0"/>
+              <a:buChar char="•"/>
+              <a:defRPr sz="1200" kern="1200">
+                <a:solidFill>
+                  <a:schemeClr val="tx1"/>
+                </a:solidFill>
+                <a:latin typeface="Times New Roman" panose="02020603050405020304" pitchFamily="18" charset="0"/>
+                <a:ea typeface="+mn-ea"/>
+                <a:cs typeface="Times New Roman" panose="02020603050405020304" pitchFamily="18" charset="0"/>
+              </a:defRPr>
+            </a:lvl4pPr>
+            <a:lvl5pPr marL="2057400" indent="-228600" algn="l" defTabSz="914400" rtl="0" eaLnBrk="1" latinLnBrk="0" hangingPunct="1">
+              <a:lnSpc>
+                <a:spcPct val="150000"/>
+              </a:lnSpc>
+              <a:spcBef>
+                <a:spcPts val="500"/>
+              </a:spcBef>
+              <a:buFont typeface="Arial" panose="020B0604020202020204" pitchFamily="34" charset="0"/>
+              <a:buChar char="•"/>
+              <a:defRPr sz="1000" kern="1200">
+                <a:solidFill>
+                  <a:schemeClr val="tx1"/>
+                </a:solidFill>
+                <a:latin typeface="Times New Roman" panose="02020603050405020304" pitchFamily="18" charset="0"/>
+                <a:ea typeface="+mn-ea"/>
+                <a:cs typeface="Times New Roman" panose="02020603050405020304" pitchFamily="18" charset="0"/>
+              </a:defRPr>
+            </a:lvl5pPr>
+            <a:lvl6pPr marL="2514600" indent="-228600" algn="l" defTabSz="914400" rtl="0" eaLnBrk="1" latinLnBrk="0" hangingPunct="1">
+              <a:lnSpc>
+                <a:spcPct val="90000"/>
+              </a:lnSpc>
+              <a:spcBef>
+                <a:spcPts val="500"/>
+              </a:spcBef>
+              <a:buFont typeface="Arial" panose="020B0604020202020204" pitchFamily="34" charset="0"/>
+              <a:buChar char="•"/>
+              <a:defRPr sz="1800" kern="1200">
+                <a:solidFill>
+                  <a:schemeClr val="tx1"/>
+                </a:solidFill>
+                <a:latin typeface="+mn-lt"/>
+                <a:ea typeface="+mn-ea"/>
+                <a:cs typeface="+mn-cs"/>
+              </a:defRPr>
+            </a:lvl6pPr>
+            <a:lvl7pPr marL="2971800" indent="-228600" algn="l" defTabSz="914400" rtl="0" eaLnBrk="1" latinLnBrk="0" hangingPunct="1">
+              <a:lnSpc>
+                <a:spcPct val="90000"/>
+              </a:lnSpc>
+              <a:spcBef>
+                <a:spcPts val="500"/>
+              </a:spcBef>
+              <a:buFont typeface="Arial" panose="020B0604020202020204" pitchFamily="34" charset="0"/>
+              <a:buChar char="•"/>
+              <a:defRPr sz="1800" kern="1200">
+                <a:solidFill>
+                  <a:schemeClr val="tx1"/>
+                </a:solidFill>
+                <a:latin typeface="+mn-lt"/>
+                <a:ea typeface="+mn-ea"/>
+                <a:cs typeface="+mn-cs"/>
+              </a:defRPr>
+            </a:lvl7pPr>
+            <a:lvl8pPr marL="3429000" indent="-228600" algn="l" defTabSz="914400" rtl="0" eaLnBrk="1" latinLnBrk="0" hangingPunct="1">
+              <a:lnSpc>
+                <a:spcPct val="90000"/>
+              </a:lnSpc>
+              <a:spcBef>
+                <a:spcPts val="500"/>
+              </a:spcBef>
+              <a:buFont typeface="Arial" panose="020B0604020202020204" pitchFamily="34" charset="0"/>
+              <a:buChar char="•"/>
+              <a:defRPr sz="1800" kern="1200">
+                <a:solidFill>
+                  <a:schemeClr val="tx1"/>
+                </a:solidFill>
+                <a:latin typeface="+mn-lt"/>
+                <a:ea typeface="+mn-ea"/>
+                <a:cs typeface="+mn-cs"/>
+              </a:defRPr>
+            </a:lvl8pPr>
+            <a:lvl9pPr marL="3886200" indent="-228600" algn="l" defTabSz="914400" rtl="0" eaLnBrk="1" latinLnBrk="0" hangingPunct="1">
+              <a:lnSpc>
+                <a:spcPct val="90000"/>
+              </a:lnSpc>
+              <a:spcBef>
+                <a:spcPts val="500"/>
+              </a:spcBef>
+              <a:buFont typeface="Arial" panose="020B0604020202020204" pitchFamily="34" charset="0"/>
+              <a:buChar char="•"/>
+              <a:defRPr sz="1800" kern="1200">
+                <a:solidFill>
+                  <a:schemeClr val="tx1"/>
+                </a:solidFill>
+                <a:latin typeface="+mn-lt"/>
+                <a:ea typeface="+mn-ea"/>
+                <a:cs typeface="+mn-cs"/>
+              </a:defRPr>
+            </a:lvl9pPr>
+          </a:lstStyle>
+          <a:p>
+            <a:pPr>
+              <a:spcBef>
+                <a:spcPts val="0"/>
+              </a:spcBef>
+            </a:pPr>
+            <a:r>
+              <a:rPr lang="pt-BR" b="1" dirty="0" err="1"/>
+              <a:t>margin-right</a:t>
+            </a:r>
+            <a:r>
+              <a:rPr lang="pt-BR" b="1" dirty="0"/>
+              <a:t>: </a:t>
+            </a:r>
+            <a:r>
+              <a:rPr lang="pt-BR" dirty="0"/>
+              <a:t>Define a margem direita.</a:t>
+            </a:r>
+          </a:p>
+        </p:txBody>
+      </p:sp>
+      <p:sp>
+        <p:nvSpPr>
+          <p:cNvPr id="10" name="Retângulo 9">
+            <a:extLst>
+              <a:ext uri="{FF2B5EF4-FFF2-40B4-BE49-F238E27FC236}">
+                <a16:creationId xmlns:a16="http://schemas.microsoft.com/office/drawing/2014/main" id="{C38C76C4-2C52-461D-BB0D-CD7A2A72D0A0}"/>
+              </a:ext>
+            </a:extLst>
+          </p:cNvPr>
+          <p:cNvSpPr/>
+          <p:nvPr/>
+        </p:nvSpPr>
+        <p:spPr>
+          <a:xfrm>
+            <a:off x="4499338" y="4731788"/>
+            <a:ext cx="3193325" cy="923330"/>
+          </a:xfrm>
+          <a:prstGeom prst="rect">
+            <a:avLst/>
+          </a:prstGeom>
+        </p:spPr>
+        <p:txBody>
+          <a:bodyPr wrap="square">
+            <a:spAutoFit/>
+          </a:bodyPr>
+          <a:lstStyle/>
+          <a:p>
+            <a:pPr algn="just"/>
+            <a:r>
+              <a:rPr lang="pt-BR" dirty="0">
+                <a:solidFill>
+                  <a:srgbClr val="800000"/>
+                </a:solidFill>
+                <a:latin typeface="Consolas" panose="020B0609020204030204" pitchFamily="49" charset="0"/>
+              </a:rPr>
+              <a:t>h1</a:t>
+            </a:r>
+            <a:r>
+              <a:rPr lang="pt-BR" dirty="0">
+                <a:solidFill>
+                  <a:srgbClr val="000000"/>
+                </a:solidFill>
+                <a:latin typeface="Consolas" panose="020B0609020204030204" pitchFamily="49" charset="0"/>
+              </a:rPr>
+              <a:t> {</a:t>
+            </a:r>
+          </a:p>
+          <a:p>
+            <a:pPr indent="457200" algn="just"/>
+            <a:r>
+              <a:rPr lang="en-US" dirty="0">
+                <a:solidFill>
+                  <a:srgbClr val="E50000"/>
+                </a:solidFill>
+                <a:latin typeface="Consolas" panose="020B0609020204030204" pitchFamily="49" charset="0"/>
+              </a:rPr>
+              <a:t>margin-right</a:t>
+            </a:r>
+            <a:r>
+              <a:rPr lang="pt-BR" dirty="0">
+                <a:solidFill>
+                  <a:srgbClr val="000000"/>
+                </a:solidFill>
+                <a:latin typeface="Consolas" panose="020B0609020204030204" pitchFamily="49" charset="0"/>
+              </a:rPr>
+              <a:t>: </a:t>
+            </a:r>
+            <a:r>
+              <a:rPr lang="pt-BR" dirty="0">
+                <a:solidFill>
+                  <a:srgbClr val="098658"/>
+                </a:solidFill>
+                <a:latin typeface="Consolas" panose="020B0609020204030204" pitchFamily="49" charset="0"/>
+              </a:rPr>
+              <a:t>10px</a:t>
+            </a:r>
+            <a:r>
+              <a:rPr lang="pt-BR" dirty="0">
+                <a:solidFill>
+                  <a:srgbClr val="000000"/>
+                </a:solidFill>
+                <a:latin typeface="Consolas" panose="020B0609020204030204" pitchFamily="49" charset="0"/>
+              </a:rPr>
+              <a:t>;</a:t>
+            </a:r>
+          </a:p>
+          <a:p>
+            <a:pPr algn="just"/>
+            <a:r>
+              <a:rPr lang="pt-BR" dirty="0">
+                <a:solidFill>
+                  <a:srgbClr val="000000"/>
+                </a:solidFill>
+                <a:latin typeface="Consolas" panose="020B0609020204030204" pitchFamily="49" charset="0"/>
+              </a:rPr>
+              <a:t>}</a:t>
+            </a:r>
+            <a:endParaRPr lang="pt-BR" b="0" dirty="0">
+              <a:solidFill>
+                <a:srgbClr val="000000"/>
+              </a:solidFill>
+              <a:effectLst/>
+              <a:latin typeface="Consolas" panose="020B0609020204030204" pitchFamily="49" charset="0"/>
+            </a:endParaRPr>
+          </a:p>
+        </p:txBody>
+      </p:sp>
+    </p:spTree>
+    <p:extLst>
+      <p:ext uri="{BB962C8B-B14F-4D97-AF65-F5344CB8AC3E}">
+        <p14:creationId xmlns:p14="http://schemas.microsoft.com/office/powerpoint/2010/main" val="2579054615"/>
+      </p:ext>
+    </p:extLst>
+  </p:cSld>
+  <p:clrMapOvr>
+    <a:masterClrMapping/>
+  </p:clrMapOvr>
+</p:sld>
+</file>
+
+<file path=ppt/slides/slide2.xml><?xml version="1.0" encoding="utf-8"?>
+<p:sld xmlns:a="http://schemas.openxmlformats.org/drawingml/2006/main" xmlns:r="http://schemas.openxmlformats.org/officeDocument/2006/relationships" xmlns:p="http://schemas.openxmlformats.org/presentationml/2006/main">
+  <p:cSld>
+    <p:spTree>
+      <p:nvGrpSpPr>
+        <p:cNvPr id="1" name=""/>
+        <p:cNvGrpSpPr/>
+        <p:nvPr/>
+      </p:nvGrpSpPr>
+      <p:grpSpPr>
+        <a:xfrm>
+          <a:off x="0" y="0"/>
+          <a:ext cx="0" cy="0"/>
+          <a:chOff x="0" y="0"/>
+          <a:chExt cx="0" cy="0"/>
+        </a:xfrm>
+      </p:grpSpPr>
+      <p:sp>
+        <p:nvSpPr>
+          <p:cNvPr id="2" name="Título 1">
+            <a:extLst>
+              <a:ext uri="{FF2B5EF4-FFF2-40B4-BE49-F238E27FC236}">
+                <a16:creationId xmlns:a16="http://schemas.microsoft.com/office/drawing/2014/main" id="{0E152820-75D2-440D-9EBB-9F82C32D4859}"/>
+              </a:ext>
+            </a:extLst>
+          </p:cNvPr>
+          <p:cNvSpPr>
+            <a:spLocks noGrp="1"/>
+          </p:cNvSpPr>
+          <p:nvPr>
+            <p:ph type="title"/>
+          </p:nvPr>
+        </p:nvSpPr>
+        <p:spPr/>
+        <p:txBody>
+          <a:bodyPr/>
+          <a:lstStyle/>
+          <a:p>
+            <a:r>
+              <a:rPr lang="pt-BR" dirty="0"/>
+              <a:t>Introdução ao Box </a:t>
+            </a:r>
+            <a:r>
+              <a:rPr lang="pt-BR" dirty="0" err="1"/>
+              <a:t>Model</a:t>
+            </a:r>
+            <a:endParaRPr lang="pt-BR" dirty="0"/>
+          </a:p>
+        </p:txBody>
+      </p:sp>
+      <p:sp>
+        <p:nvSpPr>
+          <p:cNvPr id="3" name="Espaço Reservado para Conteúdo 2">
+            <a:extLst>
+              <a:ext uri="{FF2B5EF4-FFF2-40B4-BE49-F238E27FC236}">
+                <a16:creationId xmlns:a16="http://schemas.microsoft.com/office/drawing/2014/main" id="{21E9FD1C-9714-4522-A2B6-1135CFFF329B}"/>
+              </a:ext>
+            </a:extLst>
+          </p:cNvPr>
+          <p:cNvSpPr>
+            <a:spLocks noGrp="1"/>
+          </p:cNvSpPr>
+          <p:nvPr>
+            <p:ph idx="1"/>
+          </p:nvPr>
+        </p:nvSpPr>
+        <p:spPr/>
+        <p:txBody>
+          <a:bodyPr/>
+          <a:lstStyle/>
+          <a:p>
+            <a:r>
+              <a:rPr lang="pt-BR" dirty="0"/>
+              <a:t>O modelo de caixa (box </a:t>
+            </a:r>
+            <a:r>
+              <a:rPr lang="pt-BR" dirty="0" err="1"/>
+              <a:t>model</a:t>
+            </a:r>
+            <a:r>
+              <a:rPr lang="pt-BR" dirty="0"/>
+              <a:t>) é um conceito fundamental no CSS que descreve como os elementos de uma página web são representados e dispostos na tela. De acordo com esse modelo, cada elemento é tratado como uma caixa retangular composta por quatro áreas principais:</a:t>
+            </a:r>
+          </a:p>
+          <a:p>
+            <a:pPr marL="1028700" lvl="1" indent="-342900"/>
+            <a:r>
+              <a:rPr lang="pt-BR" b="1" dirty="0"/>
+              <a:t>Conteúdo (</a:t>
+            </a:r>
+            <a:r>
+              <a:rPr lang="pt-BR" b="1" dirty="0" err="1"/>
+              <a:t>Content</a:t>
+            </a:r>
+            <a:r>
+              <a:rPr lang="pt-BR" b="1" dirty="0"/>
+              <a:t>): </a:t>
+            </a:r>
+            <a:r>
+              <a:rPr lang="pt-BR" dirty="0"/>
+              <a:t>Parte central da caixa, onde o conteúdo como texto ou imagens é exibido.</a:t>
+            </a:r>
+          </a:p>
+          <a:p>
+            <a:pPr marL="1028700" lvl="1" indent="-342900"/>
+            <a:r>
+              <a:rPr lang="pt-BR" b="1" dirty="0"/>
+              <a:t>Preenchimento (</a:t>
+            </a:r>
+            <a:r>
+              <a:rPr lang="pt-BR" b="1" dirty="0" err="1"/>
+              <a:t>Padding</a:t>
+            </a:r>
+            <a:r>
+              <a:rPr lang="pt-BR" b="1" dirty="0"/>
+              <a:t>): </a:t>
+            </a:r>
+            <a:r>
+              <a:rPr lang="pt-BR" dirty="0"/>
+              <a:t>Espaço interno entre o conteúdo e a borda, criando um espaço adicional ao redor do conteúdo.</a:t>
+            </a:r>
+          </a:p>
+          <a:p>
+            <a:pPr marL="1028700" lvl="1" indent="-342900"/>
+            <a:r>
+              <a:rPr lang="pt-BR" b="1" dirty="0"/>
+              <a:t>Borda (</a:t>
+            </a:r>
+            <a:r>
+              <a:rPr lang="pt-BR" b="1" dirty="0" err="1"/>
+              <a:t>Border</a:t>
+            </a:r>
+            <a:r>
+              <a:rPr lang="pt-BR" b="1" dirty="0"/>
+              <a:t>): </a:t>
+            </a:r>
+            <a:r>
+              <a:rPr lang="pt-BR" dirty="0"/>
+              <a:t>Linha que envolve o conteúdo e o </a:t>
+            </a:r>
+            <a:r>
+              <a:rPr lang="pt-BR" dirty="0" err="1"/>
+              <a:t>padding</a:t>
+            </a:r>
+            <a:r>
+              <a:rPr lang="pt-BR" dirty="0"/>
+              <a:t>, com propriedades de largura, estilo e cor.</a:t>
+            </a:r>
+          </a:p>
+          <a:p>
+            <a:pPr marL="1028700" lvl="1" indent="-342900"/>
+            <a:r>
+              <a:rPr lang="pt-BR" b="1" dirty="0"/>
+              <a:t>Margem (</a:t>
+            </a:r>
+            <a:r>
+              <a:rPr lang="pt-BR" b="1" dirty="0" err="1"/>
+              <a:t>Margin</a:t>
+            </a:r>
+            <a:r>
+              <a:rPr lang="pt-BR" b="1" dirty="0"/>
+              <a:t>): </a:t>
+            </a:r>
+            <a:r>
+              <a:rPr lang="pt-BR" dirty="0"/>
+              <a:t>Espaço externo ao redor da borda, usado para separar o elemento de outros elementos.</a:t>
+            </a:r>
+          </a:p>
+        </p:txBody>
+      </p:sp>
+    </p:spTree>
+    <p:extLst>
+      <p:ext uri="{BB962C8B-B14F-4D97-AF65-F5344CB8AC3E}">
+        <p14:creationId xmlns:p14="http://schemas.microsoft.com/office/powerpoint/2010/main" val="3972804751"/>
+      </p:ext>
+    </p:extLst>
+  </p:cSld>
+  <p:clrMapOvr>
+    <a:masterClrMapping/>
+  </p:clrMapOvr>
+</p:sld>
+</file>
+
+<file path=ppt/slides/slide20.xml><?xml version="1.0" encoding="utf-8"?>
+<p:sld xmlns:a="http://schemas.openxmlformats.org/drawingml/2006/main" xmlns:r="http://schemas.openxmlformats.org/officeDocument/2006/relationships" xmlns:p="http://schemas.openxmlformats.org/presentationml/2006/main">
+  <p:cSld>
+    <p:spTree>
+      <p:nvGrpSpPr>
+        <p:cNvPr id="1" name=""/>
+        <p:cNvGrpSpPr/>
+        <p:nvPr/>
+      </p:nvGrpSpPr>
+      <p:grpSpPr>
+        <a:xfrm>
+          <a:off x="0" y="0"/>
+          <a:ext cx="0" cy="0"/>
+          <a:chOff x="0" y="0"/>
+          <a:chExt cx="0" cy="0"/>
+        </a:xfrm>
+      </p:grpSpPr>
+      <p:sp>
+        <p:nvSpPr>
+          <p:cNvPr id="2" name="Título 1">
+            <a:extLst>
+              <a:ext uri="{FF2B5EF4-FFF2-40B4-BE49-F238E27FC236}">
+                <a16:creationId xmlns:a16="http://schemas.microsoft.com/office/drawing/2014/main" id="{AF625C71-4D03-4FC3-B7F9-B7320DA2E833}"/>
+              </a:ext>
+            </a:extLst>
+          </p:cNvPr>
+          <p:cNvSpPr>
+            <a:spLocks noGrp="1"/>
+          </p:cNvSpPr>
+          <p:nvPr>
+            <p:ph type="title"/>
+          </p:nvPr>
+        </p:nvSpPr>
+        <p:spPr/>
+        <p:txBody>
+          <a:bodyPr/>
+          <a:lstStyle/>
+          <a:p>
+            <a:r>
+              <a:rPr lang="pt-BR" dirty="0"/>
+              <a:t>Propriedades Específicas do </a:t>
+            </a:r>
+            <a:r>
+              <a:rPr lang="pt-BR" dirty="0" err="1"/>
+              <a:t>Margin</a:t>
+            </a:r>
+            <a:endParaRPr lang="pt-BR" dirty="0"/>
+          </a:p>
+        </p:txBody>
+      </p:sp>
+      <p:sp>
+        <p:nvSpPr>
+          <p:cNvPr id="3" name="Espaço Reservado para Conteúdo 2">
+            <a:extLst>
+              <a:ext uri="{FF2B5EF4-FFF2-40B4-BE49-F238E27FC236}">
+                <a16:creationId xmlns:a16="http://schemas.microsoft.com/office/drawing/2014/main" id="{45FCEC58-6B96-4C21-8AAD-381061F85126}"/>
+              </a:ext>
+            </a:extLst>
+          </p:cNvPr>
+          <p:cNvSpPr>
+            <a:spLocks noGrp="1"/>
+          </p:cNvSpPr>
+          <p:nvPr>
+            <p:ph idx="1"/>
+          </p:nvPr>
+        </p:nvSpPr>
+        <p:spPr>
+          <a:xfrm>
+            <a:off x="592347" y="1844675"/>
+            <a:ext cx="11007306" cy="602434"/>
+          </a:xfrm>
+        </p:spPr>
+        <p:txBody>
+          <a:bodyPr/>
+          <a:lstStyle/>
+          <a:p>
+            <a:pPr>
+              <a:spcBef>
+                <a:spcPts val="0"/>
+              </a:spcBef>
+            </a:pPr>
+            <a:r>
+              <a:rPr lang="en-US" b="1" dirty="0"/>
+              <a:t>margin-bottom: </a:t>
+            </a:r>
+            <a:r>
+              <a:rPr lang="en-US" dirty="0"/>
+              <a:t>Define a </a:t>
+            </a:r>
+            <a:r>
+              <a:rPr lang="en-US" dirty="0" err="1"/>
+              <a:t>margem</a:t>
+            </a:r>
+            <a:r>
+              <a:rPr lang="en-US" dirty="0"/>
+              <a:t> inferior.</a:t>
+            </a:r>
+            <a:endParaRPr lang="pt-BR" dirty="0"/>
+          </a:p>
+        </p:txBody>
+      </p:sp>
+      <p:sp>
+        <p:nvSpPr>
+          <p:cNvPr id="7" name="Retângulo 6">
+            <a:extLst>
+              <a:ext uri="{FF2B5EF4-FFF2-40B4-BE49-F238E27FC236}">
+                <a16:creationId xmlns:a16="http://schemas.microsoft.com/office/drawing/2014/main" id="{96339426-DA50-43FB-8E26-3366153A0C80}"/>
+              </a:ext>
+            </a:extLst>
+          </p:cNvPr>
+          <p:cNvSpPr/>
+          <p:nvPr/>
+        </p:nvSpPr>
+        <p:spPr>
+          <a:xfrm>
+            <a:off x="4002677" y="2722532"/>
+            <a:ext cx="4186646" cy="923330"/>
+          </a:xfrm>
+          <a:prstGeom prst="rect">
+            <a:avLst/>
+          </a:prstGeom>
+        </p:spPr>
+        <p:txBody>
+          <a:bodyPr wrap="square">
+            <a:spAutoFit/>
+          </a:bodyPr>
+          <a:lstStyle/>
+          <a:p>
+            <a:r>
+              <a:rPr lang="en-US" dirty="0">
+                <a:solidFill>
+                  <a:srgbClr val="800000"/>
+                </a:solidFill>
+                <a:latin typeface="Consolas" panose="020B0609020204030204" pitchFamily="49" charset="0"/>
+              </a:rPr>
+              <a:t>p</a:t>
+            </a:r>
+            <a:r>
+              <a:rPr lang="en-US" dirty="0">
+                <a:solidFill>
+                  <a:srgbClr val="000000"/>
+                </a:solidFill>
+                <a:latin typeface="Consolas" panose="020B0609020204030204" pitchFamily="49" charset="0"/>
+              </a:rPr>
+              <a:t> {</a:t>
+            </a:r>
+          </a:p>
+          <a:p>
+            <a:pPr indent="457200"/>
+            <a:r>
+              <a:rPr lang="en-US" dirty="0">
+                <a:solidFill>
+                  <a:srgbClr val="E50000"/>
+                </a:solidFill>
+                <a:latin typeface="Consolas" panose="020B0609020204030204" pitchFamily="49" charset="0"/>
+              </a:rPr>
+              <a:t>margin-bottom</a:t>
+            </a:r>
+            <a:r>
+              <a:rPr lang="en-US" dirty="0">
+                <a:solidFill>
+                  <a:srgbClr val="000000"/>
+                </a:solidFill>
+                <a:latin typeface="Consolas" panose="020B0609020204030204" pitchFamily="49" charset="0"/>
+              </a:rPr>
+              <a:t>: </a:t>
+            </a:r>
+            <a:r>
+              <a:rPr lang="en-US" dirty="0">
+                <a:solidFill>
+                  <a:srgbClr val="098658"/>
+                </a:solidFill>
+                <a:latin typeface="Consolas" panose="020B0609020204030204" pitchFamily="49" charset="0"/>
+              </a:rPr>
+              <a:t>5px</a:t>
+            </a:r>
+            <a:r>
+              <a:rPr lang="en-US" dirty="0">
+                <a:solidFill>
+                  <a:srgbClr val="000000"/>
+                </a:solidFill>
+                <a:latin typeface="Consolas" panose="020B0609020204030204" pitchFamily="49" charset="0"/>
+              </a:rPr>
+              <a:t>;</a:t>
+            </a:r>
+          </a:p>
+          <a:p>
+            <a:r>
+              <a:rPr lang="en-US" dirty="0">
+                <a:solidFill>
+                  <a:srgbClr val="000000"/>
+                </a:solidFill>
+                <a:latin typeface="Consolas" panose="020B0609020204030204" pitchFamily="49" charset="0"/>
+              </a:rPr>
+              <a:t>}</a:t>
+            </a:r>
+            <a:endParaRPr lang="en-US" b="0" dirty="0">
+              <a:solidFill>
+                <a:srgbClr val="000000"/>
+              </a:solidFill>
+              <a:effectLst/>
+              <a:latin typeface="Consolas" panose="020B0609020204030204" pitchFamily="49" charset="0"/>
+            </a:endParaRPr>
+          </a:p>
+        </p:txBody>
+      </p:sp>
+      <p:sp>
+        <p:nvSpPr>
+          <p:cNvPr id="9" name="Espaço Reservado para Conteúdo 2">
+            <a:extLst>
+              <a:ext uri="{FF2B5EF4-FFF2-40B4-BE49-F238E27FC236}">
+                <a16:creationId xmlns:a16="http://schemas.microsoft.com/office/drawing/2014/main" id="{14C30E64-F25B-46A4-A4F8-07C6E903030F}"/>
+              </a:ext>
+            </a:extLst>
+          </p:cNvPr>
+          <p:cNvSpPr txBox="1">
+            <a:spLocks/>
+          </p:cNvSpPr>
+          <p:nvPr/>
+        </p:nvSpPr>
+        <p:spPr>
+          <a:xfrm>
+            <a:off x="592347" y="3921285"/>
+            <a:ext cx="11007306" cy="535080"/>
+          </a:xfrm>
+          <a:prstGeom prst="rect">
+            <a:avLst/>
+          </a:prstGeom>
+        </p:spPr>
+        <p:txBody>
+          <a:bodyPr/>
+          <a:lstStyle>
+            <a:lvl1pPr marL="0" indent="0" algn="just" defTabSz="914400" rtl="0" eaLnBrk="1" latinLnBrk="0" hangingPunct="1">
+              <a:lnSpc>
+                <a:spcPct val="150000"/>
+              </a:lnSpc>
+              <a:spcBef>
+                <a:spcPts val="1000"/>
+              </a:spcBef>
+              <a:buFont typeface="Arial" panose="020B0604020202020204" pitchFamily="34" charset="0"/>
+              <a:buNone/>
+              <a:defRPr sz="2000" kern="1200">
+                <a:solidFill>
+                  <a:schemeClr val="tx1"/>
+                </a:solidFill>
+                <a:latin typeface="Times New Roman" panose="02020603050405020304" pitchFamily="18" charset="0"/>
+                <a:ea typeface="+mn-ea"/>
+                <a:cs typeface="Times New Roman" panose="02020603050405020304" pitchFamily="18" charset="0"/>
+              </a:defRPr>
+            </a:lvl1pPr>
+            <a:lvl2pPr marL="685800" indent="-228600" algn="l" defTabSz="914400" rtl="0" eaLnBrk="1" latinLnBrk="0" hangingPunct="1">
+              <a:lnSpc>
+                <a:spcPct val="150000"/>
+              </a:lnSpc>
+              <a:spcBef>
+                <a:spcPts val="500"/>
+              </a:spcBef>
+              <a:buFont typeface="Arial" panose="020B0604020202020204" pitchFamily="34" charset="0"/>
+              <a:buChar char="•"/>
+              <a:defRPr sz="1600" kern="1200">
+                <a:solidFill>
+                  <a:schemeClr val="tx1"/>
+                </a:solidFill>
+                <a:latin typeface="Times New Roman" panose="02020603050405020304" pitchFamily="18" charset="0"/>
+                <a:ea typeface="+mn-ea"/>
+                <a:cs typeface="Times New Roman" panose="02020603050405020304" pitchFamily="18" charset="0"/>
+              </a:defRPr>
+            </a:lvl2pPr>
+            <a:lvl3pPr marL="1143000" indent="-228600" algn="l" defTabSz="914400" rtl="0" eaLnBrk="1" latinLnBrk="0" hangingPunct="1">
+              <a:lnSpc>
+                <a:spcPct val="150000"/>
+              </a:lnSpc>
+              <a:spcBef>
+                <a:spcPts val="500"/>
+              </a:spcBef>
+              <a:buFont typeface="Arial" panose="020B0604020202020204" pitchFamily="34" charset="0"/>
+              <a:buChar char="•"/>
+              <a:defRPr sz="1400" kern="1200">
+                <a:solidFill>
+                  <a:schemeClr val="tx1"/>
+                </a:solidFill>
+                <a:latin typeface="Times New Roman" panose="02020603050405020304" pitchFamily="18" charset="0"/>
+                <a:ea typeface="+mn-ea"/>
+                <a:cs typeface="Times New Roman" panose="02020603050405020304" pitchFamily="18" charset="0"/>
+              </a:defRPr>
+            </a:lvl3pPr>
+            <a:lvl4pPr marL="1600200" indent="-228600" algn="l" defTabSz="914400" rtl="0" eaLnBrk="1" latinLnBrk="0" hangingPunct="1">
+              <a:lnSpc>
+                <a:spcPct val="150000"/>
+              </a:lnSpc>
+              <a:spcBef>
+                <a:spcPts val="500"/>
+              </a:spcBef>
+              <a:buFont typeface="Arial" panose="020B0604020202020204" pitchFamily="34" charset="0"/>
+              <a:buChar char="•"/>
+              <a:defRPr sz="1200" kern="1200">
+                <a:solidFill>
+                  <a:schemeClr val="tx1"/>
+                </a:solidFill>
+                <a:latin typeface="Times New Roman" panose="02020603050405020304" pitchFamily="18" charset="0"/>
+                <a:ea typeface="+mn-ea"/>
+                <a:cs typeface="Times New Roman" panose="02020603050405020304" pitchFamily="18" charset="0"/>
+              </a:defRPr>
+            </a:lvl4pPr>
+            <a:lvl5pPr marL="2057400" indent="-228600" algn="l" defTabSz="914400" rtl="0" eaLnBrk="1" latinLnBrk="0" hangingPunct="1">
+              <a:lnSpc>
+                <a:spcPct val="150000"/>
+              </a:lnSpc>
+              <a:spcBef>
+                <a:spcPts val="500"/>
+              </a:spcBef>
+              <a:buFont typeface="Arial" panose="020B0604020202020204" pitchFamily="34" charset="0"/>
+              <a:buChar char="•"/>
+              <a:defRPr sz="1000" kern="1200">
+                <a:solidFill>
+                  <a:schemeClr val="tx1"/>
+                </a:solidFill>
+                <a:latin typeface="Times New Roman" panose="02020603050405020304" pitchFamily="18" charset="0"/>
+                <a:ea typeface="+mn-ea"/>
+                <a:cs typeface="Times New Roman" panose="02020603050405020304" pitchFamily="18" charset="0"/>
+              </a:defRPr>
+            </a:lvl5pPr>
+            <a:lvl6pPr marL="2514600" indent="-228600" algn="l" defTabSz="914400" rtl="0" eaLnBrk="1" latinLnBrk="0" hangingPunct="1">
+              <a:lnSpc>
+                <a:spcPct val="90000"/>
+              </a:lnSpc>
+              <a:spcBef>
+                <a:spcPts val="500"/>
+              </a:spcBef>
+              <a:buFont typeface="Arial" panose="020B0604020202020204" pitchFamily="34" charset="0"/>
+              <a:buChar char="•"/>
+              <a:defRPr sz="1800" kern="1200">
+                <a:solidFill>
+                  <a:schemeClr val="tx1"/>
+                </a:solidFill>
+                <a:latin typeface="+mn-lt"/>
+                <a:ea typeface="+mn-ea"/>
+                <a:cs typeface="+mn-cs"/>
+              </a:defRPr>
+            </a:lvl6pPr>
+            <a:lvl7pPr marL="2971800" indent="-228600" algn="l" defTabSz="914400" rtl="0" eaLnBrk="1" latinLnBrk="0" hangingPunct="1">
+              <a:lnSpc>
+                <a:spcPct val="90000"/>
+              </a:lnSpc>
+              <a:spcBef>
+                <a:spcPts val="500"/>
+              </a:spcBef>
+              <a:buFont typeface="Arial" panose="020B0604020202020204" pitchFamily="34" charset="0"/>
+              <a:buChar char="•"/>
+              <a:defRPr sz="1800" kern="1200">
+                <a:solidFill>
+                  <a:schemeClr val="tx1"/>
+                </a:solidFill>
+                <a:latin typeface="+mn-lt"/>
+                <a:ea typeface="+mn-ea"/>
+                <a:cs typeface="+mn-cs"/>
+              </a:defRPr>
+            </a:lvl7pPr>
+            <a:lvl8pPr marL="3429000" indent="-228600" algn="l" defTabSz="914400" rtl="0" eaLnBrk="1" latinLnBrk="0" hangingPunct="1">
+              <a:lnSpc>
+                <a:spcPct val="90000"/>
+              </a:lnSpc>
+              <a:spcBef>
+                <a:spcPts val="500"/>
+              </a:spcBef>
+              <a:buFont typeface="Arial" panose="020B0604020202020204" pitchFamily="34" charset="0"/>
+              <a:buChar char="•"/>
+              <a:defRPr sz="1800" kern="1200">
+                <a:solidFill>
+                  <a:schemeClr val="tx1"/>
+                </a:solidFill>
+                <a:latin typeface="+mn-lt"/>
+                <a:ea typeface="+mn-ea"/>
+                <a:cs typeface="+mn-cs"/>
+              </a:defRPr>
+            </a:lvl8pPr>
+            <a:lvl9pPr marL="3886200" indent="-228600" algn="l" defTabSz="914400" rtl="0" eaLnBrk="1" latinLnBrk="0" hangingPunct="1">
+              <a:lnSpc>
+                <a:spcPct val="90000"/>
+              </a:lnSpc>
+              <a:spcBef>
+                <a:spcPts val="500"/>
+              </a:spcBef>
+              <a:buFont typeface="Arial" panose="020B0604020202020204" pitchFamily="34" charset="0"/>
+              <a:buChar char="•"/>
+              <a:defRPr sz="1800" kern="1200">
+                <a:solidFill>
+                  <a:schemeClr val="tx1"/>
+                </a:solidFill>
+                <a:latin typeface="+mn-lt"/>
+                <a:ea typeface="+mn-ea"/>
+                <a:cs typeface="+mn-cs"/>
+              </a:defRPr>
+            </a:lvl9pPr>
+          </a:lstStyle>
+          <a:p>
+            <a:pPr>
+              <a:spcBef>
+                <a:spcPts val="0"/>
+              </a:spcBef>
+            </a:pPr>
+            <a:r>
+              <a:rPr lang="pt-BR" b="1" dirty="0" err="1"/>
+              <a:t>margin-left</a:t>
+            </a:r>
+            <a:r>
+              <a:rPr lang="pt-BR" dirty="0"/>
+              <a:t>: Define a margem esquerda.</a:t>
+            </a:r>
+          </a:p>
+        </p:txBody>
+      </p:sp>
+      <p:sp>
+        <p:nvSpPr>
+          <p:cNvPr id="10" name="Retângulo 9">
+            <a:extLst>
+              <a:ext uri="{FF2B5EF4-FFF2-40B4-BE49-F238E27FC236}">
+                <a16:creationId xmlns:a16="http://schemas.microsoft.com/office/drawing/2014/main" id="{C38C76C4-2C52-461D-BB0D-CD7A2A72D0A0}"/>
+              </a:ext>
+            </a:extLst>
+          </p:cNvPr>
+          <p:cNvSpPr/>
+          <p:nvPr/>
+        </p:nvSpPr>
+        <p:spPr>
+          <a:xfrm>
+            <a:off x="4499338" y="4731788"/>
+            <a:ext cx="3193325" cy="923330"/>
+          </a:xfrm>
+          <a:prstGeom prst="rect">
+            <a:avLst/>
+          </a:prstGeom>
+        </p:spPr>
+        <p:txBody>
+          <a:bodyPr wrap="square">
+            <a:spAutoFit/>
+          </a:bodyPr>
+          <a:lstStyle/>
+          <a:p>
+            <a:pPr algn="just"/>
+            <a:r>
+              <a:rPr lang="pt-BR" dirty="0">
+                <a:solidFill>
+                  <a:srgbClr val="800000"/>
+                </a:solidFill>
+                <a:latin typeface="Consolas" panose="020B0609020204030204" pitchFamily="49" charset="0"/>
+              </a:rPr>
+              <a:t>h1</a:t>
+            </a:r>
+            <a:r>
+              <a:rPr lang="pt-BR" dirty="0">
+                <a:solidFill>
+                  <a:srgbClr val="000000"/>
+                </a:solidFill>
+                <a:latin typeface="Consolas" panose="020B0609020204030204" pitchFamily="49" charset="0"/>
+              </a:rPr>
+              <a:t> {</a:t>
+            </a:r>
+          </a:p>
+          <a:p>
+            <a:pPr indent="457200" algn="just"/>
+            <a:r>
+              <a:rPr lang="en-US" dirty="0">
+                <a:solidFill>
+                  <a:srgbClr val="E50000"/>
+                </a:solidFill>
+                <a:latin typeface="Consolas" panose="020B0609020204030204" pitchFamily="49" charset="0"/>
+              </a:rPr>
               <a:t>margin-left</a:t>
             </a:r>
             <a:r>
@@ -6964,7 +9360,7 @@
 </p:sld>
 </file>
 
-<file path=ppt/slides/slide15.xml><?xml version="1.0" encoding="utf-8"?>
+<file path=ppt/slides/slide21.xml><?xml version="1.0" encoding="utf-8"?>
 <p:sld xmlns:a="http://schemas.openxmlformats.org/drawingml/2006/main" xmlns:r="http://schemas.openxmlformats.org/officeDocument/2006/relationships" xmlns:p="http://schemas.openxmlformats.org/presentationml/2006/main">
   <p:cSld>
     <p:spTree>
@@ -7475,7 +9871,7 @@
 </p:sld>
 </file>
 
-<file path=ppt/slides/slide16.xml><?xml version="1.0" encoding="utf-8"?>
+<file path=ppt/slides/slide22.xml><?xml version="1.0" encoding="utf-8"?>
 <p:sld xmlns:a="http://schemas.openxmlformats.org/drawingml/2006/main" xmlns:r="http://schemas.openxmlformats.org/officeDocument/2006/relationships" xmlns:p="http://schemas.openxmlformats.org/presentationml/2006/main">
   <p:cSld>
     <p:spTree>
@@ -7497,7 +9893,7 @@
           <p:cNvPr id="2" name="Título 1">
             <a:extLst>
               <a:ext uri="{FF2B5EF4-FFF2-40B4-BE49-F238E27FC236}">
-                <a16:creationId xmlns:a16="http://schemas.microsoft.com/office/drawing/2014/main" id="{24B288AB-8EC9-4B73-B405-9AB9BB402EA2}"/>
+                <a16:creationId xmlns:a16="http://schemas.microsoft.com/office/drawing/2014/main" id="{28B6BBCD-B594-4C35-96B4-36A258F321DC}"/>
               </a:ext>
             </a:extLst>
           </p:cNvPr>
@@ -7514,12 +9910,8 @@
           <a:lstStyle/>
           <a:p>
             <a:r>
-              <a:rPr lang="pt-BR" dirty="0" err="1"/>
-              <a:t>Padding</a:t>
-            </a:r>
-            <a:r>
               <a:rPr lang="pt-BR" dirty="0"/>
-              <a:t> - Espaçamento Interno</a:t>
+              <a:t>Desafio: Estilizando Caixas com Bordas e Espaçamentos</a:t>
             </a:r>
           </a:p>
         </p:txBody>
@@ -7529,1883 +9921,7 @@
           <p:cNvPr id="3" name="Espaço Reservado para Conteúdo 2">
             <a:extLst>
               <a:ext uri="{FF2B5EF4-FFF2-40B4-BE49-F238E27FC236}">
-                <a16:creationId xmlns:a16="http://schemas.microsoft.com/office/drawing/2014/main" id="{02AD7F8C-F634-447A-A663-28FC54A81064}"/>
-              </a:ext>
-            </a:extLst>
-          </p:cNvPr>
-          <p:cNvSpPr>
-            <a:spLocks noGrp="1"/>
-          </p:cNvSpPr>
-          <p:nvPr>
-            <p:ph idx="1"/>
-          </p:nvPr>
-        </p:nvSpPr>
-        <p:spPr>
-          <a:xfrm>
-            <a:off x="592347" y="1844675"/>
-            <a:ext cx="11007306" cy="1717131"/>
-          </a:xfrm>
-        </p:spPr>
-        <p:txBody>
-          <a:bodyPr/>
-          <a:lstStyle/>
-          <a:p>
-            <a:r>
-              <a:rPr lang="pt-BR" dirty="0"/>
-              <a:t>A propriedade </a:t>
-            </a:r>
-            <a:r>
-              <a:rPr lang="pt-BR" dirty="0" err="1"/>
-              <a:t>Padding</a:t>
-            </a:r>
-            <a:r>
-              <a:rPr lang="pt-BR" dirty="0"/>
-              <a:t> permite criar um espaçamento entre o conteúdo (textos, imagens) e a borda do elemento, criando um afastamento interno.</a:t>
-            </a:r>
-          </a:p>
-          <a:p>
-            <a:r>
-              <a:rPr lang="pt-BR" dirty="0"/>
-              <a:t>Sintaxe:</a:t>
-            </a:r>
-          </a:p>
-        </p:txBody>
-      </p:sp>
-      <p:sp>
-        <p:nvSpPr>
-          <p:cNvPr id="4" name="Retângulo 3">
-            <a:extLst>
-              <a:ext uri="{FF2B5EF4-FFF2-40B4-BE49-F238E27FC236}">
-                <a16:creationId xmlns:a16="http://schemas.microsoft.com/office/drawing/2014/main" id="{4B6C26AF-B2DA-49B1-9F3F-7AABA9A2A548}"/>
-              </a:ext>
-            </a:extLst>
-          </p:cNvPr>
-          <p:cNvSpPr/>
-          <p:nvPr/>
-        </p:nvSpPr>
-        <p:spPr>
-          <a:xfrm>
-            <a:off x="2348411" y="4212661"/>
-            <a:ext cx="2664823" cy="923330"/>
-          </a:xfrm>
-          <a:prstGeom prst="rect">
-            <a:avLst/>
-          </a:prstGeom>
-        </p:spPr>
-        <p:txBody>
-          <a:bodyPr wrap="square">
-            <a:spAutoFit/>
-          </a:bodyPr>
-          <a:lstStyle/>
-          <a:p>
-            <a:r>
-              <a:rPr lang="pt-BR" dirty="0">
-                <a:solidFill>
-                  <a:srgbClr val="000000"/>
-                </a:solidFill>
-                <a:latin typeface="Consolas" panose="020B0609020204030204" pitchFamily="49" charset="0"/>
-              </a:rPr>
-              <a:t>seletor {</a:t>
-            </a:r>
-          </a:p>
-          <a:p>
-            <a:pPr indent="457200"/>
-            <a:r>
-              <a:rPr lang="pt-BR" dirty="0" err="1">
-                <a:solidFill>
-                  <a:srgbClr val="E50000"/>
-                </a:solidFill>
-                <a:latin typeface="Consolas" panose="020B0609020204030204" pitchFamily="49" charset="0"/>
-              </a:rPr>
-              <a:t>padding</a:t>
-            </a:r>
-            <a:r>
-              <a:rPr lang="pt-BR" dirty="0">
-                <a:solidFill>
-                  <a:srgbClr val="000000"/>
-                </a:solidFill>
-                <a:latin typeface="Consolas" panose="020B0609020204030204" pitchFamily="49" charset="0"/>
-              </a:rPr>
-              <a:t>: valor;</a:t>
-            </a:r>
-          </a:p>
-          <a:p>
-            <a:r>
-              <a:rPr lang="pt-BR" dirty="0">
-                <a:solidFill>
-                  <a:srgbClr val="000000"/>
-                </a:solidFill>
-                <a:latin typeface="Consolas" panose="020B0609020204030204" pitchFamily="49" charset="0"/>
-              </a:rPr>
-              <a:t>}</a:t>
-            </a:r>
-            <a:endParaRPr lang="pt-BR" b="0" dirty="0">
-              <a:solidFill>
-                <a:srgbClr val="000000"/>
-              </a:solidFill>
-              <a:effectLst/>
-              <a:latin typeface="Consolas" panose="020B0609020204030204" pitchFamily="49" charset="0"/>
-            </a:endParaRPr>
-          </a:p>
-        </p:txBody>
-      </p:sp>
-      <p:sp>
-        <p:nvSpPr>
-          <p:cNvPr id="5" name="Retângulo 4">
-            <a:extLst>
-              <a:ext uri="{FF2B5EF4-FFF2-40B4-BE49-F238E27FC236}">
-                <a16:creationId xmlns:a16="http://schemas.microsoft.com/office/drawing/2014/main" id="{84008160-0165-469A-ADDF-FFBB063950DD}"/>
-              </a:ext>
-            </a:extLst>
-          </p:cNvPr>
-          <p:cNvSpPr/>
-          <p:nvPr/>
-        </p:nvSpPr>
-        <p:spPr>
-          <a:xfrm>
-            <a:off x="7361645" y="4212661"/>
-            <a:ext cx="2481943" cy="923330"/>
-          </a:xfrm>
-          <a:prstGeom prst="rect">
-            <a:avLst/>
-          </a:prstGeom>
-        </p:spPr>
-        <p:txBody>
-          <a:bodyPr wrap="square">
-            <a:spAutoFit/>
-          </a:bodyPr>
-          <a:lstStyle/>
-          <a:p>
-            <a:r>
-              <a:rPr lang="pt-BR" dirty="0">
-                <a:solidFill>
-                  <a:srgbClr val="800000"/>
-                </a:solidFill>
-                <a:latin typeface="Consolas" panose="020B0609020204030204" pitchFamily="49" charset="0"/>
-              </a:rPr>
-              <a:t>h1</a:t>
-            </a:r>
-            <a:r>
-              <a:rPr lang="pt-BR" dirty="0">
-                <a:solidFill>
-                  <a:srgbClr val="000000"/>
-                </a:solidFill>
-                <a:latin typeface="Consolas" panose="020B0609020204030204" pitchFamily="49" charset="0"/>
-              </a:rPr>
-              <a:t> {</a:t>
-            </a:r>
-          </a:p>
-          <a:p>
-            <a:pPr indent="457200"/>
-            <a:r>
-              <a:rPr lang="pt-BR" dirty="0" err="1">
-                <a:solidFill>
-                  <a:srgbClr val="E50000"/>
-                </a:solidFill>
-                <a:latin typeface="Consolas" panose="020B0609020204030204" pitchFamily="49" charset="0"/>
-              </a:rPr>
-              <a:t>padding</a:t>
-            </a:r>
-            <a:r>
-              <a:rPr lang="pt-BR" dirty="0">
-                <a:solidFill>
-                  <a:srgbClr val="000000"/>
-                </a:solidFill>
-                <a:latin typeface="Consolas" panose="020B0609020204030204" pitchFamily="49" charset="0"/>
-              </a:rPr>
-              <a:t>: </a:t>
-            </a:r>
-            <a:r>
-              <a:rPr lang="pt-BR" dirty="0">
-                <a:solidFill>
-                  <a:srgbClr val="098658"/>
-                </a:solidFill>
-                <a:latin typeface="Consolas" panose="020B0609020204030204" pitchFamily="49" charset="0"/>
-              </a:rPr>
-              <a:t>20px</a:t>
-            </a:r>
-            <a:r>
-              <a:rPr lang="pt-BR" dirty="0">
-                <a:solidFill>
-                  <a:srgbClr val="000000"/>
-                </a:solidFill>
-                <a:latin typeface="Consolas" panose="020B0609020204030204" pitchFamily="49" charset="0"/>
-              </a:rPr>
-              <a:t>;</a:t>
-            </a:r>
-          </a:p>
-          <a:p>
-            <a:r>
-              <a:rPr lang="pt-BR" dirty="0">
-                <a:solidFill>
-                  <a:srgbClr val="000000"/>
-                </a:solidFill>
-                <a:latin typeface="Consolas" panose="020B0609020204030204" pitchFamily="49" charset="0"/>
-              </a:rPr>
-              <a:t>}</a:t>
-            </a:r>
-            <a:endParaRPr lang="pt-BR" b="0" dirty="0">
-              <a:solidFill>
-                <a:srgbClr val="000000"/>
-              </a:solidFill>
-              <a:effectLst/>
-              <a:latin typeface="Consolas" panose="020B0609020204030204" pitchFamily="49" charset="0"/>
-            </a:endParaRPr>
-          </a:p>
-        </p:txBody>
-      </p:sp>
-    </p:spTree>
-    <p:extLst>
-      <p:ext uri="{BB962C8B-B14F-4D97-AF65-F5344CB8AC3E}">
-        <p14:creationId xmlns:p14="http://schemas.microsoft.com/office/powerpoint/2010/main" val="1526710412"/>
-      </p:ext>
-    </p:extLst>
-  </p:cSld>
-  <p:clrMapOvr>
-    <a:masterClrMapping/>
-  </p:clrMapOvr>
-</p:sld>
-</file>
-
-<file path=ppt/slides/slide17.xml><?xml version="1.0" encoding="utf-8"?>
-<p:sld xmlns:a="http://schemas.openxmlformats.org/drawingml/2006/main" xmlns:r="http://schemas.openxmlformats.org/officeDocument/2006/relationships" xmlns:p="http://schemas.openxmlformats.org/presentationml/2006/main">
-  <p:cSld>
-    <p:spTree>
-      <p:nvGrpSpPr>
-        <p:cNvPr id="1" name=""/>
-        <p:cNvGrpSpPr/>
-        <p:nvPr/>
-      </p:nvGrpSpPr>
-      <p:grpSpPr>
-        <a:xfrm>
-          <a:off x="0" y="0"/>
-          <a:ext cx="0" cy="0"/>
-          <a:chOff x="0" y="0"/>
-          <a:chExt cx="0" cy="0"/>
-        </a:xfrm>
-      </p:grpSpPr>
-      <p:sp>
-        <p:nvSpPr>
-          <p:cNvPr id="2" name="Título 1">
-            <a:extLst>
-              <a:ext uri="{FF2B5EF4-FFF2-40B4-BE49-F238E27FC236}">
-                <a16:creationId xmlns:a16="http://schemas.microsoft.com/office/drawing/2014/main" id="{AF625C71-4D03-4FC3-B7F9-B7320DA2E833}"/>
-              </a:ext>
-            </a:extLst>
-          </p:cNvPr>
-          <p:cNvSpPr>
-            <a:spLocks noGrp="1"/>
-          </p:cNvSpPr>
-          <p:nvPr>
-            <p:ph type="title"/>
-          </p:nvPr>
-        </p:nvSpPr>
-        <p:spPr/>
-        <p:txBody>
-          <a:bodyPr/>
-          <a:lstStyle/>
-          <a:p>
-            <a:r>
-              <a:rPr lang="pt-BR" dirty="0"/>
-              <a:t>Propriedades Específicas do </a:t>
-            </a:r>
-            <a:r>
-              <a:rPr lang="pt-BR" dirty="0" err="1"/>
-              <a:t>Padding</a:t>
-            </a:r>
-            <a:endParaRPr lang="pt-BR" dirty="0"/>
-          </a:p>
-        </p:txBody>
-      </p:sp>
-      <p:sp>
-        <p:nvSpPr>
-          <p:cNvPr id="3" name="Espaço Reservado para Conteúdo 2">
-            <a:extLst>
-              <a:ext uri="{FF2B5EF4-FFF2-40B4-BE49-F238E27FC236}">
-                <a16:creationId xmlns:a16="http://schemas.microsoft.com/office/drawing/2014/main" id="{45FCEC58-6B96-4C21-8AAD-381061F85126}"/>
-              </a:ext>
-            </a:extLst>
-          </p:cNvPr>
-          <p:cNvSpPr>
-            <a:spLocks noGrp="1"/>
-          </p:cNvSpPr>
-          <p:nvPr>
-            <p:ph idx="1"/>
-          </p:nvPr>
-        </p:nvSpPr>
-        <p:spPr>
-          <a:xfrm>
-            <a:off x="592347" y="1844675"/>
-            <a:ext cx="11007306" cy="602434"/>
-          </a:xfrm>
-        </p:spPr>
-        <p:txBody>
-          <a:bodyPr/>
-          <a:lstStyle/>
-          <a:p>
-            <a:pPr>
-              <a:spcBef>
-                <a:spcPts val="0"/>
-              </a:spcBef>
-            </a:pPr>
-            <a:r>
-              <a:rPr lang="en-US" b="1" dirty="0"/>
-              <a:t>padding-top: </a:t>
-            </a:r>
-            <a:r>
-              <a:rPr lang="en-US" dirty="0"/>
-              <a:t>Define o </a:t>
-            </a:r>
-            <a:r>
-              <a:rPr lang="en-US" dirty="0" err="1"/>
-              <a:t>preenchimento</a:t>
-            </a:r>
-            <a:r>
-              <a:rPr lang="en-US" dirty="0"/>
-              <a:t> superior.</a:t>
-            </a:r>
-            <a:endParaRPr lang="pt-BR" dirty="0"/>
-          </a:p>
-        </p:txBody>
-      </p:sp>
-      <p:sp>
-        <p:nvSpPr>
-          <p:cNvPr id="7" name="Retângulo 6">
-            <a:extLst>
-              <a:ext uri="{FF2B5EF4-FFF2-40B4-BE49-F238E27FC236}">
-                <a16:creationId xmlns:a16="http://schemas.microsoft.com/office/drawing/2014/main" id="{96339426-DA50-43FB-8E26-3366153A0C80}"/>
-              </a:ext>
-            </a:extLst>
-          </p:cNvPr>
-          <p:cNvSpPr/>
-          <p:nvPr/>
-        </p:nvSpPr>
-        <p:spPr>
-          <a:xfrm>
-            <a:off x="4624115" y="2722532"/>
-            <a:ext cx="2943770" cy="923330"/>
-          </a:xfrm>
-          <a:prstGeom prst="rect">
-            <a:avLst/>
-          </a:prstGeom>
-        </p:spPr>
-        <p:txBody>
-          <a:bodyPr wrap="square">
-            <a:spAutoFit/>
-          </a:bodyPr>
-          <a:lstStyle/>
-          <a:p>
-            <a:r>
-              <a:rPr lang="en-US" dirty="0">
-                <a:solidFill>
-                  <a:srgbClr val="800000"/>
-                </a:solidFill>
-                <a:latin typeface="Consolas" panose="020B0609020204030204" pitchFamily="49" charset="0"/>
-              </a:rPr>
-              <a:t>p</a:t>
-            </a:r>
-            <a:r>
-              <a:rPr lang="en-US" dirty="0">
-                <a:solidFill>
-                  <a:srgbClr val="000000"/>
-                </a:solidFill>
-                <a:latin typeface="Consolas" panose="020B0609020204030204" pitchFamily="49" charset="0"/>
-              </a:rPr>
-              <a:t> {</a:t>
-            </a:r>
-          </a:p>
-          <a:p>
-            <a:pPr indent="457200"/>
-            <a:r>
-              <a:rPr lang="en-US" dirty="0">
-                <a:solidFill>
-                  <a:srgbClr val="E50000"/>
-                </a:solidFill>
-                <a:latin typeface="Consolas" panose="020B0609020204030204" pitchFamily="49" charset="0"/>
-              </a:rPr>
-              <a:t>padding -top</a:t>
-            </a:r>
-            <a:r>
-              <a:rPr lang="en-US" dirty="0">
-                <a:solidFill>
-                  <a:srgbClr val="000000"/>
-                </a:solidFill>
-                <a:latin typeface="Consolas" panose="020B0609020204030204" pitchFamily="49" charset="0"/>
-              </a:rPr>
-              <a:t>: </a:t>
-            </a:r>
-            <a:r>
-              <a:rPr lang="en-US" dirty="0">
-                <a:solidFill>
-                  <a:srgbClr val="098658"/>
-                </a:solidFill>
-                <a:latin typeface="Consolas" panose="020B0609020204030204" pitchFamily="49" charset="0"/>
-              </a:rPr>
-              <a:t>5px</a:t>
-            </a:r>
-            <a:r>
-              <a:rPr lang="en-US" dirty="0">
-                <a:solidFill>
-                  <a:srgbClr val="000000"/>
-                </a:solidFill>
-                <a:latin typeface="Consolas" panose="020B0609020204030204" pitchFamily="49" charset="0"/>
-              </a:rPr>
-              <a:t>;</a:t>
-            </a:r>
-          </a:p>
-          <a:p>
-            <a:r>
-              <a:rPr lang="en-US" dirty="0">
-                <a:solidFill>
-                  <a:srgbClr val="000000"/>
-                </a:solidFill>
-                <a:latin typeface="Consolas" panose="020B0609020204030204" pitchFamily="49" charset="0"/>
-              </a:rPr>
-              <a:t>}</a:t>
-            </a:r>
-            <a:endParaRPr lang="en-US" b="0" dirty="0">
-              <a:solidFill>
-                <a:srgbClr val="000000"/>
-              </a:solidFill>
-              <a:effectLst/>
-              <a:latin typeface="Consolas" panose="020B0609020204030204" pitchFamily="49" charset="0"/>
-            </a:endParaRPr>
-          </a:p>
-        </p:txBody>
-      </p:sp>
-      <p:sp>
-        <p:nvSpPr>
-          <p:cNvPr id="9" name="Espaço Reservado para Conteúdo 2">
-            <a:extLst>
-              <a:ext uri="{FF2B5EF4-FFF2-40B4-BE49-F238E27FC236}">
-                <a16:creationId xmlns:a16="http://schemas.microsoft.com/office/drawing/2014/main" id="{14C30E64-F25B-46A4-A4F8-07C6E903030F}"/>
-              </a:ext>
-            </a:extLst>
-          </p:cNvPr>
-          <p:cNvSpPr txBox="1">
-            <a:spLocks/>
-          </p:cNvSpPr>
-          <p:nvPr/>
-        </p:nvSpPr>
-        <p:spPr>
-          <a:xfrm>
-            <a:off x="592347" y="3921285"/>
-            <a:ext cx="11007306" cy="535080"/>
-          </a:xfrm>
-          <a:prstGeom prst="rect">
-            <a:avLst/>
-          </a:prstGeom>
-        </p:spPr>
-        <p:txBody>
-          <a:bodyPr/>
-          <a:lstStyle>
-            <a:lvl1pPr marL="0" indent="0" algn="just" defTabSz="914400" rtl="0" eaLnBrk="1" latinLnBrk="0" hangingPunct="1">
-              <a:lnSpc>
-                <a:spcPct val="150000"/>
-              </a:lnSpc>
-              <a:spcBef>
-                <a:spcPts val="1000"/>
-              </a:spcBef>
-              <a:buFont typeface="Arial" panose="020B0604020202020204" pitchFamily="34" charset="0"/>
-              <a:buNone/>
-              <a:defRPr sz="2000" kern="1200">
-                <a:solidFill>
-                  <a:schemeClr val="tx1"/>
-                </a:solidFill>
-                <a:latin typeface="Times New Roman" panose="02020603050405020304" pitchFamily="18" charset="0"/>
-                <a:ea typeface="+mn-ea"/>
-                <a:cs typeface="Times New Roman" panose="02020603050405020304" pitchFamily="18" charset="0"/>
-              </a:defRPr>
-            </a:lvl1pPr>
-            <a:lvl2pPr marL="685800" indent="-228600" algn="l" defTabSz="914400" rtl="0" eaLnBrk="1" latinLnBrk="0" hangingPunct="1">
-              <a:lnSpc>
-                <a:spcPct val="150000"/>
-              </a:lnSpc>
-              <a:spcBef>
-                <a:spcPts val="500"/>
-              </a:spcBef>
-              <a:buFont typeface="Arial" panose="020B0604020202020204" pitchFamily="34" charset="0"/>
-              <a:buChar char="•"/>
-              <a:defRPr sz="1600" kern="1200">
-                <a:solidFill>
-                  <a:schemeClr val="tx1"/>
-                </a:solidFill>
-                <a:latin typeface="Times New Roman" panose="02020603050405020304" pitchFamily="18" charset="0"/>
-                <a:ea typeface="+mn-ea"/>
-                <a:cs typeface="Times New Roman" panose="02020603050405020304" pitchFamily="18" charset="0"/>
-              </a:defRPr>
-            </a:lvl2pPr>
-            <a:lvl3pPr marL="1143000" indent="-228600" algn="l" defTabSz="914400" rtl="0" eaLnBrk="1" latinLnBrk="0" hangingPunct="1">
-              <a:lnSpc>
-                <a:spcPct val="150000"/>
-              </a:lnSpc>
-              <a:spcBef>
-                <a:spcPts val="500"/>
-              </a:spcBef>
-              <a:buFont typeface="Arial" panose="020B0604020202020204" pitchFamily="34" charset="0"/>
-              <a:buChar char="•"/>
-              <a:defRPr sz="1400" kern="1200">
-                <a:solidFill>
-                  <a:schemeClr val="tx1"/>
-                </a:solidFill>
-                <a:latin typeface="Times New Roman" panose="02020603050405020304" pitchFamily="18" charset="0"/>
-                <a:ea typeface="+mn-ea"/>
-                <a:cs typeface="Times New Roman" panose="02020603050405020304" pitchFamily="18" charset="0"/>
-              </a:defRPr>
-            </a:lvl3pPr>
-            <a:lvl4pPr marL="1600200" indent="-228600" algn="l" defTabSz="914400" rtl="0" eaLnBrk="1" latinLnBrk="0" hangingPunct="1">
-              <a:lnSpc>
-                <a:spcPct val="150000"/>
-              </a:lnSpc>
-              <a:spcBef>
-                <a:spcPts val="500"/>
-              </a:spcBef>
-              <a:buFont typeface="Arial" panose="020B0604020202020204" pitchFamily="34" charset="0"/>
-              <a:buChar char="•"/>
-              <a:defRPr sz="1200" kern="1200">
-                <a:solidFill>
-                  <a:schemeClr val="tx1"/>
-                </a:solidFill>
-                <a:latin typeface="Times New Roman" panose="02020603050405020304" pitchFamily="18" charset="0"/>
-                <a:ea typeface="+mn-ea"/>
-                <a:cs typeface="Times New Roman" panose="02020603050405020304" pitchFamily="18" charset="0"/>
-              </a:defRPr>
-            </a:lvl4pPr>
-            <a:lvl5pPr marL="2057400" indent="-228600" algn="l" defTabSz="914400" rtl="0" eaLnBrk="1" latinLnBrk="0" hangingPunct="1">
-              <a:lnSpc>
-                <a:spcPct val="150000"/>
-              </a:lnSpc>
-              <a:spcBef>
-                <a:spcPts val="500"/>
-              </a:spcBef>
-              <a:buFont typeface="Arial" panose="020B0604020202020204" pitchFamily="34" charset="0"/>
-              <a:buChar char="•"/>
-              <a:defRPr sz="1000" kern="1200">
-                <a:solidFill>
-                  <a:schemeClr val="tx1"/>
-                </a:solidFill>
-                <a:latin typeface="Times New Roman" panose="02020603050405020304" pitchFamily="18" charset="0"/>
-                <a:ea typeface="+mn-ea"/>
-                <a:cs typeface="Times New Roman" panose="02020603050405020304" pitchFamily="18" charset="0"/>
-              </a:defRPr>
-            </a:lvl5pPr>
-            <a:lvl6pPr marL="2514600" indent="-228600" algn="l" defTabSz="914400" rtl="0" eaLnBrk="1" latinLnBrk="0" hangingPunct="1">
-              <a:lnSpc>
-                <a:spcPct val="90000"/>
-              </a:lnSpc>
-              <a:spcBef>
-                <a:spcPts val="500"/>
-              </a:spcBef>
-              <a:buFont typeface="Arial" panose="020B0604020202020204" pitchFamily="34" charset="0"/>
-              <a:buChar char="•"/>
-              <a:defRPr sz="1800" kern="1200">
-                <a:solidFill>
-                  <a:schemeClr val="tx1"/>
-                </a:solidFill>
-                <a:latin typeface="+mn-lt"/>
-                <a:ea typeface="+mn-ea"/>
-                <a:cs typeface="+mn-cs"/>
-              </a:defRPr>
-            </a:lvl6pPr>
-            <a:lvl7pPr marL="2971800" indent="-228600" algn="l" defTabSz="914400" rtl="0" eaLnBrk="1" latinLnBrk="0" hangingPunct="1">
-              <a:lnSpc>
-                <a:spcPct val="90000"/>
-              </a:lnSpc>
-              <a:spcBef>
-                <a:spcPts val="500"/>
-              </a:spcBef>
-              <a:buFont typeface="Arial" panose="020B0604020202020204" pitchFamily="34" charset="0"/>
-              <a:buChar char="•"/>
-              <a:defRPr sz="1800" kern="1200">
-                <a:solidFill>
-                  <a:schemeClr val="tx1"/>
-                </a:solidFill>
-                <a:latin typeface="+mn-lt"/>
-                <a:ea typeface="+mn-ea"/>
-                <a:cs typeface="+mn-cs"/>
-              </a:defRPr>
-            </a:lvl7pPr>
-            <a:lvl8pPr marL="3429000" indent="-228600" algn="l" defTabSz="914400" rtl="0" eaLnBrk="1" latinLnBrk="0" hangingPunct="1">
-              <a:lnSpc>
-                <a:spcPct val="90000"/>
-              </a:lnSpc>
-              <a:spcBef>
-                <a:spcPts val="500"/>
-              </a:spcBef>
-              <a:buFont typeface="Arial" panose="020B0604020202020204" pitchFamily="34" charset="0"/>
-              <a:buChar char="•"/>
-              <a:defRPr sz="1800" kern="1200">
-                <a:solidFill>
-                  <a:schemeClr val="tx1"/>
-                </a:solidFill>
-                <a:latin typeface="+mn-lt"/>
-                <a:ea typeface="+mn-ea"/>
-                <a:cs typeface="+mn-cs"/>
-              </a:defRPr>
-            </a:lvl8pPr>
-            <a:lvl9pPr marL="3886200" indent="-228600" algn="l" defTabSz="914400" rtl="0" eaLnBrk="1" latinLnBrk="0" hangingPunct="1">
-              <a:lnSpc>
-                <a:spcPct val="90000"/>
-              </a:lnSpc>
-              <a:spcBef>
-                <a:spcPts val="500"/>
-              </a:spcBef>
-              <a:buFont typeface="Arial" panose="020B0604020202020204" pitchFamily="34" charset="0"/>
-              <a:buChar char="•"/>
-              <a:defRPr sz="1800" kern="1200">
-                <a:solidFill>
-                  <a:schemeClr val="tx1"/>
-                </a:solidFill>
-                <a:latin typeface="+mn-lt"/>
-                <a:ea typeface="+mn-ea"/>
-                <a:cs typeface="+mn-cs"/>
-              </a:defRPr>
-            </a:lvl9pPr>
-          </a:lstStyle>
-          <a:p>
-            <a:pPr>
-              <a:spcBef>
-                <a:spcPts val="0"/>
-              </a:spcBef>
-            </a:pPr>
-            <a:r>
-              <a:rPr lang="pt-BR" b="1" dirty="0" err="1"/>
-              <a:t>padding-right</a:t>
-            </a:r>
-            <a:r>
-              <a:rPr lang="pt-BR" b="1" dirty="0"/>
-              <a:t>: </a:t>
-            </a:r>
-            <a:r>
-              <a:rPr lang="pt-BR" dirty="0"/>
-              <a:t>Define o preenchimento do lado direito.</a:t>
-            </a:r>
-          </a:p>
-        </p:txBody>
-      </p:sp>
-      <p:sp>
-        <p:nvSpPr>
-          <p:cNvPr id="10" name="Retângulo 9">
-            <a:extLst>
-              <a:ext uri="{FF2B5EF4-FFF2-40B4-BE49-F238E27FC236}">
-                <a16:creationId xmlns:a16="http://schemas.microsoft.com/office/drawing/2014/main" id="{C38C76C4-2C52-461D-BB0D-CD7A2A72D0A0}"/>
-              </a:ext>
-            </a:extLst>
-          </p:cNvPr>
-          <p:cNvSpPr/>
-          <p:nvPr/>
-        </p:nvSpPr>
-        <p:spPr>
-          <a:xfrm>
-            <a:off x="4370206" y="4731788"/>
-            <a:ext cx="3451588" cy="923330"/>
-          </a:xfrm>
-          <a:prstGeom prst="rect">
-            <a:avLst/>
-          </a:prstGeom>
-        </p:spPr>
-        <p:txBody>
-          <a:bodyPr wrap="square">
-            <a:spAutoFit/>
-          </a:bodyPr>
-          <a:lstStyle/>
-          <a:p>
-            <a:pPr algn="just"/>
-            <a:r>
-              <a:rPr lang="pt-BR" dirty="0">
-                <a:solidFill>
-                  <a:srgbClr val="800000"/>
-                </a:solidFill>
-                <a:latin typeface="Consolas" panose="020B0609020204030204" pitchFamily="49" charset="0"/>
-              </a:rPr>
-              <a:t>h1</a:t>
-            </a:r>
-            <a:r>
-              <a:rPr lang="pt-BR" dirty="0">
-                <a:solidFill>
-                  <a:srgbClr val="000000"/>
-                </a:solidFill>
-                <a:latin typeface="Consolas" panose="020B0609020204030204" pitchFamily="49" charset="0"/>
-              </a:rPr>
-              <a:t> {</a:t>
-            </a:r>
-          </a:p>
-          <a:p>
-            <a:pPr indent="457200" algn="just"/>
-            <a:r>
-              <a:rPr lang="en-US" dirty="0">
-                <a:solidFill>
-                  <a:srgbClr val="E50000"/>
-                </a:solidFill>
-                <a:latin typeface="Consolas" panose="020B0609020204030204" pitchFamily="49" charset="0"/>
-              </a:rPr>
-              <a:t>padding -right</a:t>
-            </a:r>
-            <a:r>
-              <a:rPr lang="pt-BR" dirty="0">
-                <a:solidFill>
-                  <a:srgbClr val="000000"/>
-                </a:solidFill>
-                <a:latin typeface="Consolas" panose="020B0609020204030204" pitchFamily="49" charset="0"/>
-              </a:rPr>
-              <a:t>: </a:t>
-            </a:r>
-            <a:r>
-              <a:rPr lang="pt-BR" dirty="0">
-                <a:solidFill>
-                  <a:srgbClr val="098658"/>
-                </a:solidFill>
-                <a:latin typeface="Consolas" panose="020B0609020204030204" pitchFamily="49" charset="0"/>
-              </a:rPr>
-              <a:t>10px</a:t>
-            </a:r>
-            <a:r>
-              <a:rPr lang="pt-BR" dirty="0">
-                <a:solidFill>
-                  <a:srgbClr val="000000"/>
-                </a:solidFill>
-                <a:latin typeface="Consolas" panose="020B0609020204030204" pitchFamily="49" charset="0"/>
-              </a:rPr>
-              <a:t>;</a:t>
-            </a:r>
-          </a:p>
-          <a:p>
-            <a:pPr algn="just"/>
-            <a:r>
-              <a:rPr lang="pt-BR" dirty="0">
-                <a:solidFill>
-                  <a:srgbClr val="000000"/>
-                </a:solidFill>
-                <a:latin typeface="Consolas" panose="020B0609020204030204" pitchFamily="49" charset="0"/>
-              </a:rPr>
-              <a:t>}</a:t>
-            </a:r>
-            <a:endParaRPr lang="pt-BR" b="0" dirty="0">
-              <a:solidFill>
-                <a:srgbClr val="000000"/>
-              </a:solidFill>
-              <a:effectLst/>
-              <a:latin typeface="Consolas" panose="020B0609020204030204" pitchFamily="49" charset="0"/>
-            </a:endParaRPr>
-          </a:p>
-        </p:txBody>
-      </p:sp>
-    </p:spTree>
-    <p:extLst>
-      <p:ext uri="{BB962C8B-B14F-4D97-AF65-F5344CB8AC3E}">
-        <p14:creationId xmlns:p14="http://schemas.microsoft.com/office/powerpoint/2010/main" val="3786305090"/>
-      </p:ext>
-    </p:extLst>
-  </p:cSld>
-  <p:clrMapOvr>
-    <a:masterClrMapping/>
-  </p:clrMapOvr>
-</p:sld>
-</file>
-
-<file path=ppt/slides/slide18.xml><?xml version="1.0" encoding="utf-8"?>
-<p:sld xmlns:a="http://schemas.openxmlformats.org/drawingml/2006/main" xmlns:r="http://schemas.openxmlformats.org/officeDocument/2006/relationships" xmlns:p="http://schemas.openxmlformats.org/presentationml/2006/main">
-  <p:cSld>
-    <p:spTree>
-      <p:nvGrpSpPr>
-        <p:cNvPr id="1" name=""/>
-        <p:cNvGrpSpPr/>
-        <p:nvPr/>
-      </p:nvGrpSpPr>
-      <p:grpSpPr>
-        <a:xfrm>
-          <a:off x="0" y="0"/>
-          <a:ext cx="0" cy="0"/>
-          <a:chOff x="0" y="0"/>
-          <a:chExt cx="0" cy="0"/>
-        </a:xfrm>
-      </p:grpSpPr>
-      <p:sp>
-        <p:nvSpPr>
-          <p:cNvPr id="2" name="Título 1">
-            <a:extLst>
-              <a:ext uri="{FF2B5EF4-FFF2-40B4-BE49-F238E27FC236}">
-                <a16:creationId xmlns:a16="http://schemas.microsoft.com/office/drawing/2014/main" id="{AF625C71-4D03-4FC3-B7F9-B7320DA2E833}"/>
-              </a:ext>
-            </a:extLst>
-          </p:cNvPr>
-          <p:cNvSpPr>
-            <a:spLocks noGrp="1"/>
-          </p:cNvSpPr>
-          <p:nvPr>
-            <p:ph type="title"/>
-          </p:nvPr>
-        </p:nvSpPr>
-        <p:spPr/>
-        <p:txBody>
-          <a:bodyPr/>
-          <a:lstStyle/>
-          <a:p>
-            <a:r>
-              <a:rPr lang="pt-BR" dirty="0"/>
-              <a:t>Propriedades Específicas do </a:t>
-            </a:r>
-            <a:r>
-              <a:rPr lang="pt-BR" dirty="0" err="1"/>
-              <a:t>Padding</a:t>
-            </a:r>
-            <a:endParaRPr lang="pt-BR" dirty="0"/>
-          </a:p>
-        </p:txBody>
-      </p:sp>
-      <p:sp>
-        <p:nvSpPr>
-          <p:cNvPr id="3" name="Espaço Reservado para Conteúdo 2">
-            <a:extLst>
-              <a:ext uri="{FF2B5EF4-FFF2-40B4-BE49-F238E27FC236}">
-                <a16:creationId xmlns:a16="http://schemas.microsoft.com/office/drawing/2014/main" id="{45FCEC58-6B96-4C21-8AAD-381061F85126}"/>
-              </a:ext>
-            </a:extLst>
-          </p:cNvPr>
-          <p:cNvSpPr>
-            <a:spLocks noGrp="1"/>
-          </p:cNvSpPr>
-          <p:nvPr>
-            <p:ph idx="1"/>
-          </p:nvPr>
-        </p:nvSpPr>
-        <p:spPr>
-          <a:xfrm>
-            <a:off x="592347" y="1844675"/>
-            <a:ext cx="11007306" cy="602434"/>
-          </a:xfrm>
-        </p:spPr>
-        <p:txBody>
-          <a:bodyPr/>
-          <a:lstStyle/>
-          <a:p>
-            <a:pPr>
-              <a:spcBef>
-                <a:spcPts val="0"/>
-              </a:spcBef>
-            </a:pPr>
-            <a:r>
-              <a:rPr lang="en-US" b="1" dirty="0"/>
-              <a:t>padding-bottom: </a:t>
-            </a:r>
-            <a:r>
-              <a:rPr lang="en-US" dirty="0"/>
-              <a:t>Define o </a:t>
-            </a:r>
-            <a:r>
-              <a:rPr lang="en-US" dirty="0" err="1"/>
-              <a:t>preenchimento</a:t>
-            </a:r>
-            <a:r>
-              <a:rPr lang="en-US" dirty="0"/>
-              <a:t> inferior.</a:t>
-            </a:r>
-            <a:endParaRPr lang="pt-BR" dirty="0"/>
-          </a:p>
-        </p:txBody>
-      </p:sp>
-      <p:sp>
-        <p:nvSpPr>
-          <p:cNvPr id="7" name="Retângulo 6">
-            <a:extLst>
-              <a:ext uri="{FF2B5EF4-FFF2-40B4-BE49-F238E27FC236}">
-                <a16:creationId xmlns:a16="http://schemas.microsoft.com/office/drawing/2014/main" id="{96339426-DA50-43FB-8E26-3366153A0C80}"/>
-              </a:ext>
-            </a:extLst>
-          </p:cNvPr>
-          <p:cNvSpPr/>
-          <p:nvPr/>
-        </p:nvSpPr>
-        <p:spPr>
-          <a:xfrm>
-            <a:off x="4509407" y="2722532"/>
-            <a:ext cx="3173186" cy="923330"/>
-          </a:xfrm>
-          <a:prstGeom prst="rect">
-            <a:avLst/>
-          </a:prstGeom>
-        </p:spPr>
-        <p:txBody>
-          <a:bodyPr wrap="square">
-            <a:spAutoFit/>
-          </a:bodyPr>
-          <a:lstStyle/>
-          <a:p>
-            <a:r>
-              <a:rPr lang="en-US" dirty="0">
-                <a:solidFill>
-                  <a:srgbClr val="800000"/>
-                </a:solidFill>
-                <a:latin typeface="Consolas" panose="020B0609020204030204" pitchFamily="49" charset="0"/>
-              </a:rPr>
-              <a:t>p</a:t>
-            </a:r>
-            <a:r>
-              <a:rPr lang="en-US" dirty="0">
-                <a:solidFill>
-                  <a:srgbClr val="000000"/>
-                </a:solidFill>
-                <a:latin typeface="Consolas" panose="020B0609020204030204" pitchFamily="49" charset="0"/>
-              </a:rPr>
-              <a:t> {</a:t>
-            </a:r>
-          </a:p>
-          <a:p>
-            <a:pPr indent="457200"/>
-            <a:r>
-              <a:rPr lang="en-US" dirty="0">
-                <a:solidFill>
-                  <a:srgbClr val="E50000"/>
-                </a:solidFill>
-                <a:latin typeface="Consolas" panose="020B0609020204030204" pitchFamily="49" charset="0"/>
-              </a:rPr>
-              <a:t>padding-bottom</a:t>
-            </a:r>
-            <a:r>
-              <a:rPr lang="en-US" dirty="0">
-                <a:solidFill>
-                  <a:srgbClr val="000000"/>
-                </a:solidFill>
-                <a:latin typeface="Consolas" panose="020B0609020204030204" pitchFamily="49" charset="0"/>
-              </a:rPr>
-              <a:t>: </a:t>
-            </a:r>
-            <a:r>
-              <a:rPr lang="en-US" dirty="0">
-                <a:solidFill>
-                  <a:srgbClr val="098658"/>
-                </a:solidFill>
-                <a:latin typeface="Consolas" panose="020B0609020204030204" pitchFamily="49" charset="0"/>
-              </a:rPr>
-              <a:t>5px</a:t>
-            </a:r>
-            <a:r>
-              <a:rPr lang="en-US" dirty="0">
-                <a:solidFill>
-                  <a:srgbClr val="000000"/>
-                </a:solidFill>
-                <a:latin typeface="Consolas" panose="020B0609020204030204" pitchFamily="49" charset="0"/>
-              </a:rPr>
-              <a:t>;</a:t>
-            </a:r>
-          </a:p>
-          <a:p>
-            <a:r>
-              <a:rPr lang="en-US" dirty="0">
-                <a:solidFill>
-                  <a:srgbClr val="000000"/>
-                </a:solidFill>
-                <a:latin typeface="Consolas" panose="020B0609020204030204" pitchFamily="49" charset="0"/>
-              </a:rPr>
-              <a:t>}</a:t>
-            </a:r>
-            <a:endParaRPr lang="en-US" b="0" dirty="0">
-              <a:solidFill>
-                <a:srgbClr val="000000"/>
-              </a:solidFill>
-              <a:effectLst/>
-              <a:latin typeface="Consolas" panose="020B0609020204030204" pitchFamily="49" charset="0"/>
-            </a:endParaRPr>
-          </a:p>
-        </p:txBody>
-      </p:sp>
-      <p:sp>
-        <p:nvSpPr>
-          <p:cNvPr id="9" name="Espaço Reservado para Conteúdo 2">
-            <a:extLst>
-              <a:ext uri="{FF2B5EF4-FFF2-40B4-BE49-F238E27FC236}">
-                <a16:creationId xmlns:a16="http://schemas.microsoft.com/office/drawing/2014/main" id="{14C30E64-F25B-46A4-A4F8-07C6E903030F}"/>
-              </a:ext>
-            </a:extLst>
-          </p:cNvPr>
-          <p:cNvSpPr txBox="1">
-            <a:spLocks/>
-          </p:cNvSpPr>
-          <p:nvPr/>
-        </p:nvSpPr>
-        <p:spPr>
-          <a:xfrm>
-            <a:off x="592347" y="3921285"/>
-            <a:ext cx="11007306" cy="535080"/>
-          </a:xfrm>
-          <a:prstGeom prst="rect">
-            <a:avLst/>
-          </a:prstGeom>
-        </p:spPr>
-        <p:txBody>
-          <a:bodyPr/>
-          <a:lstStyle>
-            <a:lvl1pPr marL="0" indent="0" algn="just" defTabSz="914400" rtl="0" eaLnBrk="1" latinLnBrk="0" hangingPunct="1">
-              <a:lnSpc>
-                <a:spcPct val="150000"/>
-              </a:lnSpc>
-              <a:spcBef>
-                <a:spcPts val="1000"/>
-              </a:spcBef>
-              <a:buFont typeface="Arial" panose="020B0604020202020204" pitchFamily="34" charset="0"/>
-              <a:buNone/>
-              <a:defRPr sz="2000" kern="1200">
-                <a:solidFill>
-                  <a:schemeClr val="tx1"/>
-                </a:solidFill>
-                <a:latin typeface="Times New Roman" panose="02020603050405020304" pitchFamily="18" charset="0"/>
-                <a:ea typeface="+mn-ea"/>
-                <a:cs typeface="Times New Roman" panose="02020603050405020304" pitchFamily="18" charset="0"/>
-              </a:defRPr>
-            </a:lvl1pPr>
-            <a:lvl2pPr marL="685800" indent="-228600" algn="l" defTabSz="914400" rtl="0" eaLnBrk="1" latinLnBrk="0" hangingPunct="1">
-              <a:lnSpc>
-                <a:spcPct val="150000"/>
-              </a:lnSpc>
-              <a:spcBef>
-                <a:spcPts val="500"/>
-              </a:spcBef>
-              <a:buFont typeface="Arial" panose="020B0604020202020204" pitchFamily="34" charset="0"/>
-              <a:buChar char="•"/>
-              <a:defRPr sz="1600" kern="1200">
-                <a:solidFill>
-                  <a:schemeClr val="tx1"/>
-                </a:solidFill>
-                <a:latin typeface="Times New Roman" panose="02020603050405020304" pitchFamily="18" charset="0"/>
-                <a:ea typeface="+mn-ea"/>
-                <a:cs typeface="Times New Roman" panose="02020603050405020304" pitchFamily="18" charset="0"/>
-              </a:defRPr>
-            </a:lvl2pPr>
-            <a:lvl3pPr marL="1143000" indent="-228600" algn="l" defTabSz="914400" rtl="0" eaLnBrk="1" latinLnBrk="0" hangingPunct="1">
-              <a:lnSpc>
-                <a:spcPct val="150000"/>
-              </a:lnSpc>
-              <a:spcBef>
-                <a:spcPts val="500"/>
-              </a:spcBef>
-              <a:buFont typeface="Arial" panose="020B0604020202020204" pitchFamily="34" charset="0"/>
-              <a:buChar char="•"/>
-              <a:defRPr sz="1400" kern="1200">
-                <a:solidFill>
-                  <a:schemeClr val="tx1"/>
-                </a:solidFill>
-                <a:latin typeface="Times New Roman" panose="02020603050405020304" pitchFamily="18" charset="0"/>
-                <a:ea typeface="+mn-ea"/>
-                <a:cs typeface="Times New Roman" panose="02020603050405020304" pitchFamily="18" charset="0"/>
-              </a:defRPr>
-            </a:lvl3pPr>
-            <a:lvl4pPr marL="1600200" indent="-228600" algn="l" defTabSz="914400" rtl="0" eaLnBrk="1" latinLnBrk="0" hangingPunct="1">
-              <a:lnSpc>
-                <a:spcPct val="150000"/>
-              </a:lnSpc>
-              <a:spcBef>
-                <a:spcPts val="500"/>
-              </a:spcBef>
-              <a:buFont typeface="Arial" panose="020B0604020202020204" pitchFamily="34" charset="0"/>
-              <a:buChar char="•"/>
-              <a:defRPr sz="1200" kern="1200">
-                <a:solidFill>
-                  <a:schemeClr val="tx1"/>
-                </a:solidFill>
-                <a:latin typeface="Times New Roman" panose="02020603050405020304" pitchFamily="18" charset="0"/>
-                <a:ea typeface="+mn-ea"/>
-                <a:cs typeface="Times New Roman" panose="02020603050405020304" pitchFamily="18" charset="0"/>
-              </a:defRPr>
-            </a:lvl4pPr>
-            <a:lvl5pPr marL="2057400" indent="-228600" algn="l" defTabSz="914400" rtl="0" eaLnBrk="1" latinLnBrk="0" hangingPunct="1">
-              <a:lnSpc>
-                <a:spcPct val="150000"/>
-              </a:lnSpc>
-              <a:spcBef>
-                <a:spcPts val="500"/>
-              </a:spcBef>
-              <a:buFont typeface="Arial" panose="020B0604020202020204" pitchFamily="34" charset="0"/>
-              <a:buChar char="•"/>
-              <a:defRPr sz="1000" kern="1200">
-                <a:solidFill>
-                  <a:schemeClr val="tx1"/>
-                </a:solidFill>
-                <a:latin typeface="Times New Roman" panose="02020603050405020304" pitchFamily="18" charset="0"/>
-                <a:ea typeface="+mn-ea"/>
-                <a:cs typeface="Times New Roman" panose="02020603050405020304" pitchFamily="18" charset="0"/>
-              </a:defRPr>
-            </a:lvl5pPr>
-            <a:lvl6pPr marL="2514600" indent="-228600" algn="l" defTabSz="914400" rtl="0" eaLnBrk="1" latinLnBrk="0" hangingPunct="1">
-              <a:lnSpc>
-                <a:spcPct val="90000"/>
-              </a:lnSpc>
-              <a:spcBef>
-                <a:spcPts val="500"/>
-              </a:spcBef>
-              <a:buFont typeface="Arial" panose="020B0604020202020204" pitchFamily="34" charset="0"/>
-              <a:buChar char="•"/>
-              <a:defRPr sz="1800" kern="1200">
-                <a:solidFill>
-                  <a:schemeClr val="tx1"/>
-                </a:solidFill>
-                <a:latin typeface="+mn-lt"/>
-                <a:ea typeface="+mn-ea"/>
-                <a:cs typeface="+mn-cs"/>
-              </a:defRPr>
-            </a:lvl6pPr>
-            <a:lvl7pPr marL="2971800" indent="-228600" algn="l" defTabSz="914400" rtl="0" eaLnBrk="1" latinLnBrk="0" hangingPunct="1">
-              <a:lnSpc>
-                <a:spcPct val="90000"/>
-              </a:lnSpc>
-              <a:spcBef>
-                <a:spcPts val="500"/>
-              </a:spcBef>
-              <a:buFont typeface="Arial" panose="020B0604020202020204" pitchFamily="34" charset="0"/>
-              <a:buChar char="•"/>
-              <a:defRPr sz="1800" kern="1200">
-                <a:solidFill>
-                  <a:schemeClr val="tx1"/>
-                </a:solidFill>
-                <a:latin typeface="+mn-lt"/>
-                <a:ea typeface="+mn-ea"/>
-                <a:cs typeface="+mn-cs"/>
-              </a:defRPr>
-            </a:lvl7pPr>
-            <a:lvl8pPr marL="3429000" indent="-228600" algn="l" defTabSz="914400" rtl="0" eaLnBrk="1" latinLnBrk="0" hangingPunct="1">
-              <a:lnSpc>
-                <a:spcPct val="90000"/>
-              </a:lnSpc>
-              <a:spcBef>
-                <a:spcPts val="500"/>
-              </a:spcBef>
-              <a:buFont typeface="Arial" panose="020B0604020202020204" pitchFamily="34" charset="0"/>
-              <a:buChar char="•"/>
-              <a:defRPr sz="1800" kern="1200">
-                <a:solidFill>
-                  <a:schemeClr val="tx1"/>
-                </a:solidFill>
-                <a:latin typeface="+mn-lt"/>
-                <a:ea typeface="+mn-ea"/>
-                <a:cs typeface="+mn-cs"/>
-              </a:defRPr>
-            </a:lvl8pPr>
-            <a:lvl9pPr marL="3886200" indent="-228600" algn="l" defTabSz="914400" rtl="0" eaLnBrk="1" latinLnBrk="0" hangingPunct="1">
-              <a:lnSpc>
-                <a:spcPct val="90000"/>
-              </a:lnSpc>
-              <a:spcBef>
-                <a:spcPts val="500"/>
-              </a:spcBef>
-              <a:buFont typeface="Arial" panose="020B0604020202020204" pitchFamily="34" charset="0"/>
-              <a:buChar char="•"/>
-              <a:defRPr sz="1800" kern="1200">
-                <a:solidFill>
-                  <a:schemeClr val="tx1"/>
-                </a:solidFill>
-                <a:latin typeface="+mn-lt"/>
-                <a:ea typeface="+mn-ea"/>
-                <a:cs typeface="+mn-cs"/>
-              </a:defRPr>
-            </a:lvl9pPr>
-          </a:lstStyle>
-          <a:p>
-            <a:pPr>
-              <a:spcBef>
-                <a:spcPts val="0"/>
-              </a:spcBef>
-            </a:pPr>
-            <a:r>
-              <a:rPr lang="pt-BR" b="1" dirty="0" err="1"/>
-              <a:t>padding-left</a:t>
-            </a:r>
-            <a:r>
-              <a:rPr lang="pt-BR" b="1" dirty="0"/>
-              <a:t>: </a:t>
-            </a:r>
-            <a:r>
-              <a:rPr lang="pt-BR" dirty="0"/>
-              <a:t>Define o preenchimento do lado esquerdo.</a:t>
-            </a:r>
-          </a:p>
-        </p:txBody>
-      </p:sp>
-      <p:sp>
-        <p:nvSpPr>
-          <p:cNvPr id="10" name="Retângulo 9">
-            <a:extLst>
-              <a:ext uri="{FF2B5EF4-FFF2-40B4-BE49-F238E27FC236}">
-                <a16:creationId xmlns:a16="http://schemas.microsoft.com/office/drawing/2014/main" id="{C38C76C4-2C52-461D-BB0D-CD7A2A72D0A0}"/>
-              </a:ext>
-            </a:extLst>
-          </p:cNvPr>
-          <p:cNvSpPr/>
-          <p:nvPr/>
-        </p:nvSpPr>
-        <p:spPr>
-          <a:xfrm>
-            <a:off x="4499338" y="4731788"/>
-            <a:ext cx="3193325" cy="923330"/>
-          </a:xfrm>
-          <a:prstGeom prst="rect">
-            <a:avLst/>
-          </a:prstGeom>
-        </p:spPr>
-        <p:txBody>
-          <a:bodyPr wrap="square">
-            <a:spAutoFit/>
-          </a:bodyPr>
-          <a:lstStyle/>
-          <a:p>
-            <a:pPr algn="just"/>
-            <a:r>
-              <a:rPr lang="pt-BR" dirty="0">
-                <a:solidFill>
-                  <a:srgbClr val="800000"/>
-                </a:solidFill>
-                <a:latin typeface="Consolas" panose="020B0609020204030204" pitchFamily="49" charset="0"/>
-              </a:rPr>
-              <a:t>h1</a:t>
-            </a:r>
-            <a:r>
-              <a:rPr lang="pt-BR" dirty="0">
-                <a:solidFill>
-                  <a:srgbClr val="000000"/>
-                </a:solidFill>
-                <a:latin typeface="Consolas" panose="020B0609020204030204" pitchFamily="49" charset="0"/>
-              </a:rPr>
-              <a:t> {</a:t>
-            </a:r>
-          </a:p>
-          <a:p>
-            <a:pPr indent="457200" algn="just"/>
-            <a:r>
-              <a:rPr lang="en-US" dirty="0">
-                <a:solidFill>
-                  <a:srgbClr val="E50000"/>
-                </a:solidFill>
-                <a:latin typeface="Consolas" panose="020B0609020204030204" pitchFamily="49" charset="0"/>
-              </a:rPr>
-              <a:t>padding-left</a:t>
-            </a:r>
-            <a:r>
-              <a:rPr lang="pt-BR" dirty="0">
-                <a:solidFill>
-                  <a:srgbClr val="000000"/>
-                </a:solidFill>
-                <a:latin typeface="Consolas" panose="020B0609020204030204" pitchFamily="49" charset="0"/>
-              </a:rPr>
-              <a:t>: </a:t>
-            </a:r>
-            <a:r>
-              <a:rPr lang="pt-BR" dirty="0">
-                <a:solidFill>
-                  <a:srgbClr val="098658"/>
-                </a:solidFill>
-                <a:latin typeface="Consolas" panose="020B0609020204030204" pitchFamily="49" charset="0"/>
-              </a:rPr>
-              <a:t>10px</a:t>
-            </a:r>
-            <a:r>
-              <a:rPr lang="pt-BR" dirty="0">
-                <a:solidFill>
-                  <a:srgbClr val="000000"/>
-                </a:solidFill>
-                <a:latin typeface="Consolas" panose="020B0609020204030204" pitchFamily="49" charset="0"/>
-              </a:rPr>
-              <a:t>;</a:t>
-            </a:r>
-          </a:p>
-          <a:p>
-            <a:pPr algn="just"/>
-            <a:r>
-              <a:rPr lang="pt-BR" dirty="0">
-                <a:solidFill>
-                  <a:srgbClr val="000000"/>
-                </a:solidFill>
-                <a:latin typeface="Consolas" panose="020B0609020204030204" pitchFamily="49" charset="0"/>
-              </a:rPr>
-              <a:t>}</a:t>
-            </a:r>
-            <a:endParaRPr lang="pt-BR" b="0" dirty="0">
-              <a:solidFill>
-                <a:srgbClr val="000000"/>
-              </a:solidFill>
-              <a:effectLst/>
-              <a:latin typeface="Consolas" panose="020B0609020204030204" pitchFamily="49" charset="0"/>
-            </a:endParaRPr>
-          </a:p>
-        </p:txBody>
-      </p:sp>
-    </p:spTree>
-    <p:extLst>
-      <p:ext uri="{BB962C8B-B14F-4D97-AF65-F5344CB8AC3E}">
-        <p14:creationId xmlns:p14="http://schemas.microsoft.com/office/powerpoint/2010/main" val="2718443867"/>
-      </p:ext>
-    </p:extLst>
-  </p:cSld>
-  <p:clrMapOvr>
-    <a:masterClrMapping/>
-  </p:clrMapOvr>
-</p:sld>
-</file>
-
-<file path=ppt/slides/slide19.xml><?xml version="1.0" encoding="utf-8"?>
-<p:sld xmlns:a="http://schemas.openxmlformats.org/drawingml/2006/main" xmlns:r="http://schemas.openxmlformats.org/officeDocument/2006/relationships" xmlns:p="http://schemas.openxmlformats.org/presentationml/2006/main">
-  <p:cSld>
-    <p:spTree>
-      <p:nvGrpSpPr>
-        <p:cNvPr id="1" name=""/>
-        <p:cNvGrpSpPr/>
-        <p:nvPr/>
-      </p:nvGrpSpPr>
-      <p:grpSpPr>
-        <a:xfrm>
-          <a:off x="0" y="0"/>
-          <a:ext cx="0" cy="0"/>
-          <a:chOff x="0" y="0"/>
-          <a:chExt cx="0" cy="0"/>
-        </a:xfrm>
-      </p:grpSpPr>
-      <p:sp>
-        <p:nvSpPr>
-          <p:cNvPr id="2" name="Título 1">
-            <a:extLst>
-              <a:ext uri="{FF2B5EF4-FFF2-40B4-BE49-F238E27FC236}">
-                <a16:creationId xmlns:a16="http://schemas.microsoft.com/office/drawing/2014/main" id="{AF625C71-4D03-4FC3-B7F9-B7320DA2E833}"/>
-              </a:ext>
-            </a:extLst>
-          </p:cNvPr>
-          <p:cNvSpPr>
-            <a:spLocks noGrp="1"/>
-          </p:cNvSpPr>
-          <p:nvPr>
-            <p:ph type="title"/>
-          </p:nvPr>
-        </p:nvSpPr>
-        <p:spPr/>
-        <p:txBody>
-          <a:bodyPr/>
-          <a:lstStyle/>
-          <a:p>
-            <a:r>
-              <a:rPr lang="pt-BR" dirty="0"/>
-              <a:t>Propriedades Específicas do </a:t>
-            </a:r>
-            <a:r>
-              <a:rPr lang="pt-BR" dirty="0" err="1"/>
-              <a:t>Padding</a:t>
-            </a:r>
-            <a:endParaRPr lang="pt-BR" dirty="0"/>
-          </a:p>
-        </p:txBody>
-      </p:sp>
-      <p:sp>
-        <p:nvSpPr>
-          <p:cNvPr id="3" name="Espaço Reservado para Conteúdo 2">
-            <a:extLst>
-              <a:ext uri="{FF2B5EF4-FFF2-40B4-BE49-F238E27FC236}">
-                <a16:creationId xmlns:a16="http://schemas.microsoft.com/office/drawing/2014/main" id="{45FCEC58-6B96-4C21-8AAD-381061F85126}"/>
-              </a:ext>
-            </a:extLst>
-          </p:cNvPr>
-          <p:cNvSpPr>
-            <a:spLocks noGrp="1"/>
-          </p:cNvSpPr>
-          <p:nvPr>
-            <p:ph idx="1"/>
-          </p:nvPr>
-        </p:nvSpPr>
-        <p:spPr>
-          <a:xfrm>
-            <a:off x="592347" y="1844675"/>
-            <a:ext cx="11007306" cy="1003028"/>
-          </a:xfrm>
-        </p:spPr>
-        <p:txBody>
-          <a:bodyPr/>
-          <a:lstStyle/>
-          <a:p>
-            <a:pPr>
-              <a:spcBef>
-                <a:spcPts val="0"/>
-              </a:spcBef>
-            </a:pPr>
-            <a:r>
-              <a:rPr lang="pt-BR" b="1" dirty="0" err="1"/>
-              <a:t>padding</a:t>
-            </a:r>
-            <a:r>
-              <a:rPr lang="pt-BR" b="1" dirty="0"/>
-              <a:t>: </a:t>
-            </a:r>
-            <a:r>
-              <a:rPr lang="pt-BR" dirty="0"/>
-              <a:t>Permite definir os preenchimentos de todos os lados em uma única linha, na ordem: top, </a:t>
-            </a:r>
-            <a:r>
-              <a:rPr lang="pt-BR" dirty="0" err="1"/>
-              <a:t>right</a:t>
-            </a:r>
-            <a:r>
-              <a:rPr lang="pt-BR" dirty="0"/>
-              <a:t>, </a:t>
-            </a:r>
-            <a:r>
-              <a:rPr lang="pt-BR" dirty="0" err="1"/>
-              <a:t>bottom</a:t>
-            </a:r>
-            <a:r>
-              <a:rPr lang="pt-BR" dirty="0"/>
-              <a:t>, </a:t>
-            </a:r>
-            <a:r>
-              <a:rPr lang="pt-BR" dirty="0" err="1"/>
-              <a:t>left</a:t>
-            </a:r>
-            <a:r>
-              <a:rPr lang="pt-BR" dirty="0"/>
-              <a:t>.</a:t>
-            </a:r>
-          </a:p>
-        </p:txBody>
-      </p:sp>
-      <p:sp>
-        <p:nvSpPr>
-          <p:cNvPr id="7" name="Retângulo 6">
-            <a:extLst>
-              <a:ext uri="{FF2B5EF4-FFF2-40B4-BE49-F238E27FC236}">
-                <a16:creationId xmlns:a16="http://schemas.microsoft.com/office/drawing/2014/main" id="{96339426-DA50-43FB-8E26-3366153A0C80}"/>
-              </a:ext>
-            </a:extLst>
-          </p:cNvPr>
-          <p:cNvSpPr/>
-          <p:nvPr/>
-        </p:nvSpPr>
-        <p:spPr>
-          <a:xfrm>
-            <a:off x="862874" y="4173833"/>
-            <a:ext cx="4186646" cy="923330"/>
-          </a:xfrm>
-          <a:prstGeom prst="rect">
-            <a:avLst/>
-          </a:prstGeom>
-        </p:spPr>
-        <p:txBody>
-          <a:bodyPr wrap="square">
-            <a:spAutoFit/>
-          </a:bodyPr>
-          <a:lstStyle/>
-          <a:p>
-            <a:r>
-              <a:rPr lang="en-US" dirty="0">
-                <a:solidFill>
-                  <a:srgbClr val="800000"/>
-                </a:solidFill>
-                <a:latin typeface="Consolas" panose="020B0609020204030204" pitchFamily="49" charset="0"/>
-              </a:rPr>
-              <a:t>p</a:t>
-            </a:r>
-            <a:r>
-              <a:rPr lang="en-US" dirty="0">
-                <a:solidFill>
-                  <a:srgbClr val="000000"/>
-                </a:solidFill>
-                <a:latin typeface="Consolas" panose="020B0609020204030204" pitchFamily="49" charset="0"/>
-              </a:rPr>
-              <a:t> {</a:t>
-            </a:r>
-          </a:p>
-          <a:p>
-            <a:pPr indent="457200"/>
-            <a:r>
-              <a:rPr lang="en-US" dirty="0">
-                <a:solidFill>
-                  <a:srgbClr val="E50000"/>
-                </a:solidFill>
-                <a:latin typeface="Consolas" panose="020B0609020204030204" pitchFamily="49" charset="0"/>
-              </a:rPr>
-              <a:t>padding</a:t>
-            </a:r>
-            <a:r>
-              <a:rPr lang="en-US" dirty="0">
-                <a:solidFill>
-                  <a:srgbClr val="000000"/>
-                </a:solidFill>
-                <a:latin typeface="Consolas" panose="020B0609020204030204" pitchFamily="49" charset="0"/>
-              </a:rPr>
-              <a:t>: </a:t>
-            </a:r>
-            <a:r>
-              <a:rPr lang="en-US" dirty="0">
-                <a:solidFill>
-                  <a:srgbClr val="098658"/>
-                </a:solidFill>
-                <a:latin typeface="Consolas" panose="020B0609020204030204" pitchFamily="49" charset="0"/>
-              </a:rPr>
-              <a:t>5px 10px 15px 20px</a:t>
-            </a:r>
-            <a:r>
-              <a:rPr lang="en-US" dirty="0">
-                <a:solidFill>
-                  <a:srgbClr val="000000"/>
-                </a:solidFill>
-                <a:latin typeface="Consolas" panose="020B0609020204030204" pitchFamily="49" charset="0"/>
-              </a:rPr>
-              <a:t>;</a:t>
-            </a:r>
-          </a:p>
-          <a:p>
-            <a:r>
-              <a:rPr lang="en-US" dirty="0">
-                <a:solidFill>
-                  <a:srgbClr val="000000"/>
-                </a:solidFill>
-                <a:latin typeface="Consolas" panose="020B0609020204030204" pitchFamily="49" charset="0"/>
-              </a:rPr>
-              <a:t>}</a:t>
-            </a:r>
-            <a:endParaRPr lang="en-US" b="0" dirty="0">
-              <a:solidFill>
-                <a:srgbClr val="000000"/>
-              </a:solidFill>
-              <a:effectLst/>
-              <a:latin typeface="Consolas" panose="020B0609020204030204" pitchFamily="49" charset="0"/>
-            </a:endParaRPr>
-          </a:p>
-        </p:txBody>
-      </p:sp>
-      <p:grpSp>
-        <p:nvGrpSpPr>
-          <p:cNvPr id="4" name="Agrupar 3">
-            <a:extLst>
-              <a:ext uri="{FF2B5EF4-FFF2-40B4-BE49-F238E27FC236}">
-                <a16:creationId xmlns:a16="http://schemas.microsoft.com/office/drawing/2014/main" id="{F5DE41B8-94DE-42BC-9C05-7D510EFD9BFF}"/>
-              </a:ext>
-            </a:extLst>
-          </p:cNvPr>
-          <p:cNvGrpSpPr/>
-          <p:nvPr/>
-        </p:nvGrpSpPr>
-        <p:grpSpPr>
-          <a:xfrm>
-            <a:off x="5912394" y="3517940"/>
-            <a:ext cx="5416732" cy="2583249"/>
-            <a:chOff x="6344194" y="3526648"/>
-            <a:chExt cx="5416732" cy="2583249"/>
-          </a:xfrm>
-        </p:grpSpPr>
-        <p:sp>
-          <p:nvSpPr>
-            <p:cNvPr id="8" name="Retângulo: Cantos Arredondados 7">
-              <a:extLst>
-                <a:ext uri="{FF2B5EF4-FFF2-40B4-BE49-F238E27FC236}">
-                  <a16:creationId xmlns:a16="http://schemas.microsoft.com/office/drawing/2014/main" id="{8B2F41EF-CAF3-4BF9-89F5-B91A1FE04232}"/>
-                </a:ext>
-              </a:extLst>
-            </p:cNvPr>
-            <p:cNvSpPr/>
-            <p:nvPr/>
-          </p:nvSpPr>
-          <p:spPr>
-            <a:xfrm>
-              <a:off x="6905897" y="4005944"/>
-              <a:ext cx="4293326" cy="1584325"/>
-            </a:xfrm>
-            <a:prstGeom prst="roundRect">
-              <a:avLst>
-                <a:gd name="adj" fmla="val 0"/>
-              </a:avLst>
-            </a:prstGeom>
-            <a:noFill/>
-            <a:ln w="38100">
-              <a:solidFill>
-                <a:schemeClr val="tx1">
-                  <a:lumMod val="95000"/>
-                  <a:lumOff val="5000"/>
-                </a:schemeClr>
-              </a:solidFill>
-            </a:ln>
-          </p:spPr>
-          <p:style>
-            <a:lnRef idx="2">
-              <a:schemeClr val="accent1">
-                <a:shade val="50000"/>
-              </a:schemeClr>
-            </a:lnRef>
-            <a:fillRef idx="1">
-              <a:schemeClr val="accent1"/>
-            </a:fillRef>
-            <a:effectRef idx="0">
-              <a:schemeClr val="accent1"/>
-            </a:effectRef>
-            <a:fontRef idx="minor">
-              <a:schemeClr val="lt1"/>
-            </a:fontRef>
-          </p:style>
-          <p:txBody>
-            <a:bodyPr rtlCol="0" anchor="ctr"/>
-            <a:lstStyle/>
-            <a:p>
-              <a:pPr algn="ctr"/>
-              <a:endParaRPr lang="pt-BR"/>
-            </a:p>
-          </p:txBody>
-        </p:sp>
-        <p:sp>
-          <p:nvSpPr>
-            <p:cNvPr id="11" name="CaixaDeTexto 10">
-              <a:extLst>
-                <a:ext uri="{FF2B5EF4-FFF2-40B4-BE49-F238E27FC236}">
-                  <a16:creationId xmlns:a16="http://schemas.microsoft.com/office/drawing/2014/main" id="{62A7D8C1-2AF4-49AF-8CBA-F534CBCAEF32}"/>
-                </a:ext>
-              </a:extLst>
-            </p:cNvPr>
-            <p:cNvSpPr txBox="1"/>
-            <p:nvPr/>
-          </p:nvSpPr>
-          <p:spPr>
-            <a:xfrm>
-              <a:off x="8839200" y="3526648"/>
-              <a:ext cx="426720" cy="369332"/>
-            </a:xfrm>
-            <a:prstGeom prst="rect">
-              <a:avLst/>
-            </a:prstGeom>
-            <a:noFill/>
-          </p:spPr>
-          <p:txBody>
-            <a:bodyPr wrap="square" rtlCol="0">
-              <a:spAutoFit/>
-            </a:bodyPr>
-            <a:lstStyle/>
-            <a:p>
-              <a:pPr algn="ctr"/>
-              <a:r>
-                <a:rPr lang="pt-BR" dirty="0">
-                  <a:latin typeface="Times New Roman" panose="02020603050405020304" pitchFamily="18" charset="0"/>
-                  <a:cs typeface="Times New Roman" panose="02020603050405020304" pitchFamily="18" charset="0"/>
-                </a:rPr>
-                <a:t>1°</a:t>
-              </a:r>
-            </a:p>
-          </p:txBody>
-        </p:sp>
-        <p:sp>
-          <p:nvSpPr>
-            <p:cNvPr id="12" name="CaixaDeTexto 11">
-              <a:extLst>
-                <a:ext uri="{FF2B5EF4-FFF2-40B4-BE49-F238E27FC236}">
-                  <a16:creationId xmlns:a16="http://schemas.microsoft.com/office/drawing/2014/main" id="{0F9D5C26-6A58-4D1F-9207-0E4CCD427A77}"/>
-                </a:ext>
-              </a:extLst>
-            </p:cNvPr>
-            <p:cNvSpPr txBox="1"/>
-            <p:nvPr/>
-          </p:nvSpPr>
-          <p:spPr>
-            <a:xfrm>
-              <a:off x="11334206" y="4613440"/>
-              <a:ext cx="426720" cy="369332"/>
-            </a:xfrm>
-            <a:prstGeom prst="rect">
-              <a:avLst/>
-            </a:prstGeom>
-            <a:noFill/>
-          </p:spPr>
-          <p:txBody>
-            <a:bodyPr wrap="square" rtlCol="0">
-              <a:spAutoFit/>
-            </a:bodyPr>
-            <a:lstStyle/>
-            <a:p>
-              <a:pPr algn="ctr"/>
-              <a:r>
-                <a:rPr lang="pt-BR" dirty="0">
-                  <a:latin typeface="Times New Roman" panose="02020603050405020304" pitchFamily="18" charset="0"/>
-                  <a:cs typeface="Times New Roman" panose="02020603050405020304" pitchFamily="18" charset="0"/>
-                </a:rPr>
-                <a:t>2°</a:t>
-              </a:r>
-            </a:p>
-          </p:txBody>
-        </p:sp>
-        <p:sp>
-          <p:nvSpPr>
-            <p:cNvPr id="13" name="CaixaDeTexto 12">
-              <a:extLst>
-                <a:ext uri="{FF2B5EF4-FFF2-40B4-BE49-F238E27FC236}">
-                  <a16:creationId xmlns:a16="http://schemas.microsoft.com/office/drawing/2014/main" id="{C2BA83F0-4181-4EB6-B09B-45C928406EAC}"/>
-                </a:ext>
-              </a:extLst>
-            </p:cNvPr>
-            <p:cNvSpPr txBox="1"/>
-            <p:nvPr/>
-          </p:nvSpPr>
-          <p:spPr>
-            <a:xfrm>
-              <a:off x="8839200" y="5740565"/>
-              <a:ext cx="426720" cy="369332"/>
-            </a:xfrm>
-            <a:prstGeom prst="rect">
-              <a:avLst/>
-            </a:prstGeom>
-            <a:noFill/>
-          </p:spPr>
-          <p:txBody>
-            <a:bodyPr wrap="square" rtlCol="0">
-              <a:spAutoFit/>
-            </a:bodyPr>
-            <a:lstStyle/>
-            <a:p>
-              <a:pPr algn="ctr"/>
-              <a:r>
-                <a:rPr lang="pt-BR" dirty="0">
-                  <a:latin typeface="Times New Roman" panose="02020603050405020304" pitchFamily="18" charset="0"/>
-                  <a:cs typeface="Times New Roman" panose="02020603050405020304" pitchFamily="18" charset="0"/>
-                </a:rPr>
-                <a:t>3°</a:t>
-              </a:r>
-            </a:p>
-          </p:txBody>
-        </p:sp>
-        <p:sp>
-          <p:nvSpPr>
-            <p:cNvPr id="14" name="CaixaDeTexto 13">
-              <a:extLst>
-                <a:ext uri="{FF2B5EF4-FFF2-40B4-BE49-F238E27FC236}">
-                  <a16:creationId xmlns:a16="http://schemas.microsoft.com/office/drawing/2014/main" id="{D9DC09F2-361E-49C8-8999-1E049AE7C411}"/>
-                </a:ext>
-              </a:extLst>
-            </p:cNvPr>
-            <p:cNvSpPr txBox="1"/>
-            <p:nvPr/>
-          </p:nvSpPr>
-          <p:spPr>
-            <a:xfrm>
-              <a:off x="6344194" y="4613440"/>
-              <a:ext cx="426720" cy="369332"/>
-            </a:xfrm>
-            <a:prstGeom prst="rect">
-              <a:avLst/>
-            </a:prstGeom>
-            <a:noFill/>
-          </p:spPr>
-          <p:txBody>
-            <a:bodyPr wrap="square" rtlCol="0">
-              <a:spAutoFit/>
-            </a:bodyPr>
-            <a:lstStyle/>
-            <a:p>
-              <a:pPr algn="ctr"/>
-              <a:r>
-                <a:rPr lang="pt-BR" dirty="0">
-                  <a:latin typeface="Times New Roman" panose="02020603050405020304" pitchFamily="18" charset="0"/>
-                  <a:cs typeface="Times New Roman" panose="02020603050405020304" pitchFamily="18" charset="0"/>
-                </a:rPr>
-                <a:t>4°</a:t>
-              </a:r>
-            </a:p>
-          </p:txBody>
-        </p:sp>
-        <p:pic>
-          <p:nvPicPr>
-            <p:cNvPr id="15" name="Gráfico 14" descr="Atualizar">
-              <a:extLst>
-                <a:ext uri="{FF2B5EF4-FFF2-40B4-BE49-F238E27FC236}">
-                  <a16:creationId xmlns:a16="http://schemas.microsoft.com/office/drawing/2014/main" id="{C8024643-ED90-4654-9787-9FF9F8FFCA41}"/>
-                </a:ext>
-              </a:extLst>
-            </p:cNvPr>
-            <p:cNvPicPr>
-              <a:picLocks noChangeAspect="1"/>
-            </p:cNvPicPr>
-            <p:nvPr/>
-          </p:nvPicPr>
-          <p:blipFill>
-            <a:blip r:embed="rId2">
-              <a:extLst>
-                <a:ext uri="{28A0092B-C50C-407E-A947-70E740481C1C}">
-                  <a14:useLocalDpi xmlns:a14="http://schemas.microsoft.com/office/drawing/2010/main" val="0"/>
-                </a:ext>
-                <a:ext uri="{96DAC541-7B7A-43D3-8B79-37D633B846F1}">
-                  <asvg:svgBlip xmlns:asvg="http://schemas.microsoft.com/office/drawing/2016/SVG/main" r:embed="rId3"/>
-                </a:ext>
-              </a:extLst>
-            </a:blip>
-            <a:stretch>
-              <a:fillRect/>
-            </a:stretch>
-          </p:blipFill>
-          <p:spPr>
-            <a:xfrm>
-              <a:off x="8595360" y="4340906"/>
-              <a:ext cx="914400" cy="914400"/>
-            </a:xfrm>
-            <a:prstGeom prst="rect">
-              <a:avLst/>
-            </a:prstGeom>
-          </p:spPr>
-        </p:pic>
-      </p:grpSp>
-    </p:spTree>
-    <p:extLst>
-      <p:ext uri="{BB962C8B-B14F-4D97-AF65-F5344CB8AC3E}">
-        <p14:creationId xmlns:p14="http://schemas.microsoft.com/office/powerpoint/2010/main" val="958432546"/>
-      </p:ext>
-    </p:extLst>
-  </p:cSld>
-  <p:clrMapOvr>
-    <a:masterClrMapping/>
-  </p:clrMapOvr>
-</p:sld>
-</file>
-
-<file path=ppt/slides/slide2.xml><?xml version="1.0" encoding="utf-8"?>
-<p:sld xmlns:a="http://schemas.openxmlformats.org/drawingml/2006/main" xmlns:r="http://schemas.openxmlformats.org/officeDocument/2006/relationships" xmlns:p="http://schemas.openxmlformats.org/presentationml/2006/main">
-  <p:cSld>
-    <p:spTree>
-      <p:nvGrpSpPr>
-        <p:cNvPr id="1" name=""/>
-        <p:cNvGrpSpPr/>
-        <p:nvPr/>
-      </p:nvGrpSpPr>
-      <p:grpSpPr>
-        <a:xfrm>
-          <a:off x="0" y="0"/>
-          <a:ext cx="0" cy="0"/>
-          <a:chOff x="0" y="0"/>
-          <a:chExt cx="0" cy="0"/>
-        </a:xfrm>
-      </p:grpSpPr>
-      <p:sp>
-        <p:nvSpPr>
-          <p:cNvPr id="2" name="Título 1">
-            <a:extLst>
-              <a:ext uri="{FF2B5EF4-FFF2-40B4-BE49-F238E27FC236}">
-                <a16:creationId xmlns:a16="http://schemas.microsoft.com/office/drawing/2014/main" id="{0E152820-75D2-440D-9EBB-9F82C32D4859}"/>
-              </a:ext>
-            </a:extLst>
-          </p:cNvPr>
-          <p:cNvSpPr>
-            <a:spLocks noGrp="1"/>
-          </p:cNvSpPr>
-          <p:nvPr>
-            <p:ph type="title"/>
-          </p:nvPr>
-        </p:nvSpPr>
-        <p:spPr/>
-        <p:txBody>
-          <a:bodyPr/>
-          <a:lstStyle/>
-          <a:p>
-            <a:r>
-              <a:rPr lang="pt-BR" dirty="0"/>
-              <a:t>Introdução ao Box </a:t>
-            </a:r>
-            <a:r>
-              <a:rPr lang="pt-BR" dirty="0" err="1"/>
-              <a:t>Model</a:t>
-            </a:r>
-            <a:endParaRPr lang="pt-BR" dirty="0"/>
-          </a:p>
-        </p:txBody>
-      </p:sp>
-      <p:sp>
-        <p:nvSpPr>
-          <p:cNvPr id="3" name="Espaço Reservado para Conteúdo 2">
-            <a:extLst>
-              <a:ext uri="{FF2B5EF4-FFF2-40B4-BE49-F238E27FC236}">
-                <a16:creationId xmlns:a16="http://schemas.microsoft.com/office/drawing/2014/main" id="{21E9FD1C-9714-4522-A2B6-1135CFFF329B}"/>
+                <a16:creationId xmlns:a16="http://schemas.microsoft.com/office/drawing/2014/main" id="{198AB1AD-DEC6-4746-B28D-43A630B62AB4}"/>
               </a:ext>
             </a:extLst>
           </p:cNvPr>
@@ -9423,99 +9939,120 @@
           <a:p>
             <a:r>
               <a:rPr lang="pt-BR" dirty="0"/>
-              <a:t>O modelo de caixa (box </a:t>
+              <a:t>Crie um &lt;</a:t>
             </a:r>
             <a:r>
               <a:rPr lang="pt-BR" dirty="0" err="1"/>
-              <a:t>model</a:t>
+              <a:t>div</a:t>
             </a:r>
             <a:r>
               <a:rPr lang="pt-BR" dirty="0"/>
-              <a:t>) é um conceito fundamental no CSS que descreve como os elementos de uma página web são representados e dispostos na tela. De acordo com esse modelo, cada elemento é tratado como uma caixa retangular composta por quatro áreas principais:</a:t>
-            </a:r>
-          </a:p>
-          <a:p>
-            <a:pPr marL="1028700" lvl="1" indent="-342900"/>
-            <a:r>
-              <a:rPr lang="pt-BR" b="1" dirty="0"/>
-              <a:t>Conteúdo (</a:t>
-            </a:r>
-            <a:r>
-              <a:rPr lang="pt-BR" b="1" dirty="0" err="1"/>
-              <a:t>Content</a:t>
-            </a:r>
-            <a:r>
-              <a:rPr lang="pt-BR" b="1" dirty="0"/>
-              <a:t>): </a:t>
+              <a:t>&gt; pai, duas &lt;</a:t>
+            </a:r>
+            <a:r>
+              <a:rPr lang="pt-BR" dirty="0" err="1"/>
+              <a:t>div</a:t>
             </a:r>
             <a:r>
               <a:rPr lang="pt-BR" dirty="0"/>
-              <a:t>Parte central da caixa, onde o conteúdo como texto ou imagens é exibido.</a:t>
-            </a:r>
-          </a:p>
-          <a:p>
-            <a:pPr marL="1028700" lvl="1" indent="-342900"/>
-            <a:r>
-              <a:rPr lang="pt-BR" b="1" dirty="0"/>
-              <a:t>Preenchimento (</a:t>
-            </a:r>
-            <a:r>
-              <a:rPr lang="pt-BR" b="1" dirty="0" err="1"/>
-              <a:t>Padding</a:t>
-            </a:r>
-            <a:r>
-              <a:rPr lang="pt-BR" b="1" dirty="0"/>
-              <a:t>): </a:t>
-            </a:r>
-            <a:r>
-              <a:rPr lang="pt-BR" dirty="0"/>
-              <a:t>Espaço interno entre o conteúdo e a borda, criando um espaço adicional ao redor do conteúdo.</a:t>
-            </a:r>
-          </a:p>
-          <a:p>
-            <a:pPr marL="1028700" lvl="1" indent="-342900"/>
-            <a:r>
-              <a:rPr lang="pt-BR" b="1" dirty="0"/>
-              <a:t>Borda (</a:t>
-            </a:r>
-            <a:r>
-              <a:rPr lang="pt-BR" b="1" dirty="0" err="1"/>
-              <a:t>Border</a:t>
-            </a:r>
-            <a:r>
-              <a:rPr lang="pt-BR" b="1" dirty="0"/>
-              <a:t>): </a:t>
-            </a:r>
-            <a:r>
-              <a:rPr lang="pt-BR" dirty="0"/>
-              <a:t>Linha que envolve o conteúdo e o </a:t>
-            </a:r>
-            <a:r>
-              <a:rPr lang="pt-BR" dirty="0" err="1"/>
-              <a:t>padding</a:t>
-            </a:r>
-            <a:r>
-              <a:rPr lang="pt-BR" dirty="0"/>
-              <a:t>, com propriedades de largura, estilo e cor.</a:t>
-            </a:r>
-          </a:p>
-          <a:p>
-            <a:pPr marL="1028700" lvl="1" indent="-342900"/>
-            <a:r>
-              <a:rPr lang="pt-BR" b="1" dirty="0"/>
-              <a:t>Margem (</a:t>
-            </a:r>
-            <a:r>
-              <a:rPr lang="pt-BR" b="1" dirty="0" err="1"/>
+              <a:t>&gt; filhos e estilize-as aplicando diferentes propriedades para melhorar a aparência e organização da página.</a:t>
+            </a:r>
+          </a:p>
+          <a:p>
+            <a:pPr lvl="1" indent="0">
+              <a:buNone/>
+            </a:pPr>
+            <a:r>
+              <a:rPr lang="pt-BR" sz="1800" dirty="0"/>
+              <a:t>Na </a:t>
+            </a:r>
+            <a:r>
+              <a:rPr lang="pt-BR" sz="1800" dirty="0" err="1"/>
+              <a:t>div</a:t>
+            </a:r>
+            <a:r>
+              <a:rPr lang="pt-BR" sz="1800" dirty="0"/>
+              <a:t> pai aplique os seguintes estilos:</a:t>
+            </a:r>
+          </a:p>
+          <a:p>
+            <a:pPr marL="1428750" lvl="2" indent="-285750"/>
+            <a:r>
+              <a:rPr lang="pt-BR" sz="1600" dirty="0" err="1"/>
               <a:t>Margin</a:t>
             </a:r>
             <a:r>
-              <a:rPr lang="pt-BR" b="1" dirty="0"/>
-              <a:t>): </a:t>
-            </a:r>
-            <a:r>
-              <a:rPr lang="pt-BR" dirty="0"/>
-              <a:t>Espaço externo ao redor da borda, usado para separar o elemento de outros elementos.</a:t>
+              <a:rPr lang="pt-BR" sz="1600" dirty="0"/>
+              <a:t>: Utilize o </a:t>
+            </a:r>
+            <a:r>
+              <a:rPr lang="pt-BR" sz="1600" dirty="0" err="1"/>
+              <a:t>margin</a:t>
+            </a:r>
+            <a:r>
+              <a:rPr lang="pt-BR" sz="1600" dirty="0"/>
+              <a:t> para deixar a caixa no meio da tela.</a:t>
+            </a:r>
+          </a:p>
+          <a:p>
+            <a:pPr lvl="1" indent="0">
+              <a:buNone/>
+            </a:pPr>
+            <a:r>
+              <a:rPr lang="pt-BR" sz="1800" dirty="0"/>
+              <a:t>Na </a:t>
+            </a:r>
+            <a:r>
+              <a:rPr lang="pt-BR" sz="1800" dirty="0" err="1"/>
+              <a:t>div</a:t>
+            </a:r>
+            <a:r>
+              <a:rPr lang="pt-BR" sz="1800" dirty="0"/>
+              <a:t> filho aplique os seguintes estilos:</a:t>
+            </a:r>
+          </a:p>
+          <a:p>
+            <a:pPr marL="1485900" lvl="2" indent="-342900"/>
+            <a:r>
+              <a:rPr lang="pt-BR" sz="1600" dirty="0"/>
+              <a:t>Bordas: Defina uma borda sólida ao redor de cada &lt;</a:t>
+            </a:r>
+            <a:r>
+              <a:rPr lang="pt-BR" sz="1600" dirty="0" err="1"/>
+              <a:t>div</a:t>
+            </a:r>
+            <a:r>
+              <a:rPr lang="pt-BR" sz="1600" dirty="0"/>
+              <a:t>&gt; com cores diferentes.</a:t>
+            </a:r>
+          </a:p>
+          <a:p>
+            <a:pPr marL="1485900" lvl="2" indent="-342900"/>
+            <a:r>
+              <a:rPr lang="pt-BR" sz="1600" dirty="0" err="1"/>
+              <a:t>Border-Radius</a:t>
+            </a:r>
+            <a:r>
+              <a:rPr lang="pt-BR" sz="1600" dirty="0"/>
+              <a:t>: Arredonde os cantos das caixas para um visual mais suave.</a:t>
+            </a:r>
+          </a:p>
+          <a:p>
+            <a:pPr marL="1485900" lvl="2" indent="-342900"/>
+            <a:r>
+              <a:rPr lang="pt-BR" sz="1600" dirty="0"/>
+              <a:t>Box-Shadow: Adicione sombras sutis para criar um efeito de profundidade.</a:t>
+            </a:r>
+          </a:p>
+          <a:p>
+            <a:pPr marL="1485900" lvl="2" indent="-342900"/>
+            <a:r>
+              <a:rPr lang="pt-BR" sz="1600" dirty="0" err="1"/>
+              <a:t>Margin</a:t>
+            </a:r>
+            <a:r>
+              <a:rPr lang="pt-BR" sz="1600" dirty="0"/>
+              <a:t>: Ajuste o espaçamento externo para separar as caixa</a:t>
             </a:r>
           </a:p>
         </p:txBody>
@@ -9523,7 +10060,7 @@
     </p:spTree>
     <p:extLst>
       <p:ext uri="{BB962C8B-B14F-4D97-AF65-F5344CB8AC3E}">
-        <p14:creationId xmlns:p14="http://schemas.microsoft.com/office/powerpoint/2010/main" val="3972804751"/>
+        <p14:creationId xmlns:p14="http://schemas.microsoft.com/office/powerpoint/2010/main" val="4122500826"/>
       </p:ext>
     </p:extLst>
   </p:cSld>
